--- a/pres/Information Retrieval.pptx
+++ b/pres/Information Retrieval.pptx
@@ -5,22 +5,27 @@
     <p:sldMasterId id="2147483705" r:id="rId1"/>
   </p:sldMasterIdLst>
   <p:notesMasterIdLst>
-    <p:notesMasterId r:id="rId15"/>
+    <p:notesMasterId r:id="rId20"/>
   </p:notesMasterIdLst>
   <p:sldIdLst>
     <p:sldId id="256" r:id="rId2"/>
-    <p:sldId id="257" r:id="rId3"/>
-    <p:sldId id="258" r:id="rId4"/>
-    <p:sldId id="262" r:id="rId5"/>
-    <p:sldId id="264" r:id="rId6"/>
-    <p:sldId id="263" r:id="rId7"/>
-    <p:sldId id="265" r:id="rId8"/>
-    <p:sldId id="259" r:id="rId9"/>
-    <p:sldId id="270" r:id="rId10"/>
-    <p:sldId id="260" r:id="rId11"/>
-    <p:sldId id="267" r:id="rId12"/>
-    <p:sldId id="261" r:id="rId13"/>
-    <p:sldId id="269" r:id="rId14"/>
+    <p:sldId id="271" r:id="rId3"/>
+    <p:sldId id="257" r:id="rId4"/>
+    <p:sldId id="258" r:id="rId5"/>
+    <p:sldId id="262" r:id="rId6"/>
+    <p:sldId id="264" r:id="rId7"/>
+    <p:sldId id="263" r:id="rId8"/>
+    <p:sldId id="265" r:id="rId9"/>
+    <p:sldId id="272" r:id="rId10"/>
+    <p:sldId id="259" r:id="rId11"/>
+    <p:sldId id="270" r:id="rId12"/>
+    <p:sldId id="273" r:id="rId13"/>
+    <p:sldId id="260" r:id="rId14"/>
+    <p:sldId id="275" r:id="rId15"/>
+    <p:sldId id="274" r:id="rId16"/>
+    <p:sldId id="267" r:id="rId17"/>
+    <p:sldId id="261" r:id="rId18"/>
+    <p:sldId id="269" r:id="rId19"/>
   </p:sldIdLst>
   <p:sldSz cx="12192000" cy="6858000"/>
   <p:notesSz cx="6858000" cy="9144000"/>
@@ -119,6 +124,11 @@
       </a:defRPr>
     </a:lvl9pPr>
   </p:defaultTextStyle>
+  <p:extLst>
+    <p:ext uri="{EFAFB233-063F-42B5-8137-9DF3F51BA10A}">
+      <p15:sldGuideLst xmlns:p15="http://schemas.microsoft.com/office/powerpoint/2012/main"/>
+    </p:ext>
+  </p:extLst>
 </p:presentation>
 </file>
 
@@ -537,7 +547,7 @@
           <a:p>
             <a:fld id="{A3931756-1A26-4EED-9873-6729A75B7132}" type="slidenum">
               <a:rPr lang="de-DE" smtClean="0"/>
-              <a:t>2</a:t>
+              <a:t>3</a:t>
             </a:fld>
             <a:endParaRPr lang="de-DE"/>
           </a:p>
@@ -547,6 +557,174 @@
     <p:extLst>
       <p:ext uri="{BB962C8B-B14F-4D97-AF65-F5344CB8AC3E}">
         <p14:creationId xmlns:p14="http://schemas.microsoft.com/office/powerpoint/2010/main" val="2761870666"/>
+      </p:ext>
+    </p:extLst>
+  </p:cSld>
+  <p:clrMapOvr>
+    <a:masterClrMapping/>
+  </p:clrMapOvr>
+</p:notes>
+</file>
+
+<file path=ppt/notesSlides/notesSlide2.xml><?xml version="1.0" encoding="utf-8"?>
+<p:notes xmlns:a="http://schemas.openxmlformats.org/drawingml/2006/main" xmlns:r="http://schemas.openxmlformats.org/officeDocument/2006/relationships" xmlns:p="http://schemas.openxmlformats.org/presentationml/2006/main">
+  <p:cSld>
+    <p:spTree>
+      <p:nvGrpSpPr>
+        <p:cNvPr id="1" name=""/>
+        <p:cNvGrpSpPr/>
+        <p:nvPr/>
+      </p:nvGrpSpPr>
+      <p:grpSpPr>
+        <a:xfrm>
+          <a:off x="0" y="0"/>
+          <a:ext cx="0" cy="0"/>
+          <a:chOff x="0" y="0"/>
+          <a:chExt cx="0" cy="0"/>
+        </a:xfrm>
+      </p:grpSpPr>
+      <p:sp>
+        <p:nvSpPr>
+          <p:cNvPr id="2" name="Folienbildplatzhalter 1"/>
+          <p:cNvSpPr>
+            <a:spLocks noGrp="1" noRot="1" noChangeAspect="1"/>
+          </p:cNvSpPr>
+          <p:nvPr>
+            <p:ph type="sldImg"/>
+          </p:nvPr>
+        </p:nvSpPr>
+        <p:spPr/>
+      </p:sp>
+      <p:sp>
+        <p:nvSpPr>
+          <p:cNvPr id="3" name="Notizenplatzhalter 2"/>
+          <p:cNvSpPr>
+            <a:spLocks noGrp="1"/>
+          </p:cNvSpPr>
+          <p:nvPr>
+            <p:ph type="body" idx="1"/>
+          </p:nvPr>
+        </p:nvSpPr>
+        <p:spPr/>
+        <p:txBody>
+          <a:bodyPr/>
+          <a:lstStyle/>
+          <a:p>
+            <a:endParaRPr lang="de-DE"/>
+          </a:p>
+        </p:txBody>
+      </p:sp>
+      <p:sp>
+        <p:nvSpPr>
+          <p:cNvPr id="4" name="Foliennummernplatzhalter 3"/>
+          <p:cNvSpPr>
+            <a:spLocks noGrp="1"/>
+          </p:cNvSpPr>
+          <p:nvPr>
+            <p:ph type="sldNum" sz="quarter" idx="10"/>
+          </p:nvPr>
+        </p:nvSpPr>
+        <p:spPr/>
+        <p:txBody>
+          <a:bodyPr/>
+          <a:lstStyle/>
+          <a:p>
+            <a:fld id="{A3931756-1A26-4EED-9873-6729A75B7132}" type="slidenum">
+              <a:rPr lang="de-DE" smtClean="0"/>
+              <a:t>9</a:t>
+            </a:fld>
+            <a:endParaRPr lang="de-DE"/>
+          </a:p>
+        </p:txBody>
+      </p:sp>
+    </p:spTree>
+    <p:extLst>
+      <p:ext uri="{BB962C8B-B14F-4D97-AF65-F5344CB8AC3E}">
+        <p14:creationId xmlns:p14="http://schemas.microsoft.com/office/powerpoint/2010/main" val="3600895466"/>
+      </p:ext>
+    </p:extLst>
+  </p:cSld>
+  <p:clrMapOvr>
+    <a:masterClrMapping/>
+  </p:clrMapOvr>
+</p:notes>
+</file>
+
+<file path=ppt/notesSlides/notesSlide3.xml><?xml version="1.0" encoding="utf-8"?>
+<p:notes xmlns:a="http://schemas.openxmlformats.org/drawingml/2006/main" xmlns:r="http://schemas.openxmlformats.org/officeDocument/2006/relationships" xmlns:p="http://schemas.openxmlformats.org/presentationml/2006/main">
+  <p:cSld>
+    <p:spTree>
+      <p:nvGrpSpPr>
+        <p:cNvPr id="1" name=""/>
+        <p:cNvGrpSpPr/>
+        <p:nvPr/>
+      </p:nvGrpSpPr>
+      <p:grpSpPr>
+        <a:xfrm>
+          <a:off x="0" y="0"/>
+          <a:ext cx="0" cy="0"/>
+          <a:chOff x="0" y="0"/>
+          <a:chExt cx="0" cy="0"/>
+        </a:xfrm>
+      </p:grpSpPr>
+      <p:sp>
+        <p:nvSpPr>
+          <p:cNvPr id="2" name="Folienbildplatzhalter 1"/>
+          <p:cNvSpPr>
+            <a:spLocks noGrp="1" noRot="1" noChangeAspect="1"/>
+          </p:cNvSpPr>
+          <p:nvPr>
+            <p:ph type="sldImg"/>
+          </p:nvPr>
+        </p:nvSpPr>
+        <p:spPr/>
+      </p:sp>
+      <p:sp>
+        <p:nvSpPr>
+          <p:cNvPr id="3" name="Notizenplatzhalter 2"/>
+          <p:cNvSpPr>
+            <a:spLocks noGrp="1"/>
+          </p:cNvSpPr>
+          <p:nvPr>
+            <p:ph type="body" idx="1"/>
+          </p:nvPr>
+        </p:nvSpPr>
+        <p:spPr/>
+        <p:txBody>
+          <a:bodyPr/>
+          <a:lstStyle/>
+          <a:p>
+            <a:endParaRPr lang="de-DE"/>
+          </a:p>
+        </p:txBody>
+      </p:sp>
+      <p:sp>
+        <p:nvSpPr>
+          <p:cNvPr id="4" name="Foliennummernplatzhalter 3"/>
+          <p:cNvSpPr>
+            <a:spLocks noGrp="1"/>
+          </p:cNvSpPr>
+          <p:nvPr>
+            <p:ph type="sldNum" sz="quarter" idx="10"/>
+          </p:nvPr>
+        </p:nvSpPr>
+        <p:spPr/>
+        <p:txBody>
+          <a:bodyPr/>
+          <a:lstStyle/>
+          <a:p>
+            <a:fld id="{A3931756-1A26-4EED-9873-6729A75B7132}" type="slidenum">
+              <a:rPr lang="de-DE" smtClean="0"/>
+              <a:t>12</a:t>
+            </a:fld>
+            <a:endParaRPr lang="de-DE"/>
+          </a:p>
+        </p:txBody>
+      </p:sp>
+    </p:spTree>
+    <p:extLst>
+      <p:ext uri="{BB962C8B-B14F-4D97-AF65-F5344CB8AC3E}">
+        <p14:creationId xmlns:p14="http://schemas.microsoft.com/office/powerpoint/2010/main" val="1838056153"/>
       </p:ext>
     </p:extLst>
   </p:cSld>
@@ -613,7 +791,7 @@
           <a:noFill/>
           <a:extLst>
             <a:ext uri="{909E8E84-426E-40dd-AFC4-6F175D3DCCD1}">
-              <a14:hiddenFill xmlns:a14="http://schemas.microsoft.com/office/drawing/2010/main" xmlns="">
+              <a14:hiddenFill xmlns="" xmlns:a14="http://schemas.microsoft.com/office/drawing/2010/main">
                 <a:solidFill>
                   <a:srgbClr val="FFFFFF"/>
                 </a:solidFill>
@@ -672,7 +850,7 @@
             </a:ln>
             <a:extLst>
               <a:ext uri="{91240B29-F687-4f45-9708-019B960494DF}">
-                <a14:hiddenLine xmlns:a14="http://schemas.microsoft.com/office/drawing/2010/main" xmlns="" w="9525">
+                <a14:hiddenLine xmlns="" xmlns:a14="http://schemas.microsoft.com/office/drawing/2010/main" w="9525">
                   <a:solidFill>
                     <a:srgbClr val="000000"/>
                   </a:solidFill>
@@ -762,7 +940,7 @@
             </a:ln>
             <a:extLst>
               <a:ext uri="{91240B29-F687-4f45-9708-019B960494DF}">
-                <a14:hiddenLine xmlns:a14="http://schemas.microsoft.com/office/drawing/2010/main" xmlns="" w="9525">
+                <a14:hiddenLine xmlns="" xmlns:a14="http://schemas.microsoft.com/office/drawing/2010/main" w="9525">
                   <a:solidFill>
                     <a:srgbClr val="000000"/>
                   </a:solidFill>
@@ -852,7 +1030,7 @@
             </a:ln>
             <a:extLst>
               <a:ext uri="{91240B29-F687-4f45-9708-019B960494DF}">
-                <a14:hiddenLine xmlns:a14="http://schemas.microsoft.com/office/drawing/2010/main" xmlns="" w="9525">
+                <a14:hiddenLine xmlns="" xmlns:a14="http://schemas.microsoft.com/office/drawing/2010/main" w="9525">
                   <a:solidFill>
                     <a:srgbClr val="000000"/>
                   </a:solidFill>
@@ -886,7 +1064,7 @@
             </a:ln>
             <a:extLst>
               <a:ext uri="{91240B29-F687-4f45-9708-019B960494DF}">
-                <a14:hiddenLine xmlns:a14="http://schemas.microsoft.com/office/drawing/2010/main" xmlns="" w="9525">
+                <a14:hiddenLine xmlns="" xmlns:a14="http://schemas.microsoft.com/office/drawing/2010/main" w="9525">
                   <a:solidFill>
                     <a:srgbClr val="000000"/>
                   </a:solidFill>
@@ -976,7 +1154,7 @@
             </a:ln>
             <a:extLst>
               <a:ext uri="{91240B29-F687-4f45-9708-019B960494DF}">
-                <a14:hiddenLine xmlns:a14="http://schemas.microsoft.com/office/drawing/2010/main" xmlns="" w="9525">
+                <a14:hiddenLine xmlns="" xmlns:a14="http://schemas.microsoft.com/office/drawing/2010/main" w="9525">
                   <a:solidFill>
                     <a:srgbClr val="000000"/>
                   </a:solidFill>
@@ -1038,7 +1216,7 @@
             </a:ln>
             <a:extLst>
               <a:ext uri="{91240B29-F687-4f45-9708-019B960494DF}">
-                <a14:hiddenLine xmlns:a14="http://schemas.microsoft.com/office/drawing/2010/main" xmlns="" w="9525">
+                <a14:hiddenLine xmlns="" xmlns:a14="http://schemas.microsoft.com/office/drawing/2010/main" w="9525">
                   <a:solidFill>
                     <a:srgbClr val="000000"/>
                   </a:solidFill>
@@ -1100,7 +1278,7 @@
             </a:ln>
             <a:extLst>
               <a:ext uri="{91240B29-F687-4f45-9708-019B960494DF}">
-                <a14:hiddenLine xmlns:a14="http://schemas.microsoft.com/office/drawing/2010/main" xmlns="" w="9525">
+                <a14:hiddenLine xmlns="" xmlns:a14="http://schemas.microsoft.com/office/drawing/2010/main" w="9525">
                   <a:solidFill>
                     <a:srgbClr val="000000"/>
                   </a:solidFill>
@@ -1190,7 +1368,7 @@
             </a:ln>
             <a:extLst>
               <a:ext uri="{91240B29-F687-4f45-9708-019B960494DF}">
-                <a14:hiddenLine xmlns:a14="http://schemas.microsoft.com/office/drawing/2010/main" xmlns="" w="9525">
+                <a14:hiddenLine xmlns="" xmlns:a14="http://schemas.microsoft.com/office/drawing/2010/main" w="9525">
                   <a:solidFill>
                     <a:srgbClr val="000000"/>
                   </a:solidFill>
@@ -1252,7 +1430,7 @@
             </a:ln>
             <a:extLst>
               <a:ext uri="{91240B29-F687-4f45-9708-019B960494DF}">
-                <a14:hiddenLine xmlns:a14="http://schemas.microsoft.com/office/drawing/2010/main" xmlns="" w="9525">
+                <a14:hiddenLine xmlns="" xmlns:a14="http://schemas.microsoft.com/office/drawing/2010/main" w="9525">
                   <a:solidFill>
                     <a:srgbClr val="000000"/>
                   </a:solidFill>
@@ -1314,7 +1492,7 @@
             </a:ln>
             <a:extLst>
               <a:ext uri="{91240B29-F687-4f45-9708-019B960494DF}">
-                <a14:hiddenLine xmlns:a14="http://schemas.microsoft.com/office/drawing/2010/main" xmlns="" w="9525">
+                <a14:hiddenLine xmlns="" xmlns:a14="http://schemas.microsoft.com/office/drawing/2010/main" w="9525">
                   <a:solidFill>
                     <a:srgbClr val="000000"/>
                   </a:solidFill>
@@ -1404,7 +1582,7 @@
             </a:ln>
             <a:extLst>
               <a:ext uri="{91240B29-F687-4f45-9708-019B960494DF}">
-                <a14:hiddenLine xmlns:a14="http://schemas.microsoft.com/office/drawing/2010/main" xmlns="" w="9525">
+                <a14:hiddenLine xmlns="" xmlns:a14="http://schemas.microsoft.com/office/drawing/2010/main" w="9525">
                   <a:solidFill>
                     <a:srgbClr val="000000"/>
                   </a:solidFill>
@@ -1494,7 +1672,7 @@
             </a:ln>
             <a:extLst>
               <a:ext uri="{91240B29-F687-4f45-9708-019B960494DF}">
-                <a14:hiddenLine xmlns:a14="http://schemas.microsoft.com/office/drawing/2010/main" xmlns="" w="9525">
+                <a14:hiddenLine xmlns="" xmlns:a14="http://schemas.microsoft.com/office/drawing/2010/main" w="9525">
                   <a:solidFill>
                     <a:srgbClr val="000000"/>
                   </a:solidFill>
@@ -1556,7 +1734,7 @@
             </a:ln>
             <a:extLst>
               <a:ext uri="{91240B29-F687-4f45-9708-019B960494DF}">
-                <a14:hiddenLine xmlns:a14="http://schemas.microsoft.com/office/drawing/2010/main" xmlns="" w="9525">
+                <a14:hiddenLine xmlns="" xmlns:a14="http://schemas.microsoft.com/office/drawing/2010/main" w="9525">
                   <a:solidFill>
                     <a:srgbClr val="000000"/>
                   </a:solidFill>
@@ -1666,7 +1844,7 @@
             </a:ln>
             <a:extLst>
               <a:ext uri="{91240B29-F687-4f45-9708-019B960494DF}">
-                <a14:hiddenLine xmlns:a14="http://schemas.microsoft.com/office/drawing/2010/main" xmlns="" w="9525">
+                <a14:hiddenLine xmlns="" xmlns:a14="http://schemas.microsoft.com/office/drawing/2010/main" w="9525">
                   <a:solidFill>
                     <a:srgbClr val="000000"/>
                   </a:solidFill>
@@ -1728,7 +1906,7 @@
             </a:ln>
             <a:extLst>
               <a:ext uri="{91240B29-F687-4f45-9708-019B960494DF}">
-                <a14:hiddenLine xmlns:a14="http://schemas.microsoft.com/office/drawing/2010/main" xmlns="" w="9525">
+                <a14:hiddenLine xmlns="" xmlns:a14="http://schemas.microsoft.com/office/drawing/2010/main" w="9525">
                   <a:solidFill>
                     <a:srgbClr val="000000"/>
                   </a:solidFill>
@@ -1818,7 +1996,7 @@
             </a:ln>
             <a:extLst>
               <a:ext uri="{91240B29-F687-4f45-9708-019B960494DF}">
-                <a14:hiddenLine xmlns:a14="http://schemas.microsoft.com/office/drawing/2010/main" xmlns="" w="9525">
+                <a14:hiddenLine xmlns="" xmlns:a14="http://schemas.microsoft.com/office/drawing/2010/main" w="9525">
                   <a:solidFill>
                     <a:srgbClr val="000000"/>
                   </a:solidFill>
@@ -1908,7 +2086,7 @@
             </a:ln>
             <a:extLst>
               <a:ext uri="{91240B29-F687-4f45-9708-019B960494DF}">
-                <a14:hiddenLine xmlns:a14="http://schemas.microsoft.com/office/drawing/2010/main" xmlns="" w="9525">
+                <a14:hiddenLine xmlns="" xmlns:a14="http://schemas.microsoft.com/office/drawing/2010/main" w="9525">
                   <a:solidFill>
                     <a:srgbClr val="000000"/>
                   </a:solidFill>
@@ -1970,7 +2148,7 @@
             </a:ln>
             <a:extLst>
               <a:ext uri="{91240B29-F687-4f45-9708-019B960494DF}">
-                <a14:hiddenLine xmlns:a14="http://schemas.microsoft.com/office/drawing/2010/main" xmlns="" w="9525">
+                <a14:hiddenLine xmlns="" xmlns:a14="http://schemas.microsoft.com/office/drawing/2010/main" w="9525">
                   <a:solidFill>
                     <a:srgbClr val="000000"/>
                   </a:solidFill>
@@ -2060,7 +2238,7 @@
             </a:ln>
             <a:extLst>
               <a:ext uri="{91240B29-F687-4f45-9708-019B960494DF}">
-                <a14:hiddenLine xmlns:a14="http://schemas.microsoft.com/office/drawing/2010/main" xmlns="" w="9525">
+                <a14:hiddenLine xmlns="" xmlns:a14="http://schemas.microsoft.com/office/drawing/2010/main" w="9525">
                   <a:solidFill>
                     <a:srgbClr val="000000"/>
                   </a:solidFill>
@@ -2150,7 +2328,7 @@
             </a:ln>
             <a:extLst>
               <a:ext uri="{91240B29-F687-4f45-9708-019B960494DF}">
-                <a14:hiddenLine xmlns:a14="http://schemas.microsoft.com/office/drawing/2010/main" xmlns="" w="9525">
+                <a14:hiddenLine xmlns="" xmlns:a14="http://schemas.microsoft.com/office/drawing/2010/main" w="9525">
                   <a:solidFill>
                     <a:srgbClr val="000000"/>
                   </a:solidFill>
@@ -2206,7 +2384,7 @@
             </a:ln>
             <a:extLst>
               <a:ext uri="{91240B29-F687-4f45-9708-019B960494DF}">
-                <a14:hiddenLine xmlns:a14="http://schemas.microsoft.com/office/drawing/2010/main" xmlns="" w="9525">
+                <a14:hiddenLine xmlns="" xmlns:a14="http://schemas.microsoft.com/office/drawing/2010/main" w="9525">
                   <a:solidFill>
                     <a:srgbClr val="000000"/>
                   </a:solidFill>
@@ -2296,7 +2474,7 @@
             </a:ln>
             <a:extLst>
               <a:ext uri="{91240B29-F687-4f45-9708-019B960494DF}">
-                <a14:hiddenLine xmlns:a14="http://schemas.microsoft.com/office/drawing/2010/main" xmlns="" w="9525">
+                <a14:hiddenLine xmlns="" xmlns:a14="http://schemas.microsoft.com/office/drawing/2010/main" w="9525">
                   <a:solidFill>
                     <a:srgbClr val="000000"/>
                   </a:solidFill>
@@ -2352,7 +2530,7 @@
             </a:ln>
             <a:extLst>
               <a:ext uri="{91240B29-F687-4f45-9708-019B960494DF}">
-                <a14:hiddenLine xmlns:a14="http://schemas.microsoft.com/office/drawing/2010/main" xmlns="" w="9525">
+                <a14:hiddenLine xmlns="" xmlns:a14="http://schemas.microsoft.com/office/drawing/2010/main" w="9525">
                   <a:solidFill>
                     <a:srgbClr val="000000"/>
                   </a:solidFill>
@@ -2442,7 +2620,7 @@
             </a:ln>
             <a:extLst>
               <a:ext uri="{91240B29-F687-4f45-9708-019B960494DF}">
-                <a14:hiddenLine xmlns:a14="http://schemas.microsoft.com/office/drawing/2010/main" xmlns="" w="9525">
+                <a14:hiddenLine xmlns="" xmlns:a14="http://schemas.microsoft.com/office/drawing/2010/main" w="9525">
                   <a:solidFill>
                     <a:srgbClr val="000000"/>
                   </a:solidFill>
@@ -2510,7 +2688,7 @@
             </a:ln>
             <a:extLst>
               <a:ext uri="{91240B29-F687-4f45-9708-019B960494DF}">
-                <a14:hiddenLine xmlns:a14="http://schemas.microsoft.com/office/drawing/2010/main" xmlns="" w="9525">
+                <a14:hiddenLine xmlns="" xmlns:a14="http://schemas.microsoft.com/office/drawing/2010/main" w="9525">
                   <a:solidFill>
                     <a:srgbClr val="000000"/>
                   </a:solidFill>
@@ -2600,7 +2778,7 @@
             </a:ln>
             <a:extLst>
               <a:ext uri="{91240B29-F687-4f45-9708-019B960494DF}">
-                <a14:hiddenLine xmlns:a14="http://schemas.microsoft.com/office/drawing/2010/main" xmlns="" w="9525">
+                <a14:hiddenLine xmlns="" xmlns:a14="http://schemas.microsoft.com/office/drawing/2010/main" w="9525">
                   <a:solidFill>
                     <a:srgbClr val="000000"/>
                   </a:solidFill>
@@ -2668,7 +2846,7 @@
             </a:ln>
             <a:extLst>
               <a:ext uri="{91240B29-F687-4f45-9708-019B960494DF}">
-                <a14:hiddenLine xmlns:a14="http://schemas.microsoft.com/office/drawing/2010/main" xmlns="" w="9525">
+                <a14:hiddenLine xmlns="" xmlns:a14="http://schemas.microsoft.com/office/drawing/2010/main" w="9525">
                   <a:solidFill>
                     <a:srgbClr val="000000"/>
                   </a:solidFill>
@@ -2758,7 +2936,7 @@
             </a:ln>
             <a:extLst>
               <a:ext uri="{91240B29-F687-4f45-9708-019B960494DF}">
-                <a14:hiddenLine xmlns:a14="http://schemas.microsoft.com/office/drawing/2010/main" xmlns="" w="9525">
+                <a14:hiddenLine xmlns="" xmlns:a14="http://schemas.microsoft.com/office/drawing/2010/main" w="9525">
                   <a:solidFill>
                     <a:srgbClr val="000000"/>
                   </a:solidFill>
@@ -2792,7 +2970,7 @@
             </a:ln>
             <a:extLst>
               <a:ext uri="{91240B29-F687-4f45-9708-019B960494DF}">
-                <a14:hiddenLine xmlns:a14="http://schemas.microsoft.com/office/drawing/2010/main" xmlns="" w="9525">
+                <a14:hiddenLine xmlns="" xmlns:a14="http://schemas.microsoft.com/office/drawing/2010/main" w="9525">
                   <a:solidFill>
                     <a:srgbClr val="000000"/>
                   </a:solidFill>
@@ -2882,7 +3060,7 @@
             </a:ln>
             <a:extLst>
               <a:ext uri="{91240B29-F687-4f45-9708-019B960494DF}">
-                <a14:hiddenLine xmlns:a14="http://schemas.microsoft.com/office/drawing/2010/main" xmlns="" w="9525">
+                <a14:hiddenLine xmlns="" xmlns:a14="http://schemas.microsoft.com/office/drawing/2010/main" w="9525">
                   <a:solidFill>
                     <a:srgbClr val="000000"/>
                   </a:solidFill>
@@ -2944,7 +3122,7 @@
             </a:ln>
             <a:extLst>
               <a:ext uri="{91240B29-F687-4f45-9708-019B960494DF}">
-                <a14:hiddenLine xmlns:a14="http://schemas.microsoft.com/office/drawing/2010/main" xmlns="" w="9525">
+                <a14:hiddenLine xmlns="" xmlns:a14="http://schemas.microsoft.com/office/drawing/2010/main" w="9525">
                   <a:solidFill>
                     <a:srgbClr val="000000"/>
                   </a:solidFill>
@@ -3006,7 +3184,7 @@
             </a:ln>
             <a:extLst>
               <a:ext uri="{91240B29-F687-4f45-9708-019B960494DF}">
-                <a14:hiddenLine xmlns:a14="http://schemas.microsoft.com/office/drawing/2010/main" xmlns="" w="9525">
+                <a14:hiddenLine xmlns="" xmlns:a14="http://schemas.microsoft.com/office/drawing/2010/main" w="9525">
                   <a:solidFill>
                     <a:srgbClr val="000000"/>
                   </a:solidFill>
@@ -3096,7 +3274,7 @@
             </a:ln>
             <a:extLst>
               <a:ext uri="{91240B29-F687-4f45-9708-019B960494DF}">
-                <a14:hiddenLine xmlns:a14="http://schemas.microsoft.com/office/drawing/2010/main" xmlns="" w="9525">
+                <a14:hiddenLine xmlns="" xmlns:a14="http://schemas.microsoft.com/office/drawing/2010/main" w="9525">
                   <a:solidFill>
                     <a:srgbClr val="000000"/>
                   </a:solidFill>
@@ -3164,7 +3342,7 @@
             </a:ln>
             <a:extLst>
               <a:ext uri="{91240B29-F687-4f45-9708-019B960494DF}">
-                <a14:hiddenLine xmlns:a14="http://schemas.microsoft.com/office/drawing/2010/main" xmlns="" w="9525">
+                <a14:hiddenLine xmlns="" xmlns:a14="http://schemas.microsoft.com/office/drawing/2010/main" w="9525">
                   <a:solidFill>
                     <a:srgbClr val="000000"/>
                   </a:solidFill>
@@ -3226,7 +3404,7 @@
             </a:ln>
             <a:extLst>
               <a:ext uri="{91240B29-F687-4f45-9708-019B960494DF}">
-                <a14:hiddenLine xmlns:a14="http://schemas.microsoft.com/office/drawing/2010/main" xmlns="" w="9525">
+                <a14:hiddenLine xmlns="" xmlns:a14="http://schemas.microsoft.com/office/drawing/2010/main" w="9525">
                   <a:solidFill>
                     <a:srgbClr val="000000"/>
                   </a:solidFill>
@@ -3316,7 +3494,7 @@
             </a:ln>
             <a:extLst>
               <a:ext uri="{91240B29-F687-4f45-9708-019B960494DF}">
-                <a14:hiddenLine xmlns:a14="http://schemas.microsoft.com/office/drawing/2010/main" xmlns="" w="9525">
+                <a14:hiddenLine xmlns="" xmlns:a14="http://schemas.microsoft.com/office/drawing/2010/main" w="9525">
                   <a:solidFill>
                     <a:srgbClr val="000000"/>
                   </a:solidFill>
@@ -3378,7 +3556,7 @@
             </a:ln>
             <a:extLst>
               <a:ext uri="{91240B29-F687-4f45-9708-019B960494DF}">
-                <a14:hiddenLine xmlns:a14="http://schemas.microsoft.com/office/drawing/2010/main" xmlns="" w="9525">
+                <a14:hiddenLine xmlns="" xmlns:a14="http://schemas.microsoft.com/office/drawing/2010/main" w="9525">
                   <a:solidFill>
                     <a:srgbClr val="000000"/>
                   </a:solidFill>
@@ -3468,7 +3646,7 @@
             </a:ln>
             <a:extLst>
               <a:ext uri="{91240B29-F687-4f45-9708-019B960494DF}">
-                <a14:hiddenLine xmlns:a14="http://schemas.microsoft.com/office/drawing/2010/main" xmlns="" w="9525">
+                <a14:hiddenLine xmlns="" xmlns:a14="http://schemas.microsoft.com/office/drawing/2010/main" w="9525">
                   <a:solidFill>
                     <a:srgbClr val="000000"/>
                   </a:solidFill>
@@ -3530,7 +3708,7 @@
             </a:ln>
             <a:extLst>
               <a:ext uri="{91240B29-F687-4f45-9708-019B960494DF}">
-                <a14:hiddenLine xmlns:a14="http://schemas.microsoft.com/office/drawing/2010/main" xmlns="" w="9525">
+                <a14:hiddenLine xmlns="" xmlns:a14="http://schemas.microsoft.com/office/drawing/2010/main" w="9525">
                   <a:solidFill>
                     <a:srgbClr val="000000"/>
                   </a:solidFill>
@@ -3620,7 +3798,7 @@
             </a:ln>
             <a:extLst>
               <a:ext uri="{91240B29-F687-4f45-9708-019B960494DF}">
-                <a14:hiddenLine xmlns:a14="http://schemas.microsoft.com/office/drawing/2010/main" xmlns="" w="9525">
+                <a14:hiddenLine xmlns="" xmlns:a14="http://schemas.microsoft.com/office/drawing/2010/main" w="9525">
                   <a:solidFill>
                     <a:srgbClr val="000000"/>
                   </a:solidFill>
@@ -3654,7 +3832,7 @@
             </a:ln>
             <a:extLst>
               <a:ext uri="{91240B29-F687-4f45-9708-019B960494DF}">
-                <a14:hiddenLine xmlns:a14="http://schemas.microsoft.com/office/drawing/2010/main" xmlns="" w="9525">
+                <a14:hiddenLine xmlns="" xmlns:a14="http://schemas.microsoft.com/office/drawing/2010/main" w="9525">
                   <a:solidFill>
                     <a:srgbClr val="000000"/>
                   </a:solidFill>
@@ -3719,7 +3897,7 @@
             </a:ln>
             <a:extLst>
               <a:ext uri="{91240B29-F687-4f45-9708-019B960494DF}">
-                <a14:hiddenLine xmlns:a14="http://schemas.microsoft.com/office/drawing/2010/main" xmlns="" w="9525">
+                <a14:hiddenLine xmlns="" xmlns:a14="http://schemas.microsoft.com/office/drawing/2010/main" w="9525">
                   <a:solidFill>
                     <a:srgbClr val="000000"/>
                   </a:solidFill>
@@ -3809,7 +3987,7 @@
             </a:ln>
             <a:extLst>
               <a:ext uri="{91240B29-F687-4f45-9708-019B960494DF}">
-                <a14:hiddenLine xmlns:a14="http://schemas.microsoft.com/office/drawing/2010/main" xmlns="" w="9525">
+                <a14:hiddenLine xmlns="" xmlns:a14="http://schemas.microsoft.com/office/drawing/2010/main" w="9525">
                   <a:solidFill>
                     <a:srgbClr val="000000"/>
                   </a:solidFill>
@@ -3871,7 +4049,7 @@
             </a:ln>
             <a:extLst>
               <a:ext uri="{91240B29-F687-4f45-9708-019B960494DF}">
-                <a14:hiddenLine xmlns:a14="http://schemas.microsoft.com/office/drawing/2010/main" xmlns="" w="9525">
+                <a14:hiddenLine xmlns="" xmlns:a14="http://schemas.microsoft.com/office/drawing/2010/main" w="9525">
                   <a:solidFill>
                     <a:srgbClr val="000000"/>
                   </a:solidFill>
@@ -3961,7 +4139,7 @@
             </a:ln>
             <a:extLst>
               <a:ext uri="{91240B29-F687-4f45-9708-019B960494DF}">
-                <a14:hiddenLine xmlns:a14="http://schemas.microsoft.com/office/drawing/2010/main" xmlns="" w="9525">
+                <a14:hiddenLine xmlns="" xmlns:a14="http://schemas.microsoft.com/office/drawing/2010/main" w="9525">
                   <a:solidFill>
                     <a:srgbClr val="000000"/>
                   </a:solidFill>
@@ -4051,7 +4229,7 @@
             </a:ln>
             <a:extLst>
               <a:ext uri="{91240B29-F687-4f45-9708-019B960494DF}">
-                <a14:hiddenLine xmlns:a14="http://schemas.microsoft.com/office/drawing/2010/main" xmlns="" w="9525">
+                <a14:hiddenLine xmlns="" xmlns:a14="http://schemas.microsoft.com/office/drawing/2010/main" w="9525">
                   <a:solidFill>
                     <a:srgbClr val="000000"/>
                   </a:solidFill>
@@ -4116,7 +4294,7 @@
             </a:ln>
             <a:extLst>
               <a:ext uri="{91240B29-F687-4f45-9708-019B960494DF}">
-                <a14:hiddenLine xmlns:a14="http://schemas.microsoft.com/office/drawing/2010/main" xmlns="" w="9525">
+                <a14:hiddenLine xmlns="" xmlns:a14="http://schemas.microsoft.com/office/drawing/2010/main" w="9525">
                   <a:solidFill>
                     <a:srgbClr val="000000"/>
                   </a:solidFill>
@@ -4178,7 +4356,7 @@
             </a:ln>
             <a:extLst>
               <a:ext uri="{91240B29-F687-4f45-9708-019B960494DF}">
-                <a14:hiddenLine xmlns:a14="http://schemas.microsoft.com/office/drawing/2010/main" xmlns="" w="9525">
+                <a14:hiddenLine xmlns="" xmlns:a14="http://schemas.microsoft.com/office/drawing/2010/main" w="9525">
                   <a:solidFill>
                     <a:srgbClr val="000000"/>
                   </a:solidFill>
@@ -4268,7 +4446,7 @@
             </a:ln>
             <a:extLst>
               <a:ext uri="{91240B29-F687-4f45-9708-019B960494DF}">
-                <a14:hiddenLine xmlns:a14="http://schemas.microsoft.com/office/drawing/2010/main" xmlns="" w="9525">
+                <a14:hiddenLine xmlns="" xmlns:a14="http://schemas.microsoft.com/office/drawing/2010/main" w="9525">
                   <a:solidFill>
                     <a:srgbClr val="000000"/>
                   </a:solidFill>
@@ -4358,7 +4536,7 @@
             </a:ln>
             <a:extLst>
               <a:ext uri="{91240B29-F687-4f45-9708-019B960494DF}">
-                <a14:hiddenLine xmlns:a14="http://schemas.microsoft.com/office/drawing/2010/main" xmlns="" w="9525">
+                <a14:hiddenLine xmlns="" xmlns:a14="http://schemas.microsoft.com/office/drawing/2010/main" w="9525">
                   <a:solidFill>
                     <a:srgbClr val="000000"/>
                   </a:solidFill>
@@ -4420,7 +4598,7 @@
             </a:ln>
             <a:extLst>
               <a:ext uri="{91240B29-F687-4f45-9708-019B960494DF}">
-                <a14:hiddenLine xmlns:a14="http://schemas.microsoft.com/office/drawing/2010/main" xmlns="" w="9525">
+                <a14:hiddenLine xmlns="" xmlns:a14="http://schemas.microsoft.com/office/drawing/2010/main" w="9525">
                   <a:solidFill>
                     <a:srgbClr val="000000"/>
                   </a:solidFill>
@@ -4540,7 +4718,7 @@
             </a:ln>
             <a:extLst>
               <a:ext uri="{91240B29-F687-4f45-9708-019B960494DF}">
-                <a14:hiddenLine xmlns:a14="http://schemas.microsoft.com/office/drawing/2010/main" xmlns="" w="9525">
+                <a14:hiddenLine xmlns="" xmlns:a14="http://schemas.microsoft.com/office/drawing/2010/main" w="9525">
                   <a:solidFill>
                     <a:srgbClr val="000000"/>
                   </a:solidFill>
@@ -4608,7 +4786,7 @@
             </a:ln>
             <a:extLst>
               <a:ext uri="{91240B29-F687-4f45-9708-019B960494DF}">
-                <a14:hiddenLine xmlns:a14="http://schemas.microsoft.com/office/drawing/2010/main" xmlns="" w="9525">
+                <a14:hiddenLine xmlns="" xmlns:a14="http://schemas.microsoft.com/office/drawing/2010/main" w="9525">
                   <a:solidFill>
                     <a:srgbClr val="000000"/>
                   </a:solidFill>
@@ -4698,7 +4876,7 @@
             </a:ln>
             <a:extLst>
               <a:ext uri="{91240B29-F687-4f45-9708-019B960494DF}">
-                <a14:hiddenLine xmlns:a14="http://schemas.microsoft.com/office/drawing/2010/main" xmlns="" w="9525">
+                <a14:hiddenLine xmlns="" xmlns:a14="http://schemas.microsoft.com/office/drawing/2010/main" w="9525">
                   <a:solidFill>
                     <a:srgbClr val="000000"/>
                   </a:solidFill>
@@ -9512,7 +9690,7 @@
           <a:noFill/>
           <a:extLst>
             <a:ext uri="{909E8E84-426E-40dd-AFC4-6F175D3DCCD1}">
-              <a14:hiddenFill xmlns:a14="http://schemas.microsoft.com/office/drawing/2010/main" xmlns="">
+              <a14:hiddenFill xmlns="" xmlns:a14="http://schemas.microsoft.com/office/drawing/2010/main">
                 <a:solidFill>
                   <a:srgbClr val="FFFFFF"/>
                 </a:solidFill>
@@ -9586,7 +9764,7 @@
               </a:ln>
               <a:extLst>
                 <a:ext uri="{91240B29-F687-4f45-9708-019B960494DF}">
-                  <a14:hiddenLine xmlns:a14="http://schemas.microsoft.com/office/drawing/2010/main" xmlns="" w="9525">
+                  <a14:hiddenLine xmlns="" xmlns:a14="http://schemas.microsoft.com/office/drawing/2010/main" w="9525">
                     <a:solidFill>
                       <a:srgbClr val="000000"/>
                     </a:solidFill>
@@ -9676,7 +9854,7 @@
               </a:ln>
               <a:extLst>
                 <a:ext uri="{91240B29-F687-4f45-9708-019B960494DF}">
-                  <a14:hiddenLine xmlns:a14="http://schemas.microsoft.com/office/drawing/2010/main" xmlns="" w="9525">
+                  <a14:hiddenLine xmlns="" xmlns:a14="http://schemas.microsoft.com/office/drawing/2010/main" w="9525">
                     <a:solidFill>
                       <a:srgbClr val="000000"/>
                     </a:solidFill>
@@ -9766,7 +9944,7 @@
               </a:ln>
               <a:extLst>
                 <a:ext uri="{91240B29-F687-4f45-9708-019B960494DF}">
-                  <a14:hiddenLine xmlns:a14="http://schemas.microsoft.com/office/drawing/2010/main" xmlns="" w="9525">
+                  <a14:hiddenLine xmlns="" xmlns:a14="http://schemas.microsoft.com/office/drawing/2010/main" w="9525">
                     <a:solidFill>
                       <a:srgbClr val="000000"/>
                     </a:solidFill>
@@ -9828,7 +10006,7 @@
               </a:ln>
               <a:extLst>
                 <a:ext uri="{91240B29-F687-4f45-9708-019B960494DF}">
-                  <a14:hiddenLine xmlns:a14="http://schemas.microsoft.com/office/drawing/2010/main" xmlns="" w="9525">
+                  <a14:hiddenLine xmlns="" xmlns:a14="http://schemas.microsoft.com/office/drawing/2010/main" w="9525">
                     <a:solidFill>
                       <a:srgbClr val="000000"/>
                     </a:solidFill>
@@ -9918,7 +10096,7 @@
               </a:ln>
               <a:extLst>
                 <a:ext uri="{91240B29-F687-4f45-9708-019B960494DF}">
-                  <a14:hiddenLine xmlns:a14="http://schemas.microsoft.com/office/drawing/2010/main" xmlns="" w="9525">
+                  <a14:hiddenLine xmlns="" xmlns:a14="http://schemas.microsoft.com/office/drawing/2010/main" w="9525">
                     <a:solidFill>
                       <a:srgbClr val="000000"/>
                     </a:solidFill>
@@ -9980,7 +10158,7 @@
               </a:ln>
               <a:extLst>
                 <a:ext uri="{91240B29-F687-4f45-9708-019B960494DF}">
-                  <a14:hiddenLine xmlns:a14="http://schemas.microsoft.com/office/drawing/2010/main" xmlns="" w="9525">
+                  <a14:hiddenLine xmlns="" xmlns:a14="http://schemas.microsoft.com/office/drawing/2010/main" w="9525">
                     <a:solidFill>
                       <a:srgbClr val="000000"/>
                     </a:solidFill>
@@ -10042,7 +10220,7 @@
               </a:ln>
               <a:extLst>
                 <a:ext uri="{91240B29-F687-4f45-9708-019B960494DF}">
-                  <a14:hiddenLine xmlns:a14="http://schemas.microsoft.com/office/drawing/2010/main" xmlns="" w="9525">
+                  <a14:hiddenLine xmlns="" xmlns:a14="http://schemas.microsoft.com/office/drawing/2010/main" w="9525">
                     <a:solidFill>
                       <a:srgbClr val="000000"/>
                     </a:solidFill>
@@ -10132,7 +10310,7 @@
               </a:ln>
               <a:extLst>
                 <a:ext uri="{91240B29-F687-4f45-9708-019B960494DF}">
-                  <a14:hiddenLine xmlns:a14="http://schemas.microsoft.com/office/drawing/2010/main" xmlns="" w="9525">
+                  <a14:hiddenLine xmlns="" xmlns:a14="http://schemas.microsoft.com/office/drawing/2010/main" w="9525">
                     <a:solidFill>
                       <a:srgbClr val="000000"/>
                     </a:solidFill>
@@ -10222,7 +10400,7 @@
               </a:ln>
               <a:extLst>
                 <a:ext uri="{91240B29-F687-4f45-9708-019B960494DF}">
-                  <a14:hiddenLine xmlns:a14="http://schemas.microsoft.com/office/drawing/2010/main" xmlns="" w="9525">
+                  <a14:hiddenLine xmlns="" xmlns:a14="http://schemas.microsoft.com/office/drawing/2010/main" w="9525">
                     <a:solidFill>
                       <a:srgbClr val="000000"/>
                     </a:solidFill>
@@ -10284,7 +10462,7 @@
               </a:ln>
               <a:extLst>
                 <a:ext uri="{91240B29-F687-4f45-9708-019B960494DF}">
-                  <a14:hiddenLine xmlns:a14="http://schemas.microsoft.com/office/drawing/2010/main" xmlns="" w="9525">
+                  <a14:hiddenLine xmlns="" xmlns:a14="http://schemas.microsoft.com/office/drawing/2010/main" w="9525">
                     <a:solidFill>
                       <a:srgbClr val="000000"/>
                     </a:solidFill>
@@ -10394,7 +10572,7 @@
               </a:ln>
               <a:extLst>
                 <a:ext uri="{91240B29-F687-4f45-9708-019B960494DF}">
-                  <a14:hiddenLine xmlns:a14="http://schemas.microsoft.com/office/drawing/2010/main" xmlns="" w="9525">
+                  <a14:hiddenLine xmlns="" xmlns:a14="http://schemas.microsoft.com/office/drawing/2010/main" w="9525">
                     <a:solidFill>
                       <a:srgbClr val="000000"/>
                     </a:solidFill>
@@ -10478,7 +10656,7 @@
               </a:ln>
               <a:extLst>
                 <a:ext uri="{91240B29-F687-4f45-9708-019B960494DF}">
-                  <a14:hiddenLine xmlns:a14="http://schemas.microsoft.com/office/drawing/2010/main" xmlns="" w="9525">
+                  <a14:hiddenLine xmlns="" xmlns:a14="http://schemas.microsoft.com/office/drawing/2010/main" w="9525">
                     <a:solidFill>
                       <a:srgbClr val="000000"/>
                     </a:solidFill>
@@ -10540,7 +10718,7 @@
               </a:ln>
               <a:extLst>
                 <a:ext uri="{91240B29-F687-4f45-9708-019B960494DF}">
-                  <a14:hiddenLine xmlns:a14="http://schemas.microsoft.com/office/drawing/2010/main" xmlns="" w="9525">
+                  <a14:hiddenLine xmlns="" xmlns:a14="http://schemas.microsoft.com/office/drawing/2010/main" w="9525">
                     <a:solidFill>
                       <a:srgbClr val="000000"/>
                     </a:solidFill>
@@ -10602,7 +10780,7 @@
               </a:ln>
               <a:extLst>
                 <a:ext uri="{91240B29-F687-4f45-9708-019B960494DF}">
-                  <a14:hiddenLine xmlns:a14="http://schemas.microsoft.com/office/drawing/2010/main" xmlns="" w="9525">
+                  <a14:hiddenLine xmlns="" xmlns:a14="http://schemas.microsoft.com/office/drawing/2010/main" w="9525">
                     <a:solidFill>
                       <a:srgbClr val="000000"/>
                     </a:solidFill>
@@ -10692,7 +10870,7 @@
               </a:ln>
               <a:extLst>
                 <a:ext uri="{91240B29-F687-4f45-9708-019B960494DF}">
-                  <a14:hiddenLine xmlns:a14="http://schemas.microsoft.com/office/drawing/2010/main" xmlns="" w="9525">
+                  <a14:hiddenLine xmlns="" xmlns:a14="http://schemas.microsoft.com/office/drawing/2010/main" w="9525">
                     <a:solidFill>
                       <a:srgbClr val="000000"/>
                     </a:solidFill>
@@ -10726,7 +10904,7 @@
               </a:ln>
               <a:extLst>
                 <a:ext uri="{91240B29-F687-4f45-9708-019B960494DF}">
-                  <a14:hiddenLine xmlns:a14="http://schemas.microsoft.com/office/drawing/2010/main" xmlns="" w="9525">
+                  <a14:hiddenLine xmlns="" xmlns:a14="http://schemas.microsoft.com/office/drawing/2010/main" w="9525">
                     <a:solidFill>
                       <a:srgbClr val="000000"/>
                     </a:solidFill>
@@ -10791,7 +10969,7 @@
               </a:ln>
               <a:extLst>
                 <a:ext uri="{91240B29-F687-4f45-9708-019B960494DF}">
-                  <a14:hiddenLine xmlns:a14="http://schemas.microsoft.com/office/drawing/2010/main" xmlns="" w="9525">
+                  <a14:hiddenLine xmlns="" xmlns:a14="http://schemas.microsoft.com/office/drawing/2010/main" w="9525">
                     <a:solidFill>
                       <a:srgbClr val="000000"/>
                     </a:solidFill>
@@ -10881,7 +11059,7 @@
               </a:ln>
               <a:extLst>
                 <a:ext uri="{91240B29-F687-4f45-9708-019B960494DF}">
-                  <a14:hiddenLine xmlns:a14="http://schemas.microsoft.com/office/drawing/2010/main" xmlns="" w="9525">
+                  <a14:hiddenLine xmlns="" xmlns:a14="http://schemas.microsoft.com/office/drawing/2010/main" w="9525">
                     <a:solidFill>
                       <a:srgbClr val="000000"/>
                     </a:solidFill>
@@ -10943,7 +11121,7 @@
               </a:ln>
               <a:extLst>
                 <a:ext uri="{91240B29-F687-4f45-9708-019B960494DF}">
-                  <a14:hiddenLine xmlns:a14="http://schemas.microsoft.com/office/drawing/2010/main" xmlns="" w="9525">
+                  <a14:hiddenLine xmlns="" xmlns:a14="http://schemas.microsoft.com/office/drawing/2010/main" w="9525">
                     <a:solidFill>
                       <a:srgbClr val="000000"/>
                     </a:solidFill>
@@ -11033,7 +11211,7 @@
               </a:ln>
               <a:extLst>
                 <a:ext uri="{91240B29-F687-4f45-9708-019B960494DF}">
-                  <a14:hiddenLine xmlns:a14="http://schemas.microsoft.com/office/drawing/2010/main" xmlns="" w="9525">
+                  <a14:hiddenLine xmlns="" xmlns:a14="http://schemas.microsoft.com/office/drawing/2010/main" w="9525">
                     <a:solidFill>
                       <a:srgbClr val="000000"/>
                     </a:solidFill>
@@ -11098,7 +11276,7 @@
               </a:ln>
               <a:extLst>
                 <a:ext uri="{91240B29-F687-4f45-9708-019B960494DF}">
-                  <a14:hiddenLine xmlns:a14="http://schemas.microsoft.com/office/drawing/2010/main" xmlns="" w="9525">
+                  <a14:hiddenLine xmlns="" xmlns:a14="http://schemas.microsoft.com/office/drawing/2010/main" w="9525">
                     <a:solidFill>
                       <a:srgbClr val="000000"/>
                     </a:solidFill>
@@ -11160,7 +11338,7 @@
               </a:ln>
               <a:extLst>
                 <a:ext uri="{91240B29-F687-4f45-9708-019B960494DF}">
-                  <a14:hiddenLine xmlns:a14="http://schemas.microsoft.com/office/drawing/2010/main" xmlns="" w="9525">
+                  <a14:hiddenLine xmlns="" xmlns:a14="http://schemas.microsoft.com/office/drawing/2010/main" w="9525">
                     <a:solidFill>
                       <a:srgbClr val="000000"/>
                     </a:solidFill>
@@ -11250,7 +11428,7 @@
               </a:ln>
               <a:extLst>
                 <a:ext uri="{91240B29-F687-4f45-9708-019B960494DF}">
-                  <a14:hiddenLine xmlns:a14="http://schemas.microsoft.com/office/drawing/2010/main" xmlns="" w="9525">
+                  <a14:hiddenLine xmlns="" xmlns:a14="http://schemas.microsoft.com/office/drawing/2010/main" w="9525">
                     <a:solidFill>
                       <a:srgbClr val="000000"/>
                     </a:solidFill>
@@ -11340,7 +11518,7 @@
               </a:ln>
               <a:extLst>
                 <a:ext uri="{91240B29-F687-4f45-9708-019B960494DF}">
-                  <a14:hiddenLine xmlns:a14="http://schemas.microsoft.com/office/drawing/2010/main" xmlns="" w="9525">
+                  <a14:hiddenLine xmlns="" xmlns:a14="http://schemas.microsoft.com/office/drawing/2010/main" w="9525">
                     <a:solidFill>
                       <a:srgbClr val="000000"/>
                     </a:solidFill>
@@ -11405,7 +11583,7 @@
               </a:ln>
               <a:extLst>
                 <a:ext uri="{91240B29-F687-4f45-9708-019B960494DF}">
-                  <a14:hiddenLine xmlns:a14="http://schemas.microsoft.com/office/drawing/2010/main" xmlns="" w="9525">
+                  <a14:hiddenLine xmlns="" xmlns:a14="http://schemas.microsoft.com/office/drawing/2010/main" w="9525">
                     <a:solidFill>
                       <a:srgbClr val="000000"/>
                     </a:solidFill>
@@ -11525,7 +11703,7 @@
               </a:ln>
               <a:extLst>
                 <a:ext uri="{91240B29-F687-4f45-9708-019B960494DF}">
-                  <a14:hiddenLine xmlns:a14="http://schemas.microsoft.com/office/drawing/2010/main" xmlns="" w="9525">
+                  <a14:hiddenLine xmlns="" xmlns:a14="http://schemas.microsoft.com/office/drawing/2010/main" w="9525">
                     <a:solidFill>
                       <a:srgbClr val="000000"/>
                     </a:solidFill>
@@ -11606,7 +11784,7 @@
               </a:ln>
               <a:extLst>
                 <a:ext uri="{91240B29-F687-4f45-9708-019B960494DF}">
-                  <a14:hiddenLine xmlns:a14="http://schemas.microsoft.com/office/drawing/2010/main" xmlns="" w="9525">
+                  <a14:hiddenLine xmlns="" xmlns:a14="http://schemas.microsoft.com/office/drawing/2010/main" w="9525">
                     <a:solidFill>
                       <a:srgbClr val="000000"/>
                     </a:solidFill>
@@ -11721,7 +11899,7 @@
               </a:ln>
               <a:extLst>
                 <a:ext uri="{91240B29-F687-4f45-9708-019B960494DF}">
-                  <a14:hiddenLine xmlns:a14="http://schemas.microsoft.com/office/drawing/2010/main" xmlns="" w="9525">
+                  <a14:hiddenLine xmlns="" xmlns:a14="http://schemas.microsoft.com/office/drawing/2010/main" w="9525">
                     <a:solidFill>
                       <a:srgbClr val="000000"/>
                     </a:solidFill>
@@ -11811,7 +11989,7 @@
               </a:ln>
               <a:extLst>
                 <a:ext uri="{91240B29-F687-4f45-9708-019B960494DF}">
-                  <a14:hiddenLine xmlns:a14="http://schemas.microsoft.com/office/drawing/2010/main" xmlns="" w="9525">
+                  <a14:hiddenLine xmlns="" xmlns:a14="http://schemas.microsoft.com/office/drawing/2010/main" w="9525">
                     <a:solidFill>
                       <a:srgbClr val="000000"/>
                     </a:solidFill>
@@ -11876,7 +12054,7 @@
               </a:ln>
               <a:extLst>
                 <a:ext uri="{91240B29-F687-4f45-9708-019B960494DF}">
-                  <a14:hiddenLine xmlns:a14="http://schemas.microsoft.com/office/drawing/2010/main" xmlns="" w="9525">
+                  <a14:hiddenLine xmlns="" xmlns:a14="http://schemas.microsoft.com/office/drawing/2010/main" w="9525">
                     <a:solidFill>
                       <a:srgbClr val="000000"/>
                     </a:solidFill>
@@ -11966,7 +12144,7 @@
               </a:ln>
               <a:extLst>
                 <a:ext uri="{91240B29-F687-4f45-9708-019B960494DF}">
-                  <a14:hiddenLine xmlns:a14="http://schemas.microsoft.com/office/drawing/2010/main" xmlns="" w="9525">
+                  <a14:hiddenLine xmlns="" xmlns:a14="http://schemas.microsoft.com/office/drawing/2010/main" w="9525">
                     <a:solidFill>
                       <a:srgbClr val="000000"/>
                     </a:solidFill>
@@ -12034,7 +12212,7 @@
               </a:ln>
               <a:extLst>
                 <a:ext uri="{91240B29-F687-4f45-9708-019B960494DF}">
-                  <a14:hiddenLine xmlns:a14="http://schemas.microsoft.com/office/drawing/2010/main" xmlns="" w="9525">
+                  <a14:hiddenLine xmlns="" xmlns:a14="http://schemas.microsoft.com/office/drawing/2010/main" w="9525">
                     <a:solidFill>
                       <a:srgbClr val="000000"/>
                     </a:solidFill>
@@ -12124,7 +12302,7 @@
               </a:ln>
               <a:extLst>
                 <a:ext uri="{91240B29-F687-4f45-9708-019B960494DF}">
-                  <a14:hiddenLine xmlns:a14="http://schemas.microsoft.com/office/drawing/2010/main" xmlns="" w="9525">
+                  <a14:hiddenLine xmlns="" xmlns:a14="http://schemas.microsoft.com/office/drawing/2010/main" w="9525">
                     <a:solidFill>
                       <a:srgbClr val="000000"/>
                     </a:solidFill>
@@ -12192,7 +12370,7 @@
               </a:ln>
               <a:extLst>
                 <a:ext uri="{91240B29-F687-4f45-9708-019B960494DF}">
-                  <a14:hiddenLine xmlns:a14="http://schemas.microsoft.com/office/drawing/2010/main" xmlns="" w="9525">
+                  <a14:hiddenLine xmlns="" xmlns:a14="http://schemas.microsoft.com/office/drawing/2010/main" w="9525">
                     <a:solidFill>
                       <a:srgbClr val="000000"/>
                     </a:solidFill>
@@ -12282,7 +12460,7 @@
               </a:ln>
               <a:extLst>
                 <a:ext uri="{91240B29-F687-4f45-9708-019B960494DF}">
-                  <a14:hiddenLine xmlns:a14="http://schemas.microsoft.com/office/drawing/2010/main" xmlns="" w="9525">
+                  <a14:hiddenLine xmlns="" xmlns:a14="http://schemas.microsoft.com/office/drawing/2010/main" w="9525">
                     <a:solidFill>
                       <a:srgbClr val="000000"/>
                     </a:solidFill>
@@ -12316,7 +12494,7 @@
               </a:ln>
               <a:extLst>
                 <a:ext uri="{91240B29-F687-4f45-9708-019B960494DF}">
-                  <a14:hiddenLine xmlns:a14="http://schemas.microsoft.com/office/drawing/2010/main" xmlns="" w="9525">
+                  <a14:hiddenLine xmlns="" xmlns:a14="http://schemas.microsoft.com/office/drawing/2010/main" w="9525">
                     <a:solidFill>
                       <a:srgbClr val="000000"/>
                     </a:solidFill>
@@ -12916,7 +13094,7 @@
         <p:spPr/>
         <p:txBody>
           <a:bodyPr>
-            <a:normAutofit/>
+            <a:normAutofit lnSpcReduction="10000"/>
           </a:bodyPr>
           <a:lstStyle/>
           <a:p>
@@ -13084,15 +13262,7 @@
           <a:p>
             <a:r>
               <a:rPr lang="en-NZ" sz="4400" dirty="0" smtClean="0"/>
-              <a:t>Ranking – </a:t>
-            </a:r>
-            <a:r>
-              <a:rPr lang="en-NZ" sz="4400" dirty="0" err="1" smtClean="0"/>
-              <a:t>tf-idf</a:t>
-            </a:r>
-            <a:r>
-              <a:rPr lang="en-NZ" sz="4400" dirty="0" smtClean="0"/>
-              <a:t>	</a:t>
+              <a:t>Indexing</a:t>
             </a:r>
             <a:endParaRPr lang="de-DE" sz="4400" dirty="0"/>
           </a:p>
@@ -13110,113 +13280,89 @@
         </p:nvSpPr>
         <p:spPr/>
         <p:txBody>
-          <a:bodyPr/>
+          <a:bodyPr>
+            <a:normAutofit fontScale="92500" lnSpcReduction="10000"/>
+          </a:bodyPr>
           <a:lstStyle/>
           <a:p>
-            <a:r>
-              <a:rPr lang="en-NZ" sz="3200" dirty="0" smtClean="0"/>
-              <a:t> </a:t>
-            </a:r>
-            <a:r>
-              <a:rPr lang="en-NZ" sz="3200" dirty="0" err="1" smtClean="0"/>
-              <a:t>Vorkommen</a:t>
-            </a:r>
-            <a:r>
-              <a:rPr lang="en-NZ" sz="3200" dirty="0" smtClean="0"/>
-              <a:t> </a:t>
-            </a:r>
-            <a:r>
-              <a:rPr lang="en-NZ" sz="3200" dirty="0" err="1" smtClean="0"/>
-              <a:t>eines</a:t>
-            </a:r>
-            <a:r>
-              <a:rPr lang="en-NZ" sz="3200" dirty="0" smtClean="0"/>
-              <a:t> </a:t>
-            </a:r>
-            <a:r>
-              <a:rPr lang="en-NZ" sz="3200" dirty="0" err="1" smtClean="0"/>
-              <a:t>Wortes</a:t>
-            </a:r>
-            <a:r>
-              <a:rPr lang="en-NZ" sz="3200" dirty="0" smtClean="0"/>
-              <a:t> in </a:t>
-            </a:r>
-            <a:r>
-              <a:rPr lang="en-NZ" sz="3200" dirty="0" err="1" smtClean="0"/>
-              <a:t>einem</a:t>
-            </a:r>
-            <a:r>
-              <a:rPr lang="en-NZ" sz="3200" dirty="0" smtClean="0"/>
-              <a:t> </a:t>
-            </a:r>
-            <a:r>
-              <a:rPr lang="en-NZ" sz="3200" dirty="0" err="1" smtClean="0"/>
-              <a:t>Dokument</a:t>
-            </a:r>
-            <a:endParaRPr lang="en-NZ" sz="3200" dirty="0" smtClean="0"/>
-          </a:p>
-          <a:p>
-            <a:r>
-              <a:rPr lang="en-NZ" sz="3200" dirty="0" smtClean="0"/>
-              <a:t>Je </a:t>
-            </a:r>
-            <a:r>
-              <a:rPr lang="en-NZ" sz="3200" dirty="0" err="1" smtClean="0"/>
-              <a:t>mehr</a:t>
-            </a:r>
-            <a:r>
-              <a:rPr lang="en-NZ" sz="3200" dirty="0" smtClean="0"/>
-              <a:t> </a:t>
-            </a:r>
-            <a:r>
-              <a:rPr lang="en-NZ" sz="3200" dirty="0" err="1" smtClean="0"/>
-              <a:t>Dokumente</a:t>
-            </a:r>
-            <a:r>
-              <a:rPr lang="en-NZ" sz="3200" dirty="0" smtClean="0"/>
-              <a:t> das Wort </a:t>
-            </a:r>
-            <a:r>
-              <a:rPr lang="en-NZ" sz="3200" dirty="0" err="1" smtClean="0"/>
-              <a:t>beinhalten</a:t>
-            </a:r>
-            <a:r>
-              <a:rPr lang="en-NZ" sz="3200" dirty="0" smtClean="0"/>
-              <a:t>, </a:t>
-            </a:r>
-            <a:r>
-              <a:rPr lang="en-NZ" sz="3200" dirty="0" err="1" smtClean="0"/>
-              <a:t>desto</a:t>
-            </a:r>
-            <a:r>
-              <a:rPr lang="en-NZ" sz="3200" dirty="0" smtClean="0"/>
-              <a:t> </a:t>
-            </a:r>
-            <a:r>
-              <a:rPr lang="en-NZ" sz="3200" dirty="0" err="1" smtClean="0"/>
-              <a:t>geringer</a:t>
-            </a:r>
-            <a:r>
-              <a:rPr lang="en-NZ" sz="3200" dirty="0" smtClean="0"/>
-              <a:t> die </a:t>
-            </a:r>
-            <a:r>
-              <a:rPr lang="en-NZ" sz="3200" dirty="0" err="1" smtClean="0"/>
-              <a:t>Relevanz</a:t>
-            </a:r>
-            <a:endParaRPr lang="en-NZ" sz="3200" dirty="0" smtClean="0"/>
-          </a:p>
-          <a:p>
             <a:pPr marL="0" indent="0">
               <a:buNone/>
             </a:pPr>
-            <a:endParaRPr lang="en-NZ" sz="3200" dirty="0" smtClean="0"/>
+            <a:r>
+              <a:rPr lang="de-DE" dirty="0" smtClean="0"/>
+              <a:t>Was ist ein Index?</a:t>
+            </a:r>
           </a:p>
           <a:p>
             <a:pPr marL="0" indent="0">
               <a:buNone/>
             </a:pPr>
-            <a:endParaRPr lang="en-NZ" dirty="0"/>
+            <a:r>
+              <a:rPr lang="de-DE" dirty="0"/>
+              <a:t>	</a:t>
+            </a:r>
+            <a:r>
+              <a:rPr lang="de-DE" dirty="0" smtClean="0"/>
+              <a:t>Ein Verzeichnis (z.B. in einem Buch)</a:t>
+            </a:r>
+          </a:p>
+          <a:p>
+            <a:pPr marL="0" indent="0">
+              <a:buNone/>
+            </a:pPr>
+            <a:r>
+              <a:rPr lang="de-DE" dirty="0" smtClean="0"/>
+              <a:t>Wieso benutzt man einen Index?</a:t>
+            </a:r>
+          </a:p>
+          <a:p>
+            <a:pPr marL="0" indent="0">
+              <a:buNone/>
+            </a:pPr>
+            <a:r>
+              <a:rPr lang="de-DE" dirty="0"/>
+              <a:t>	</a:t>
+            </a:r>
+            <a:r>
+              <a:rPr lang="de-DE" dirty="0" smtClean="0"/>
+              <a:t>Performance und Leistung (nicht jedes Dokument durchsuchen)</a:t>
+            </a:r>
+          </a:p>
+          <a:p>
+            <a:pPr marL="0" indent="0">
+              <a:buNone/>
+            </a:pPr>
+            <a:r>
+              <a:rPr lang="de-DE" dirty="0"/>
+              <a:t>	</a:t>
+            </a:r>
+            <a:r>
+              <a:rPr lang="de-DE" dirty="0" smtClean="0"/>
+              <a:t>Speichern der Daten</a:t>
+            </a:r>
+          </a:p>
+          <a:p>
+            <a:pPr marL="0" indent="0">
+              <a:buNone/>
+            </a:pPr>
+            <a:r>
+              <a:rPr lang="de-DE" dirty="0" smtClean="0"/>
+              <a:t>Wie sieht ein Index aus?</a:t>
+            </a:r>
+          </a:p>
+          <a:p>
+            <a:pPr marL="0" indent="0">
+              <a:buNone/>
+            </a:pPr>
+            <a:r>
+              <a:rPr lang="de-DE" dirty="0"/>
+              <a:t>	</a:t>
+            </a:r>
+            <a:r>
+              <a:rPr lang="de-DE" dirty="0" smtClean="0"/>
+              <a:t>…</a:t>
+            </a:r>
+            <a:endParaRPr lang="de-DE" dirty="0"/>
           </a:p>
         </p:txBody>
       </p:sp>
@@ -13243,10 +13389,58 @@
           </a:p>
         </p:txBody>
       </p:sp>
+      <p:sp>
+        <p:nvSpPr>
+          <p:cNvPr id="5" name="Rechteck 4"/>
+          <p:cNvSpPr/>
+          <p:nvPr/>
+        </p:nvSpPr>
+        <p:spPr>
+          <a:xfrm>
+            <a:off x="7328079" y="5791200"/>
+            <a:ext cx="2511380" cy="583841"/>
+          </a:xfrm>
+          <a:prstGeom prst="rect">
+            <a:avLst/>
+          </a:prstGeom>
+        </p:spPr>
+        <p:style>
+          <a:lnRef idx="2">
+            <a:schemeClr val="accent1">
+              <a:shade val="50000"/>
+            </a:schemeClr>
+          </a:lnRef>
+          <a:fillRef idx="1">
+            <a:schemeClr val="accent1"/>
+          </a:fillRef>
+          <a:effectRef idx="0">
+            <a:schemeClr val="accent1"/>
+          </a:effectRef>
+          <a:fontRef idx="minor">
+            <a:schemeClr val="lt1"/>
+          </a:fontRef>
+        </p:style>
+        <p:txBody>
+          <a:bodyPr rtlCol="0" anchor="ctr"/>
+          <a:lstStyle/>
+          <a:p>
+            <a:pPr algn="ctr"/>
+            <a:r>
+              <a:rPr lang="de-DE" dirty="0" smtClean="0"/>
+              <a:t>Nach dem </a:t>
+            </a:r>
+            <a:r>
+              <a:rPr lang="de-DE" dirty="0" err="1" smtClean="0"/>
+              <a:t>Preprocessing</a:t>
+            </a:r>
+            <a:endParaRPr lang="de-DE" dirty="0"/>
+          </a:p>
+        </p:txBody>
+      </p:sp>
     </p:spTree>
     <p:extLst>
       <p:ext uri="{BB962C8B-B14F-4D97-AF65-F5344CB8AC3E}">
-        <p14:creationId xmlns:p14="http://schemas.microsoft.com/office/powerpoint/2010/main" val="2733473698"/>
+        <p14:creationId xmlns:p14="http://schemas.microsoft.com/office/powerpoint/2010/main" val="1597111151"/>
       </p:ext>
     </p:extLst>
   </p:cSld>
@@ -13256,9 +13450,374 @@
   <p:timing>
     <p:tnLst>
       <p:par>
-        <p:cTn id="1" dur="indefinite" restart="never" nodeType="tmRoot"/>
+        <p:cTn id="1" dur="indefinite" restart="never" nodeType="tmRoot">
+          <p:childTnLst>
+            <p:seq concurrent="1" nextAc="seek">
+              <p:cTn id="2" dur="indefinite" nodeType="mainSeq">
+                <p:childTnLst>
+                  <p:par>
+                    <p:cTn id="3" fill="hold">
+                      <p:stCondLst>
+                        <p:cond delay="indefinite"/>
+                      </p:stCondLst>
+                      <p:childTnLst>
+                        <p:par>
+                          <p:cTn id="4" fill="hold">
+                            <p:stCondLst>
+                              <p:cond delay="0"/>
+                            </p:stCondLst>
+                            <p:childTnLst>
+                              <p:par>
+                                <p:cTn id="5" presetID="1" presetClass="entr" presetSubtype="0" fill="hold" nodeType="clickEffect">
+                                  <p:stCondLst>
+                                    <p:cond delay="0"/>
+                                  </p:stCondLst>
+                                  <p:childTnLst>
+                                    <p:set>
+                                      <p:cBhvr>
+                                        <p:cTn id="6" dur="1" fill="hold">
+                                          <p:stCondLst>
+                                            <p:cond delay="0"/>
+                                          </p:stCondLst>
+                                        </p:cTn>
+                                        <p:tgtEl>
+                                          <p:spTgt spid="3">
+                                            <p:txEl>
+                                              <p:pRg st="1" end="1"/>
+                                            </p:txEl>
+                                          </p:spTgt>
+                                        </p:tgtEl>
+                                        <p:attrNameLst>
+                                          <p:attrName>style.visibility</p:attrName>
+                                        </p:attrNameLst>
+                                      </p:cBhvr>
+                                      <p:to>
+                                        <p:strVal val="visible"/>
+                                      </p:to>
+                                    </p:set>
+                                  </p:childTnLst>
+                                </p:cTn>
+                              </p:par>
+                            </p:childTnLst>
+                          </p:cTn>
+                        </p:par>
+                      </p:childTnLst>
+                    </p:cTn>
+                  </p:par>
+                  <p:par>
+                    <p:cTn id="7" fill="hold">
+                      <p:stCondLst>
+                        <p:cond delay="indefinite"/>
+                      </p:stCondLst>
+                      <p:childTnLst>
+                        <p:par>
+                          <p:cTn id="8" fill="hold">
+                            <p:stCondLst>
+                              <p:cond delay="0"/>
+                            </p:stCondLst>
+                            <p:childTnLst>
+                              <p:par>
+                                <p:cTn id="9" presetID="1" presetClass="entr" presetSubtype="0" fill="hold" nodeType="clickEffect">
+                                  <p:stCondLst>
+                                    <p:cond delay="0"/>
+                                  </p:stCondLst>
+                                  <p:childTnLst>
+                                    <p:set>
+                                      <p:cBhvr>
+                                        <p:cTn id="10" dur="1" fill="hold">
+                                          <p:stCondLst>
+                                            <p:cond delay="0"/>
+                                          </p:stCondLst>
+                                        </p:cTn>
+                                        <p:tgtEl>
+                                          <p:spTgt spid="3">
+                                            <p:txEl>
+                                              <p:pRg st="2" end="2"/>
+                                            </p:txEl>
+                                          </p:spTgt>
+                                        </p:tgtEl>
+                                        <p:attrNameLst>
+                                          <p:attrName>style.visibility</p:attrName>
+                                        </p:attrNameLst>
+                                      </p:cBhvr>
+                                      <p:to>
+                                        <p:strVal val="visible"/>
+                                      </p:to>
+                                    </p:set>
+                                  </p:childTnLst>
+                                </p:cTn>
+                              </p:par>
+                            </p:childTnLst>
+                          </p:cTn>
+                        </p:par>
+                      </p:childTnLst>
+                    </p:cTn>
+                  </p:par>
+                  <p:par>
+                    <p:cTn id="11" fill="hold">
+                      <p:stCondLst>
+                        <p:cond delay="indefinite"/>
+                      </p:stCondLst>
+                      <p:childTnLst>
+                        <p:par>
+                          <p:cTn id="12" fill="hold">
+                            <p:stCondLst>
+                              <p:cond delay="0"/>
+                            </p:stCondLst>
+                            <p:childTnLst>
+                              <p:par>
+                                <p:cTn id="13" presetID="1" presetClass="entr" presetSubtype="0" fill="hold" nodeType="clickEffect">
+                                  <p:stCondLst>
+                                    <p:cond delay="0"/>
+                                  </p:stCondLst>
+                                  <p:childTnLst>
+                                    <p:set>
+                                      <p:cBhvr>
+                                        <p:cTn id="14" dur="1" fill="hold">
+                                          <p:stCondLst>
+                                            <p:cond delay="0"/>
+                                          </p:stCondLst>
+                                        </p:cTn>
+                                        <p:tgtEl>
+                                          <p:spTgt spid="3">
+                                            <p:txEl>
+                                              <p:pRg st="3" end="3"/>
+                                            </p:txEl>
+                                          </p:spTgt>
+                                        </p:tgtEl>
+                                        <p:attrNameLst>
+                                          <p:attrName>style.visibility</p:attrName>
+                                        </p:attrNameLst>
+                                      </p:cBhvr>
+                                      <p:to>
+                                        <p:strVal val="visible"/>
+                                      </p:to>
+                                    </p:set>
+                                  </p:childTnLst>
+                                </p:cTn>
+                              </p:par>
+                            </p:childTnLst>
+                          </p:cTn>
+                        </p:par>
+                      </p:childTnLst>
+                    </p:cTn>
+                  </p:par>
+                  <p:par>
+                    <p:cTn id="15" fill="hold">
+                      <p:stCondLst>
+                        <p:cond delay="indefinite"/>
+                      </p:stCondLst>
+                      <p:childTnLst>
+                        <p:par>
+                          <p:cTn id="16" fill="hold">
+                            <p:stCondLst>
+                              <p:cond delay="0"/>
+                            </p:stCondLst>
+                            <p:childTnLst>
+                              <p:par>
+                                <p:cTn id="17" presetID="1" presetClass="entr" presetSubtype="0" fill="hold" nodeType="clickEffect">
+                                  <p:stCondLst>
+                                    <p:cond delay="0"/>
+                                  </p:stCondLst>
+                                  <p:childTnLst>
+                                    <p:set>
+                                      <p:cBhvr>
+                                        <p:cTn id="18" dur="1" fill="hold">
+                                          <p:stCondLst>
+                                            <p:cond delay="0"/>
+                                          </p:stCondLst>
+                                        </p:cTn>
+                                        <p:tgtEl>
+                                          <p:spTgt spid="3">
+                                            <p:txEl>
+                                              <p:pRg st="4" end="4"/>
+                                            </p:txEl>
+                                          </p:spTgt>
+                                        </p:tgtEl>
+                                        <p:attrNameLst>
+                                          <p:attrName>style.visibility</p:attrName>
+                                        </p:attrNameLst>
+                                      </p:cBhvr>
+                                      <p:to>
+                                        <p:strVal val="visible"/>
+                                      </p:to>
+                                    </p:set>
+                                  </p:childTnLst>
+                                </p:cTn>
+                              </p:par>
+                            </p:childTnLst>
+                          </p:cTn>
+                        </p:par>
+                      </p:childTnLst>
+                    </p:cTn>
+                  </p:par>
+                  <p:par>
+                    <p:cTn id="19" fill="hold">
+                      <p:stCondLst>
+                        <p:cond delay="indefinite"/>
+                      </p:stCondLst>
+                      <p:childTnLst>
+                        <p:par>
+                          <p:cTn id="20" fill="hold">
+                            <p:stCondLst>
+                              <p:cond delay="0"/>
+                            </p:stCondLst>
+                            <p:childTnLst>
+                              <p:par>
+                                <p:cTn id="21" presetID="1" presetClass="entr" presetSubtype="0" fill="hold" nodeType="clickEffect">
+                                  <p:stCondLst>
+                                    <p:cond delay="0"/>
+                                  </p:stCondLst>
+                                  <p:childTnLst>
+                                    <p:set>
+                                      <p:cBhvr>
+                                        <p:cTn id="22" dur="1" fill="hold">
+                                          <p:stCondLst>
+                                            <p:cond delay="0"/>
+                                          </p:stCondLst>
+                                        </p:cTn>
+                                        <p:tgtEl>
+                                          <p:spTgt spid="3">
+                                            <p:txEl>
+                                              <p:pRg st="5" end="5"/>
+                                            </p:txEl>
+                                          </p:spTgt>
+                                        </p:tgtEl>
+                                        <p:attrNameLst>
+                                          <p:attrName>style.visibility</p:attrName>
+                                        </p:attrNameLst>
+                                      </p:cBhvr>
+                                      <p:to>
+                                        <p:strVal val="visible"/>
+                                      </p:to>
+                                    </p:set>
+                                  </p:childTnLst>
+                                </p:cTn>
+                              </p:par>
+                            </p:childTnLst>
+                          </p:cTn>
+                        </p:par>
+                      </p:childTnLst>
+                    </p:cTn>
+                  </p:par>
+                  <p:par>
+                    <p:cTn id="23" fill="hold">
+                      <p:stCondLst>
+                        <p:cond delay="indefinite"/>
+                      </p:stCondLst>
+                      <p:childTnLst>
+                        <p:par>
+                          <p:cTn id="24" fill="hold">
+                            <p:stCondLst>
+                              <p:cond delay="0"/>
+                            </p:stCondLst>
+                            <p:childTnLst>
+                              <p:par>
+                                <p:cTn id="25" presetID="1" presetClass="entr" presetSubtype="0" fill="hold" nodeType="clickEffect">
+                                  <p:stCondLst>
+                                    <p:cond delay="0"/>
+                                  </p:stCondLst>
+                                  <p:childTnLst>
+                                    <p:set>
+                                      <p:cBhvr>
+                                        <p:cTn id="26" dur="1" fill="hold">
+                                          <p:stCondLst>
+                                            <p:cond delay="0"/>
+                                          </p:stCondLst>
+                                        </p:cTn>
+                                        <p:tgtEl>
+                                          <p:spTgt spid="3">
+                                            <p:txEl>
+                                              <p:pRg st="6" end="6"/>
+                                            </p:txEl>
+                                          </p:spTgt>
+                                        </p:tgtEl>
+                                        <p:attrNameLst>
+                                          <p:attrName>style.visibility</p:attrName>
+                                        </p:attrNameLst>
+                                      </p:cBhvr>
+                                      <p:to>
+                                        <p:strVal val="visible"/>
+                                      </p:to>
+                                    </p:set>
+                                  </p:childTnLst>
+                                </p:cTn>
+                              </p:par>
+                            </p:childTnLst>
+                          </p:cTn>
+                        </p:par>
+                      </p:childTnLst>
+                    </p:cTn>
+                  </p:par>
+                  <p:par>
+                    <p:cTn id="27" fill="hold">
+                      <p:stCondLst>
+                        <p:cond delay="indefinite"/>
+                      </p:stCondLst>
+                      <p:childTnLst>
+                        <p:par>
+                          <p:cTn id="28" fill="hold">
+                            <p:stCondLst>
+                              <p:cond delay="0"/>
+                            </p:stCondLst>
+                            <p:childTnLst>
+                              <p:par>
+                                <p:cTn id="29" presetID="1" presetClass="entr" presetSubtype="0" fill="hold" grpId="0" nodeType="clickEffect">
+                                  <p:stCondLst>
+                                    <p:cond delay="0"/>
+                                  </p:stCondLst>
+                                  <p:childTnLst>
+                                    <p:set>
+                                      <p:cBhvr>
+                                        <p:cTn id="30" dur="1" fill="hold">
+                                          <p:stCondLst>
+                                            <p:cond delay="0"/>
+                                          </p:stCondLst>
+                                        </p:cTn>
+                                        <p:tgtEl>
+                                          <p:spTgt spid="5"/>
+                                        </p:tgtEl>
+                                        <p:attrNameLst>
+                                          <p:attrName>style.visibility</p:attrName>
+                                        </p:attrNameLst>
+                                      </p:cBhvr>
+                                      <p:to>
+                                        <p:strVal val="visible"/>
+                                      </p:to>
+                                    </p:set>
+                                  </p:childTnLst>
+                                </p:cTn>
+                              </p:par>
+                            </p:childTnLst>
+                          </p:cTn>
+                        </p:par>
+                      </p:childTnLst>
+                    </p:cTn>
+                  </p:par>
+                </p:childTnLst>
+              </p:cTn>
+              <p:prevCondLst>
+                <p:cond evt="onPrev" delay="0">
+                  <p:tgtEl>
+                    <p:sldTgt/>
+                  </p:tgtEl>
+                </p:cond>
+              </p:prevCondLst>
+              <p:nextCondLst>
+                <p:cond evt="onNext" delay="0">
+                  <p:tgtEl>
+                    <p:sldTgt/>
+                  </p:tgtEl>
+                </p:cond>
+              </p:nextCondLst>
+            </p:seq>
+          </p:childTnLst>
+        </p:cTn>
       </p:par>
     </p:tnLst>
+    <p:bldLst>
+      <p:bldP spid="5" grpId="0" animBg="1"/>
+    </p:bldLst>
   </p:timing>
 </p:sld>
 </file>
@@ -13290,12 +13849,7 @@
             <p:ph type="title"/>
           </p:nvPr>
         </p:nvSpPr>
-        <p:spPr>
-          <a:xfrm>
-            <a:off x="1141412" y="193975"/>
-            <a:ext cx="9905998" cy="1478570"/>
-          </a:xfrm>
-        </p:spPr>
+        <p:spPr/>
         <p:txBody>
           <a:bodyPr>
             <a:normAutofit/>
@@ -13303,20 +13857,12 @@
           <a:lstStyle/>
           <a:p>
             <a:r>
+              <a:rPr lang="en-NZ" sz="4400" dirty="0" err="1" smtClean="0"/>
+              <a:t>INDEXing</a:t>
+            </a:r>
+            <a:r>
               <a:rPr lang="en-NZ" sz="4400" dirty="0" smtClean="0"/>
-              <a:t>Ranking – </a:t>
-            </a:r>
-            <a:r>
-              <a:rPr lang="en-NZ" sz="4400" dirty="0" err="1" smtClean="0"/>
-              <a:t>Vektor</a:t>
-            </a:r>
-            <a:r>
-              <a:rPr lang="en-NZ" sz="4400" dirty="0"/>
               <a:t> </a:t>
-            </a:r>
-            <a:r>
-              <a:rPr lang="en-NZ" sz="4400" dirty="0" smtClean="0"/>
-              <a:t>space model</a:t>
             </a:r>
             <a:endParaRPr lang="de-DE" sz="4400" dirty="0"/>
           </a:p>
@@ -13324,7 +13870,7 @@
       </p:sp>
       <p:pic>
         <p:nvPicPr>
-          <p:cNvPr id="54" name="Inhaltsplatzhalter 53"/>
+          <p:cNvPr id="6" name="Inhaltsplatzhalter 5"/>
           <p:cNvPicPr>
             <a:picLocks noGrp="1" noChangeAspect="1"/>
           </p:cNvPicPr>
@@ -13332,16 +13878,15 @@
             <p:ph idx="1"/>
           </p:nvPr>
         </p:nvPicPr>
-        <p:blipFill>
+        <p:blipFill rotWithShape="1">
           <a:blip r:embed="rId2"/>
-          <a:stretch>
-            <a:fillRect/>
-          </a:stretch>
+          <a:srcRect b="9078"/>
+          <a:stretch/>
         </p:blipFill>
         <p:spPr>
           <a:xfrm>
-            <a:off x="3751751" y="1672545"/>
-            <a:ext cx="4685319" cy="4608511"/>
+            <a:off x="2624014" y="1835847"/>
+            <a:ext cx="7357111" cy="5022153"/>
           </a:xfrm>
           <a:prstGeom prst="rect">
             <a:avLst/>
@@ -13350,7 +13895,7 @@
       </p:pic>
       <p:sp>
         <p:nvSpPr>
-          <p:cNvPr id="55" name="Foliennummernplatzhalter 54"/>
+          <p:cNvPr id="7" name="Foliennummernplatzhalter 6"/>
           <p:cNvSpPr>
             <a:spLocks noGrp="1"/>
           </p:cNvSpPr>
@@ -13374,7 +13919,7 @@
     </p:spTree>
     <p:extLst>
       <p:ext uri="{BB962C8B-B14F-4D97-AF65-F5344CB8AC3E}">
-        <p14:creationId xmlns:p14="http://schemas.microsoft.com/office/powerpoint/2010/main" val="237412691"/>
+        <p14:creationId xmlns:p14="http://schemas.microsoft.com/office/powerpoint/2010/main" val="3240065503"/>
       </p:ext>
     </p:extLst>
   </p:cSld>
@@ -13420,7 +13965,7 @@
         </p:nvSpPr>
         <p:spPr>
           <a:xfrm>
-            <a:off x="1250270" y="0"/>
+            <a:off x="827523" y="388867"/>
             <a:ext cx="9905998" cy="1478570"/>
           </a:xfrm>
         </p:spPr>
@@ -13431,42 +13976,70 @@
           <a:lstStyle/>
           <a:p>
             <a:r>
-              <a:rPr lang="en-NZ" sz="4000" dirty="0" smtClean="0"/>
-              <a:t>Ranking - Page Rank</a:t>
-            </a:r>
-            <a:endParaRPr lang="de-DE" sz="4000" dirty="0"/>
+              <a:rPr lang="en-NZ" sz="4400" dirty="0" err="1" smtClean="0"/>
+              <a:t>Schritte</a:t>
+            </a:r>
+            <a:endParaRPr lang="de-DE" sz="4400" dirty="0"/>
           </a:p>
         </p:txBody>
       </p:sp>
-      <p:pic>
-        <p:nvPicPr>
-          <p:cNvPr id="4" name="Inhaltsplatzhalter 3"/>
-          <p:cNvPicPr>
-            <a:picLocks noGrp="1" noChangeAspect="1"/>
-          </p:cNvPicPr>
+      <p:sp>
+        <p:nvSpPr>
+          <p:cNvPr id="3" name="Inhaltsplatzhalter 2"/>
+          <p:cNvSpPr>
+            <a:spLocks noGrp="1"/>
+          </p:cNvSpPr>
           <p:nvPr>
             <p:ph idx="1"/>
           </p:nvPr>
-        </p:nvPicPr>
-        <p:blipFill>
-          <a:blip r:embed="rId2"/>
-          <a:stretch>
-            <a:fillRect/>
-          </a:stretch>
-        </p:blipFill>
-        <p:spPr>
-          <a:xfrm>
-            <a:off x="2632755" y="801982"/>
-            <a:ext cx="7141028" cy="5757880"/>
-          </a:xfrm>
-          <a:prstGeom prst="rect">
-            <a:avLst/>
-          </a:prstGeom>
-        </p:spPr>
-      </p:pic>
+        </p:nvSpPr>
+        <p:spPr/>
+        <p:txBody>
+          <a:bodyPr/>
+          <a:lstStyle/>
+          <a:p>
+            <a:pPr marL="0" indent="0">
+              <a:buNone/>
+            </a:pPr>
+            <a:r>
+              <a:rPr lang="en-NZ" sz="3200" dirty="0" smtClean="0"/>
+              <a:t>1. </a:t>
+            </a:r>
+            <a:r>
+              <a:rPr lang="en-NZ" sz="3200" dirty="0" err="1" smtClean="0"/>
+              <a:t>Preprocessing</a:t>
+            </a:r>
+            <a:endParaRPr lang="en-NZ" sz="3200" dirty="0" smtClean="0"/>
+          </a:p>
+          <a:p>
+            <a:pPr marL="0" indent="0">
+              <a:buNone/>
+            </a:pPr>
+            <a:r>
+              <a:rPr lang="en-NZ" sz="3200" dirty="0" smtClean="0"/>
+              <a:t>2. Indexing</a:t>
+            </a:r>
+          </a:p>
+          <a:p>
+            <a:pPr marL="0" indent="0">
+              <a:buNone/>
+            </a:pPr>
+            <a:r>
+              <a:rPr lang="en-NZ" sz="3200" dirty="0" smtClean="0"/>
+              <a:t>3. Ranking</a:t>
+            </a:r>
+          </a:p>
+          <a:p>
+            <a:pPr marL="0" indent="0">
+              <a:buNone/>
+            </a:pPr>
+            <a:endParaRPr lang="de-DE" dirty="0"/>
+          </a:p>
+        </p:txBody>
+      </p:sp>
       <p:sp>
         <p:nvSpPr>
-          <p:cNvPr id="5" name="Foliennummernplatzhalter 4"/>
+          <p:cNvPr id="4" name="Foliennummernplatzhalter 3"/>
           <p:cNvSpPr>
             <a:spLocks noGrp="1"/>
           </p:cNvSpPr>
@@ -13487,39 +14060,10 @@
           </a:p>
         </p:txBody>
       </p:sp>
-      <p:sp>
-        <p:nvSpPr>
-          <p:cNvPr id="6" name="Textfeld 5"/>
-          <p:cNvSpPr txBox="1"/>
-          <p:nvPr/>
-        </p:nvSpPr>
-        <p:spPr>
-          <a:xfrm>
-            <a:off x="9773783" y="5742670"/>
-            <a:ext cx="502538" cy="646331"/>
-          </a:xfrm>
-          <a:prstGeom prst="rect">
-            <a:avLst/>
-          </a:prstGeom>
-          <a:noFill/>
-        </p:spPr>
-        <p:txBody>
-          <a:bodyPr wrap="square" rtlCol="0">
-            <a:spAutoFit/>
-          </a:bodyPr>
-          <a:lstStyle/>
-          <a:p>
-            <a:endParaRPr lang="de-DE" dirty="0"/>
-          </a:p>
-          <a:p>
-            <a:endParaRPr lang="de-DE" dirty="0"/>
-          </a:p>
-        </p:txBody>
-      </p:sp>
     </p:spTree>
     <p:extLst>
       <p:ext uri="{BB962C8B-B14F-4D97-AF65-F5344CB8AC3E}">
-        <p14:creationId xmlns:p14="http://schemas.microsoft.com/office/powerpoint/2010/main" val="3129795736"/>
+        <p14:creationId xmlns:p14="http://schemas.microsoft.com/office/powerpoint/2010/main" val="4232098151"/>
       </p:ext>
     </p:extLst>
   </p:cSld>
@@ -13529,7 +14073,75 @@
   <p:timing>
     <p:tnLst>
       <p:par>
-        <p:cTn id="1" dur="indefinite" restart="never" nodeType="tmRoot"/>
+        <p:cTn id="1" dur="indefinite" restart="never" nodeType="tmRoot">
+          <p:childTnLst>
+            <p:seq concurrent="1" nextAc="seek">
+              <p:cTn id="2" dur="indefinite" nodeType="mainSeq">
+                <p:childTnLst>
+                  <p:par>
+                    <p:cTn id="3" fill="hold">
+                      <p:stCondLst>
+                        <p:cond delay="indefinite"/>
+                      </p:stCondLst>
+                      <p:childTnLst>
+                        <p:par>
+                          <p:cTn id="4" fill="hold">
+                            <p:stCondLst>
+                              <p:cond delay="0"/>
+                            </p:stCondLst>
+                            <p:childTnLst>
+                              <p:par>
+                                <p:cTn id="5" presetID="3" presetClass="emph" presetSubtype="2" fill="hold" nodeType="clickEffect">
+                                  <p:stCondLst>
+                                    <p:cond delay="0"/>
+                                  </p:stCondLst>
+                                  <p:childTnLst>
+                                    <p:animClr clrSpc="rgb" dir="cw">
+                                      <p:cBhvr override="childStyle">
+                                        <p:cTn id="6" dur="2000" fill="hold"/>
+                                        <p:tgtEl>
+                                          <p:spTgt spid="3">
+                                            <p:txEl>
+                                              <p:pRg st="2" end="2"/>
+                                            </p:txEl>
+                                          </p:spTgt>
+                                        </p:tgtEl>
+                                        <p:attrNameLst>
+                                          <p:attrName>style.color</p:attrName>
+                                        </p:attrNameLst>
+                                      </p:cBhvr>
+                                      <p:to>
+                                        <a:srgbClr val="FF0000"/>
+                                      </p:to>
+                                    </p:animClr>
+                                  </p:childTnLst>
+                                </p:cTn>
+                              </p:par>
+                            </p:childTnLst>
+                          </p:cTn>
+                        </p:par>
+                      </p:childTnLst>
+                    </p:cTn>
+                  </p:par>
+                </p:childTnLst>
+              </p:cTn>
+              <p:prevCondLst>
+                <p:cond evt="onPrev" delay="0">
+                  <p:tgtEl>
+                    <p:sldTgt/>
+                  </p:tgtEl>
+                </p:cond>
+              </p:prevCondLst>
+              <p:nextCondLst>
+                <p:cond evt="onNext" delay="0">
+                  <p:tgtEl>
+                    <p:sldTgt/>
+                  </p:tgtEl>
+                </p:cond>
+              </p:nextCondLst>
+            </p:seq>
+          </p:childTnLst>
+        </p:cTn>
       </p:par>
     </p:tnLst>
   </p:timing>
@@ -13565,6 +14177,1647 @@
         </p:nvSpPr>
         <p:spPr/>
         <p:txBody>
+          <a:bodyPr>
+            <a:normAutofit/>
+          </a:bodyPr>
+          <a:lstStyle/>
+          <a:p>
+            <a:r>
+              <a:rPr lang="en-NZ" sz="4400" dirty="0" smtClean="0"/>
+              <a:t>Ranking – </a:t>
+            </a:r>
+            <a:r>
+              <a:rPr lang="en-NZ" sz="4400" dirty="0" err="1" smtClean="0"/>
+              <a:t>tf-idf</a:t>
+            </a:r>
+            <a:r>
+              <a:rPr lang="en-NZ" sz="4400" dirty="0" smtClean="0"/>
+              <a:t>	</a:t>
+            </a:r>
+            <a:endParaRPr lang="de-DE" sz="4400" dirty="0"/>
+          </a:p>
+        </p:txBody>
+      </p:sp>
+      <p:sp>
+        <p:nvSpPr>
+          <p:cNvPr id="3" name="Inhaltsplatzhalter 2"/>
+          <p:cNvSpPr>
+            <a:spLocks noGrp="1"/>
+          </p:cNvSpPr>
+          <p:nvPr>
+            <p:ph idx="1"/>
+          </p:nvPr>
+        </p:nvSpPr>
+        <p:spPr/>
+        <p:txBody>
+          <a:bodyPr/>
+          <a:lstStyle/>
+          <a:p>
+            <a:r>
+              <a:rPr lang="en-NZ" sz="3200" dirty="0" smtClean="0"/>
+              <a:t> </a:t>
+            </a:r>
+            <a:r>
+              <a:rPr lang="en-NZ" sz="3200" dirty="0" err="1" smtClean="0"/>
+              <a:t>Vorkommen</a:t>
+            </a:r>
+            <a:r>
+              <a:rPr lang="en-NZ" sz="3200" dirty="0" smtClean="0"/>
+              <a:t> </a:t>
+            </a:r>
+            <a:r>
+              <a:rPr lang="en-NZ" sz="3200" dirty="0" err="1" smtClean="0"/>
+              <a:t>eines</a:t>
+            </a:r>
+            <a:r>
+              <a:rPr lang="en-NZ" sz="3200" dirty="0" smtClean="0"/>
+              <a:t> </a:t>
+            </a:r>
+            <a:r>
+              <a:rPr lang="en-NZ" sz="3200" dirty="0" err="1" smtClean="0"/>
+              <a:t>Wortes</a:t>
+            </a:r>
+            <a:r>
+              <a:rPr lang="en-NZ" sz="3200" dirty="0" smtClean="0"/>
+              <a:t> in </a:t>
+            </a:r>
+            <a:r>
+              <a:rPr lang="en-NZ" sz="3200" dirty="0" err="1" smtClean="0"/>
+              <a:t>einem</a:t>
+            </a:r>
+            <a:r>
+              <a:rPr lang="en-NZ" sz="3200" dirty="0" smtClean="0"/>
+              <a:t> </a:t>
+            </a:r>
+            <a:r>
+              <a:rPr lang="en-NZ" sz="3200" dirty="0" err="1" smtClean="0"/>
+              <a:t>Dokument</a:t>
+            </a:r>
+            <a:endParaRPr lang="en-NZ" sz="3200" dirty="0" smtClean="0"/>
+          </a:p>
+          <a:p>
+            <a:r>
+              <a:rPr lang="en-NZ" sz="3200" dirty="0" smtClean="0"/>
+              <a:t>Je </a:t>
+            </a:r>
+            <a:r>
+              <a:rPr lang="en-NZ" sz="3200" dirty="0" err="1" smtClean="0"/>
+              <a:t>mehr</a:t>
+            </a:r>
+            <a:r>
+              <a:rPr lang="en-NZ" sz="3200" dirty="0" smtClean="0"/>
+              <a:t> </a:t>
+            </a:r>
+            <a:r>
+              <a:rPr lang="en-NZ" sz="3200" dirty="0" err="1" smtClean="0"/>
+              <a:t>Dokumente</a:t>
+            </a:r>
+            <a:r>
+              <a:rPr lang="en-NZ" sz="3200" dirty="0" smtClean="0"/>
+              <a:t> das Wort </a:t>
+            </a:r>
+            <a:r>
+              <a:rPr lang="en-NZ" sz="3200" dirty="0" err="1" smtClean="0"/>
+              <a:t>beinhalten</a:t>
+            </a:r>
+            <a:r>
+              <a:rPr lang="en-NZ" sz="3200" dirty="0" smtClean="0"/>
+              <a:t>, </a:t>
+            </a:r>
+            <a:r>
+              <a:rPr lang="en-NZ" sz="3200" dirty="0" err="1" smtClean="0"/>
+              <a:t>desto</a:t>
+            </a:r>
+            <a:r>
+              <a:rPr lang="en-NZ" sz="3200" dirty="0" smtClean="0"/>
+              <a:t> </a:t>
+            </a:r>
+            <a:r>
+              <a:rPr lang="en-NZ" sz="3200" dirty="0" err="1" smtClean="0"/>
+              <a:t>geringer</a:t>
+            </a:r>
+            <a:r>
+              <a:rPr lang="en-NZ" sz="3200" dirty="0" smtClean="0"/>
+              <a:t> die </a:t>
+            </a:r>
+            <a:r>
+              <a:rPr lang="en-NZ" sz="3200" dirty="0" err="1" smtClean="0"/>
+              <a:t>Relevanz</a:t>
+            </a:r>
+            <a:endParaRPr lang="en-NZ" sz="3200" dirty="0" smtClean="0"/>
+          </a:p>
+          <a:p>
+            <a:pPr marL="0" indent="0">
+              <a:buNone/>
+            </a:pPr>
+            <a:endParaRPr lang="en-NZ" sz="3200" dirty="0" smtClean="0"/>
+          </a:p>
+          <a:p>
+            <a:pPr marL="0" indent="0">
+              <a:buNone/>
+            </a:pPr>
+            <a:endParaRPr lang="en-NZ" dirty="0"/>
+          </a:p>
+        </p:txBody>
+      </p:sp>
+      <p:sp>
+        <p:nvSpPr>
+          <p:cNvPr id="4" name="Foliennummernplatzhalter 3"/>
+          <p:cNvSpPr>
+            <a:spLocks noGrp="1"/>
+          </p:cNvSpPr>
+          <p:nvPr>
+            <p:ph type="sldNum" sz="quarter" idx="12"/>
+          </p:nvPr>
+        </p:nvSpPr>
+        <p:spPr/>
+        <p:txBody>
+          <a:bodyPr/>
+          <a:lstStyle/>
+          <a:p>
+            <a:fld id="{6D22F896-40B5-4ADD-8801-0D06FADFA095}" type="slidenum">
+              <a:rPr lang="en-US" smtClean="0"/>
+              <a:t>13</a:t>
+            </a:fld>
+            <a:endParaRPr lang="en-US" dirty="0"/>
+          </a:p>
+        </p:txBody>
+      </p:sp>
+    </p:spTree>
+    <p:extLst>
+      <p:ext uri="{BB962C8B-B14F-4D97-AF65-F5344CB8AC3E}">
+        <p14:creationId xmlns:p14="http://schemas.microsoft.com/office/powerpoint/2010/main" val="2733473698"/>
+      </p:ext>
+    </p:extLst>
+  </p:cSld>
+  <p:clrMapOvr>
+    <a:masterClrMapping/>
+  </p:clrMapOvr>
+  <p:timing>
+    <p:tnLst>
+      <p:par>
+        <p:cTn id="1" dur="indefinite" restart="never" nodeType="tmRoot">
+          <p:childTnLst>
+            <p:seq concurrent="1" nextAc="seek">
+              <p:cTn id="2" dur="indefinite" nodeType="mainSeq">
+                <p:childTnLst>
+                  <p:par>
+                    <p:cTn id="3" fill="hold">
+                      <p:stCondLst>
+                        <p:cond delay="indefinite"/>
+                      </p:stCondLst>
+                      <p:childTnLst>
+                        <p:par>
+                          <p:cTn id="4" fill="hold">
+                            <p:stCondLst>
+                              <p:cond delay="0"/>
+                            </p:stCondLst>
+                            <p:childTnLst>
+                              <p:par>
+                                <p:cTn id="5" presetID="1" presetClass="entr" presetSubtype="0" fill="hold" nodeType="clickEffect">
+                                  <p:stCondLst>
+                                    <p:cond delay="0"/>
+                                  </p:stCondLst>
+                                  <p:childTnLst>
+                                    <p:set>
+                                      <p:cBhvr>
+                                        <p:cTn id="6" dur="1" fill="hold">
+                                          <p:stCondLst>
+                                            <p:cond delay="0"/>
+                                          </p:stCondLst>
+                                        </p:cTn>
+                                        <p:tgtEl>
+                                          <p:spTgt spid="3">
+                                            <p:txEl>
+                                              <p:pRg st="1" end="1"/>
+                                            </p:txEl>
+                                          </p:spTgt>
+                                        </p:tgtEl>
+                                        <p:attrNameLst>
+                                          <p:attrName>style.visibility</p:attrName>
+                                        </p:attrNameLst>
+                                      </p:cBhvr>
+                                      <p:to>
+                                        <p:strVal val="visible"/>
+                                      </p:to>
+                                    </p:set>
+                                  </p:childTnLst>
+                                </p:cTn>
+                              </p:par>
+                            </p:childTnLst>
+                          </p:cTn>
+                        </p:par>
+                      </p:childTnLst>
+                    </p:cTn>
+                  </p:par>
+                </p:childTnLst>
+              </p:cTn>
+              <p:prevCondLst>
+                <p:cond evt="onPrev" delay="0">
+                  <p:tgtEl>
+                    <p:sldTgt/>
+                  </p:tgtEl>
+                </p:cond>
+              </p:prevCondLst>
+              <p:nextCondLst>
+                <p:cond evt="onNext" delay="0">
+                  <p:tgtEl>
+                    <p:sldTgt/>
+                  </p:tgtEl>
+                </p:cond>
+              </p:nextCondLst>
+            </p:seq>
+          </p:childTnLst>
+        </p:cTn>
+      </p:par>
+    </p:tnLst>
+  </p:timing>
+</p:sld>
+</file>
+
+<file path=ppt/slides/slide14.xml><?xml version="1.0" encoding="utf-8"?>
+<p:sld xmlns:a="http://schemas.openxmlformats.org/drawingml/2006/main" xmlns:r="http://schemas.openxmlformats.org/officeDocument/2006/relationships" xmlns:p="http://schemas.openxmlformats.org/presentationml/2006/main">
+  <p:cSld>
+    <p:spTree>
+      <p:nvGrpSpPr>
+        <p:cNvPr id="1" name=""/>
+        <p:cNvGrpSpPr/>
+        <p:nvPr/>
+      </p:nvGrpSpPr>
+      <p:grpSpPr>
+        <a:xfrm>
+          <a:off x="0" y="0"/>
+          <a:ext cx="0" cy="0"/>
+          <a:chOff x="0" y="0"/>
+          <a:chExt cx="0" cy="0"/>
+        </a:xfrm>
+      </p:grpSpPr>
+      <p:sp>
+        <p:nvSpPr>
+          <p:cNvPr id="3" name="Inhaltsplatzhalter 2"/>
+          <p:cNvSpPr>
+            <a:spLocks noGrp="1"/>
+          </p:cNvSpPr>
+          <p:nvPr>
+            <p:ph idx="1"/>
+          </p:nvPr>
+        </p:nvSpPr>
+        <p:spPr/>
+        <p:txBody>
+          <a:bodyPr>
+            <a:noAutofit/>
+          </a:bodyPr>
+          <a:lstStyle/>
+          <a:p>
+            <a:pPr marL="0" indent="0">
+              <a:buNone/>
+            </a:pPr>
+            <a:r>
+              <a:rPr lang="de-DE" sz="2800" dirty="0" smtClean="0"/>
+              <a:t>Was passiert?</a:t>
+            </a:r>
+          </a:p>
+          <a:p>
+            <a:pPr marL="0" indent="0">
+              <a:buNone/>
+            </a:pPr>
+            <a:r>
+              <a:rPr lang="de-DE" sz="2800" dirty="0"/>
+              <a:t>	</a:t>
+            </a:r>
+            <a:r>
+              <a:rPr lang="de-DE" sz="2800" dirty="0" smtClean="0"/>
+              <a:t>Dokumente und Suchanfrage werden als Vektor dargestellt</a:t>
+            </a:r>
+          </a:p>
+          <a:p>
+            <a:pPr marL="0" indent="0">
+              <a:buNone/>
+            </a:pPr>
+            <a:r>
+              <a:rPr lang="de-DE" sz="2800" dirty="0" smtClean="0"/>
+              <a:t>Wozu dient es?</a:t>
+            </a:r>
+          </a:p>
+          <a:p>
+            <a:pPr marL="0" indent="0">
+              <a:buNone/>
+            </a:pPr>
+            <a:r>
+              <a:rPr lang="de-DE" sz="2800" dirty="0"/>
+              <a:t>	</a:t>
+            </a:r>
+            <a:r>
+              <a:rPr lang="de-DE" sz="2800" dirty="0" smtClean="0"/>
+              <a:t>Besseres Ranking </a:t>
+            </a:r>
+          </a:p>
+        </p:txBody>
+      </p:sp>
+      <p:sp>
+        <p:nvSpPr>
+          <p:cNvPr id="4" name="Foliennummernplatzhalter 3"/>
+          <p:cNvSpPr>
+            <a:spLocks noGrp="1"/>
+          </p:cNvSpPr>
+          <p:nvPr>
+            <p:ph type="sldNum" sz="quarter" idx="12"/>
+          </p:nvPr>
+        </p:nvSpPr>
+        <p:spPr/>
+        <p:txBody>
+          <a:bodyPr/>
+          <a:lstStyle/>
+          <a:p>
+            <a:fld id="{6D22F896-40B5-4ADD-8801-0D06FADFA095}" type="slidenum">
+              <a:rPr lang="en-US" smtClean="0"/>
+              <a:t>14</a:t>
+            </a:fld>
+            <a:endParaRPr lang="en-US" dirty="0"/>
+          </a:p>
+        </p:txBody>
+      </p:sp>
+      <p:sp>
+        <p:nvSpPr>
+          <p:cNvPr id="5" name="Titel 1"/>
+          <p:cNvSpPr>
+            <a:spLocks noGrp="1"/>
+          </p:cNvSpPr>
+          <p:nvPr>
+            <p:ph type="title"/>
+          </p:nvPr>
+        </p:nvSpPr>
+        <p:spPr/>
+        <p:txBody>
+          <a:bodyPr>
+            <a:normAutofit/>
+          </a:bodyPr>
+          <a:lstStyle/>
+          <a:p>
+            <a:r>
+              <a:rPr lang="en-NZ" sz="4400" dirty="0" smtClean="0"/>
+              <a:t>Ranking – </a:t>
+            </a:r>
+            <a:r>
+              <a:rPr lang="en-NZ" sz="4400" dirty="0" err="1" smtClean="0"/>
+              <a:t>Vektor</a:t>
+            </a:r>
+            <a:r>
+              <a:rPr lang="en-NZ" sz="4400" dirty="0"/>
+              <a:t> </a:t>
+            </a:r>
+            <a:r>
+              <a:rPr lang="en-NZ" sz="4400" dirty="0" smtClean="0"/>
+              <a:t>space model</a:t>
+            </a:r>
+            <a:endParaRPr lang="de-DE" sz="4400" dirty="0"/>
+          </a:p>
+        </p:txBody>
+      </p:sp>
+    </p:spTree>
+    <p:extLst>
+      <p:ext uri="{BB962C8B-B14F-4D97-AF65-F5344CB8AC3E}">
+        <p14:creationId xmlns:p14="http://schemas.microsoft.com/office/powerpoint/2010/main" val="2686155329"/>
+      </p:ext>
+    </p:extLst>
+  </p:cSld>
+  <p:clrMapOvr>
+    <a:masterClrMapping/>
+  </p:clrMapOvr>
+  <p:timing>
+    <p:tnLst>
+      <p:par>
+        <p:cTn id="1" dur="indefinite" restart="never" nodeType="tmRoot">
+          <p:childTnLst>
+            <p:seq concurrent="1" nextAc="seek">
+              <p:cTn id="2" dur="indefinite" nodeType="mainSeq">
+                <p:childTnLst>
+                  <p:par>
+                    <p:cTn id="3" fill="hold">
+                      <p:stCondLst>
+                        <p:cond delay="indefinite"/>
+                      </p:stCondLst>
+                      <p:childTnLst>
+                        <p:par>
+                          <p:cTn id="4" fill="hold">
+                            <p:stCondLst>
+                              <p:cond delay="0"/>
+                            </p:stCondLst>
+                            <p:childTnLst>
+                              <p:par>
+                                <p:cTn id="5" presetID="1" presetClass="entr" presetSubtype="0" fill="hold" nodeType="clickEffect">
+                                  <p:stCondLst>
+                                    <p:cond delay="0"/>
+                                  </p:stCondLst>
+                                  <p:childTnLst>
+                                    <p:set>
+                                      <p:cBhvr>
+                                        <p:cTn id="6" dur="1" fill="hold">
+                                          <p:stCondLst>
+                                            <p:cond delay="0"/>
+                                          </p:stCondLst>
+                                        </p:cTn>
+                                        <p:tgtEl>
+                                          <p:spTgt spid="3">
+                                            <p:txEl>
+                                              <p:pRg st="2" end="2"/>
+                                            </p:txEl>
+                                          </p:spTgt>
+                                        </p:tgtEl>
+                                        <p:attrNameLst>
+                                          <p:attrName>style.visibility</p:attrName>
+                                        </p:attrNameLst>
+                                      </p:cBhvr>
+                                      <p:to>
+                                        <p:strVal val="visible"/>
+                                      </p:to>
+                                    </p:set>
+                                  </p:childTnLst>
+                                </p:cTn>
+                              </p:par>
+                              <p:par>
+                                <p:cTn id="7" presetID="1" presetClass="entr" presetSubtype="0" fill="hold" nodeType="withEffect">
+                                  <p:stCondLst>
+                                    <p:cond delay="0"/>
+                                  </p:stCondLst>
+                                  <p:childTnLst>
+                                    <p:set>
+                                      <p:cBhvr>
+                                        <p:cTn id="8" dur="1" fill="hold">
+                                          <p:stCondLst>
+                                            <p:cond delay="0"/>
+                                          </p:stCondLst>
+                                        </p:cTn>
+                                        <p:tgtEl>
+                                          <p:spTgt spid="3">
+                                            <p:txEl>
+                                              <p:pRg st="3" end="3"/>
+                                            </p:txEl>
+                                          </p:spTgt>
+                                        </p:tgtEl>
+                                        <p:attrNameLst>
+                                          <p:attrName>style.visibility</p:attrName>
+                                        </p:attrNameLst>
+                                      </p:cBhvr>
+                                      <p:to>
+                                        <p:strVal val="visible"/>
+                                      </p:to>
+                                    </p:set>
+                                  </p:childTnLst>
+                                </p:cTn>
+                              </p:par>
+                            </p:childTnLst>
+                          </p:cTn>
+                        </p:par>
+                      </p:childTnLst>
+                    </p:cTn>
+                  </p:par>
+                </p:childTnLst>
+              </p:cTn>
+              <p:prevCondLst>
+                <p:cond evt="onPrev" delay="0">
+                  <p:tgtEl>
+                    <p:sldTgt/>
+                  </p:tgtEl>
+                </p:cond>
+              </p:prevCondLst>
+              <p:nextCondLst>
+                <p:cond evt="onNext" delay="0">
+                  <p:tgtEl>
+                    <p:sldTgt/>
+                  </p:tgtEl>
+                </p:cond>
+              </p:nextCondLst>
+            </p:seq>
+          </p:childTnLst>
+        </p:cTn>
+      </p:par>
+    </p:tnLst>
+  </p:timing>
+</p:sld>
+</file>
+
+<file path=ppt/slides/slide15.xml><?xml version="1.0" encoding="utf-8"?>
+<p:sld xmlns:a="http://schemas.openxmlformats.org/drawingml/2006/main" xmlns:r="http://schemas.openxmlformats.org/officeDocument/2006/relationships" xmlns:p="http://schemas.openxmlformats.org/presentationml/2006/main">
+  <p:cSld>
+    <p:spTree>
+      <p:nvGrpSpPr>
+        <p:cNvPr id="1" name=""/>
+        <p:cNvGrpSpPr/>
+        <p:nvPr/>
+      </p:nvGrpSpPr>
+      <p:grpSpPr>
+        <a:xfrm>
+          <a:off x="0" y="0"/>
+          <a:ext cx="0" cy="0"/>
+          <a:chOff x="0" y="0"/>
+          <a:chExt cx="0" cy="0"/>
+        </a:xfrm>
+      </p:grpSpPr>
+      <p:sp>
+        <p:nvSpPr>
+          <p:cNvPr id="4" name="Foliennummernplatzhalter 3"/>
+          <p:cNvSpPr>
+            <a:spLocks noGrp="1"/>
+          </p:cNvSpPr>
+          <p:nvPr>
+            <p:ph type="sldNum" sz="quarter" idx="12"/>
+          </p:nvPr>
+        </p:nvSpPr>
+        <p:spPr/>
+        <p:txBody>
+          <a:bodyPr/>
+          <a:lstStyle/>
+          <a:p>
+            <a:fld id="{6D22F896-40B5-4ADD-8801-0D06FADFA095}" type="slidenum">
+              <a:rPr lang="en-US" smtClean="0"/>
+              <a:t>15</a:t>
+            </a:fld>
+            <a:endParaRPr lang="en-US" dirty="0"/>
+          </a:p>
+        </p:txBody>
+      </p:sp>
+      <p:graphicFrame>
+        <p:nvGraphicFramePr>
+          <p:cNvPr id="5" name="Tabelle 4"/>
+          <p:cNvGraphicFramePr>
+            <a:graphicFrameLocks noGrp="1"/>
+          </p:cNvGraphicFramePr>
+          <p:nvPr>
+            <p:extLst>
+              <p:ext uri="{D42A27DB-BD31-4B8C-83A1-F6EECF244321}">
+                <p14:modId xmlns:p14="http://schemas.microsoft.com/office/powerpoint/2010/main" val="954402032"/>
+              </p:ext>
+            </p:extLst>
+          </p:nvPr>
+        </p:nvGraphicFramePr>
+        <p:xfrm>
+          <a:off x="1516845" y="3320459"/>
+          <a:ext cx="8128000" cy="1483360"/>
+        </p:xfrm>
+        <a:graphic>
+          <a:graphicData uri="http://schemas.openxmlformats.org/drawingml/2006/table">
+            <a:tbl>
+              <a:tblPr firstRow="1" bandRow="1">
+                <a:tableStyleId>{5C22544A-7EE6-4342-B048-85BDC9FD1C3A}</a:tableStyleId>
+              </a:tblPr>
+              <a:tblGrid>
+                <a:gridCol w="2192270"/>
+                <a:gridCol w="1871730"/>
+                <a:gridCol w="2032000"/>
+                <a:gridCol w="2032000"/>
+              </a:tblGrid>
+              <a:tr h="370840">
+                <a:tc>
+                  <a:txBody>
+                    <a:bodyPr/>
+                    <a:lstStyle/>
+                    <a:p>
+                      <a:r>
+                        <a:rPr lang="de-DE" dirty="0" smtClean="0"/>
+                        <a:t>Dokument\Wort</a:t>
+                      </a:r>
+                      <a:endParaRPr lang="de-DE" dirty="0"/>
+                    </a:p>
+                  </a:txBody>
+                  <a:tcPr/>
+                </a:tc>
+                <a:tc>
+                  <a:txBody>
+                    <a:bodyPr/>
+                    <a:lstStyle/>
+                    <a:p>
+                      <a:r>
+                        <a:rPr lang="de-DE" dirty="0" smtClean="0"/>
+                        <a:t>„Information“</a:t>
+                      </a:r>
+                      <a:endParaRPr lang="de-DE" dirty="0"/>
+                    </a:p>
+                  </a:txBody>
+                  <a:tcPr/>
+                </a:tc>
+                <a:tc>
+                  <a:txBody>
+                    <a:bodyPr/>
+                    <a:lstStyle/>
+                    <a:p>
+                      <a:r>
+                        <a:rPr lang="de-DE" dirty="0" smtClean="0"/>
+                        <a:t>„</a:t>
+                      </a:r>
+                      <a:r>
+                        <a:rPr lang="de-DE" dirty="0" err="1" smtClean="0"/>
+                        <a:t>Retrieval</a:t>
+                      </a:r>
+                      <a:r>
+                        <a:rPr lang="de-DE" dirty="0" smtClean="0"/>
+                        <a:t>“</a:t>
+                      </a:r>
+                      <a:endParaRPr lang="de-DE" dirty="0"/>
+                    </a:p>
+                  </a:txBody>
+                  <a:tcPr/>
+                </a:tc>
+                <a:tc>
+                  <a:txBody>
+                    <a:bodyPr/>
+                    <a:lstStyle/>
+                    <a:p>
+                      <a:r>
+                        <a:rPr lang="de-DE" dirty="0" smtClean="0"/>
+                        <a:t>„Kurs“</a:t>
+                      </a:r>
+                      <a:endParaRPr lang="de-DE" dirty="0"/>
+                    </a:p>
+                  </a:txBody>
+                  <a:tcPr/>
+                </a:tc>
+              </a:tr>
+              <a:tr h="370840">
+                <a:tc>
+                  <a:txBody>
+                    <a:bodyPr/>
+                    <a:lstStyle/>
+                    <a:p>
+                      <a:r>
+                        <a:rPr lang="de-DE" dirty="0" smtClean="0"/>
+                        <a:t>Dokument 1</a:t>
+                      </a:r>
+                      <a:endParaRPr lang="de-DE" dirty="0"/>
+                    </a:p>
+                  </a:txBody>
+                  <a:tcPr/>
+                </a:tc>
+                <a:tc>
+                  <a:txBody>
+                    <a:bodyPr/>
+                    <a:lstStyle/>
+                    <a:p>
+                      <a:r>
+                        <a:rPr lang="de-DE" dirty="0" smtClean="0"/>
+                        <a:t>0</a:t>
+                      </a:r>
+                      <a:endParaRPr lang="de-DE" dirty="0"/>
+                    </a:p>
+                  </a:txBody>
+                  <a:tcPr/>
+                </a:tc>
+                <a:tc>
+                  <a:txBody>
+                    <a:bodyPr/>
+                    <a:lstStyle/>
+                    <a:p>
+                      <a:r>
+                        <a:rPr lang="de-DE" dirty="0" smtClean="0"/>
+                        <a:t>1</a:t>
+                      </a:r>
+                      <a:endParaRPr lang="de-DE" dirty="0"/>
+                    </a:p>
+                  </a:txBody>
+                  <a:tcPr/>
+                </a:tc>
+                <a:tc>
+                  <a:txBody>
+                    <a:bodyPr/>
+                    <a:lstStyle/>
+                    <a:p>
+                      <a:r>
+                        <a:rPr lang="de-DE" dirty="0" smtClean="0"/>
+                        <a:t>1</a:t>
+                      </a:r>
+                      <a:endParaRPr lang="de-DE" dirty="0"/>
+                    </a:p>
+                  </a:txBody>
+                  <a:tcPr/>
+                </a:tc>
+              </a:tr>
+              <a:tr h="370840">
+                <a:tc>
+                  <a:txBody>
+                    <a:bodyPr/>
+                    <a:lstStyle/>
+                    <a:p>
+                      <a:r>
+                        <a:rPr lang="de-DE" dirty="0" smtClean="0"/>
+                        <a:t>Dokument 2</a:t>
+                      </a:r>
+                      <a:endParaRPr lang="de-DE" dirty="0"/>
+                    </a:p>
+                  </a:txBody>
+                  <a:tcPr/>
+                </a:tc>
+                <a:tc>
+                  <a:txBody>
+                    <a:bodyPr/>
+                    <a:lstStyle/>
+                    <a:p>
+                      <a:r>
+                        <a:rPr lang="de-DE" dirty="0" smtClean="0"/>
+                        <a:t>0</a:t>
+                      </a:r>
+                      <a:endParaRPr lang="de-DE" dirty="0"/>
+                    </a:p>
+                  </a:txBody>
+                  <a:tcPr/>
+                </a:tc>
+                <a:tc>
+                  <a:txBody>
+                    <a:bodyPr/>
+                    <a:lstStyle/>
+                    <a:p>
+                      <a:r>
+                        <a:rPr lang="de-DE" dirty="0" smtClean="0"/>
+                        <a:t>2</a:t>
+                      </a:r>
+                      <a:endParaRPr lang="de-DE" dirty="0"/>
+                    </a:p>
+                  </a:txBody>
+                  <a:tcPr/>
+                </a:tc>
+                <a:tc>
+                  <a:txBody>
+                    <a:bodyPr/>
+                    <a:lstStyle/>
+                    <a:p>
+                      <a:r>
+                        <a:rPr lang="de-DE" dirty="0" smtClean="0"/>
+                        <a:t>0</a:t>
+                      </a:r>
+                      <a:endParaRPr lang="de-DE" dirty="0"/>
+                    </a:p>
+                  </a:txBody>
+                  <a:tcPr/>
+                </a:tc>
+              </a:tr>
+              <a:tr h="370840">
+                <a:tc>
+                  <a:txBody>
+                    <a:bodyPr/>
+                    <a:lstStyle/>
+                    <a:p>
+                      <a:r>
+                        <a:rPr lang="de-DE" dirty="0" smtClean="0"/>
+                        <a:t>Query(Suchanfrage)</a:t>
+                      </a:r>
+                      <a:endParaRPr lang="de-DE" dirty="0"/>
+                    </a:p>
+                  </a:txBody>
+                  <a:tcPr/>
+                </a:tc>
+                <a:tc>
+                  <a:txBody>
+                    <a:bodyPr/>
+                    <a:lstStyle/>
+                    <a:p>
+                      <a:r>
+                        <a:rPr lang="de-DE" dirty="0" smtClean="0"/>
+                        <a:t>1</a:t>
+                      </a:r>
+                      <a:endParaRPr lang="de-DE" dirty="0"/>
+                    </a:p>
+                  </a:txBody>
+                  <a:tcPr/>
+                </a:tc>
+                <a:tc>
+                  <a:txBody>
+                    <a:bodyPr/>
+                    <a:lstStyle/>
+                    <a:p>
+                      <a:r>
+                        <a:rPr lang="de-DE" dirty="0" smtClean="0"/>
+                        <a:t>1</a:t>
+                      </a:r>
+                      <a:endParaRPr lang="de-DE" dirty="0"/>
+                    </a:p>
+                  </a:txBody>
+                  <a:tcPr/>
+                </a:tc>
+                <a:tc>
+                  <a:txBody>
+                    <a:bodyPr/>
+                    <a:lstStyle/>
+                    <a:p>
+                      <a:r>
+                        <a:rPr lang="de-DE" dirty="0" smtClean="0"/>
+                        <a:t>1</a:t>
+                      </a:r>
+                      <a:endParaRPr lang="de-DE" dirty="0"/>
+                    </a:p>
+                  </a:txBody>
+                  <a:tcPr/>
+                </a:tc>
+              </a:tr>
+            </a:tbl>
+          </a:graphicData>
+        </a:graphic>
+      </p:graphicFrame>
+      <p:sp>
+        <p:nvSpPr>
+          <p:cNvPr id="6" name="Titel 1"/>
+          <p:cNvSpPr>
+            <a:spLocks noGrp="1"/>
+          </p:cNvSpPr>
+          <p:nvPr>
+            <p:ph type="title"/>
+          </p:nvPr>
+        </p:nvSpPr>
+        <p:spPr>
+          <a:xfrm>
+            <a:off x="1141412" y="193975"/>
+            <a:ext cx="9905998" cy="1478570"/>
+          </a:xfrm>
+        </p:spPr>
+        <p:txBody>
+          <a:bodyPr>
+            <a:normAutofit/>
+          </a:bodyPr>
+          <a:lstStyle/>
+          <a:p>
+            <a:r>
+              <a:rPr lang="en-NZ" sz="4400" dirty="0" smtClean="0"/>
+              <a:t>Ranking – </a:t>
+            </a:r>
+            <a:r>
+              <a:rPr lang="en-NZ" sz="4400" dirty="0" err="1" smtClean="0"/>
+              <a:t>Vektor</a:t>
+            </a:r>
+            <a:r>
+              <a:rPr lang="en-NZ" sz="4400" dirty="0"/>
+              <a:t> </a:t>
+            </a:r>
+            <a:r>
+              <a:rPr lang="en-NZ" sz="4400" dirty="0" smtClean="0"/>
+              <a:t>space model</a:t>
+            </a:r>
+            <a:endParaRPr lang="de-DE" sz="4400" dirty="0"/>
+          </a:p>
+        </p:txBody>
+      </p:sp>
+      <p:sp>
+        <p:nvSpPr>
+          <p:cNvPr id="7" name="Rechteck 6"/>
+          <p:cNvSpPr/>
+          <p:nvPr/>
+        </p:nvSpPr>
+        <p:spPr>
+          <a:xfrm>
+            <a:off x="3709115" y="3753046"/>
+            <a:ext cx="5808372" cy="309093"/>
+          </a:xfrm>
+          <a:prstGeom prst="rect">
+            <a:avLst/>
+          </a:prstGeom>
+          <a:noFill/>
+          <a:ln>
+            <a:solidFill>
+              <a:srgbClr val="FF0000"/>
+            </a:solidFill>
+          </a:ln>
+        </p:spPr>
+        <p:style>
+          <a:lnRef idx="2">
+            <a:schemeClr val="accent1">
+              <a:shade val="50000"/>
+            </a:schemeClr>
+          </a:lnRef>
+          <a:fillRef idx="1">
+            <a:schemeClr val="accent1"/>
+          </a:fillRef>
+          <a:effectRef idx="0">
+            <a:schemeClr val="accent1"/>
+          </a:effectRef>
+          <a:fontRef idx="minor">
+            <a:schemeClr val="lt1"/>
+          </a:fontRef>
+        </p:style>
+        <p:txBody>
+          <a:bodyPr rtlCol="0" anchor="ctr"/>
+          <a:lstStyle/>
+          <a:p>
+            <a:pPr algn="ctr"/>
+            <a:endParaRPr lang="de-DE"/>
+          </a:p>
+        </p:txBody>
+      </p:sp>
+      <p:sp>
+        <p:nvSpPr>
+          <p:cNvPr id="8" name="Textfeld 7"/>
+          <p:cNvSpPr txBox="1"/>
+          <p:nvPr/>
+        </p:nvSpPr>
+        <p:spPr>
+          <a:xfrm>
+            <a:off x="1729979" y="1997454"/>
+            <a:ext cx="6929013" cy="584775"/>
+          </a:xfrm>
+          <a:prstGeom prst="rect">
+            <a:avLst/>
+          </a:prstGeom>
+          <a:noFill/>
+        </p:spPr>
+        <p:txBody>
+          <a:bodyPr wrap="none" rtlCol="0">
+            <a:spAutoFit/>
+          </a:bodyPr>
+          <a:lstStyle/>
+          <a:p>
+            <a:r>
+              <a:rPr lang="de-DE" sz="3200" dirty="0" smtClean="0">
+                <a:effectLst>
+                  <a:outerShdw blurRad="38100" dist="38100" dir="2700000" algn="tl">
+                    <a:srgbClr val="000000">
+                      <a:alpha val="43137"/>
+                    </a:srgbClr>
+                  </a:outerShdw>
+                </a:effectLst>
+              </a:rPr>
+              <a:t>Suchanfrage</a:t>
+            </a:r>
+            <a:r>
+              <a:rPr lang="de-DE" sz="3200" dirty="0" smtClean="0"/>
+              <a:t>: „Information </a:t>
+            </a:r>
+            <a:r>
+              <a:rPr lang="de-DE" sz="3200" dirty="0" err="1" smtClean="0"/>
+              <a:t>Retrieval</a:t>
+            </a:r>
+            <a:r>
+              <a:rPr lang="de-DE" sz="3200" dirty="0" smtClean="0"/>
+              <a:t> Kurs“</a:t>
+            </a:r>
+            <a:endParaRPr lang="de-DE" sz="3200" dirty="0"/>
+          </a:p>
+        </p:txBody>
+      </p:sp>
+    </p:spTree>
+    <p:extLst>
+      <p:ext uri="{BB962C8B-B14F-4D97-AF65-F5344CB8AC3E}">
+        <p14:creationId xmlns:p14="http://schemas.microsoft.com/office/powerpoint/2010/main" val="1200268684"/>
+      </p:ext>
+    </p:extLst>
+  </p:cSld>
+  <p:clrMapOvr>
+    <a:masterClrMapping/>
+  </p:clrMapOvr>
+  <p:timing>
+    <p:tnLst>
+      <p:par>
+        <p:cTn id="1" dur="indefinite" restart="never" nodeType="tmRoot">
+          <p:childTnLst>
+            <p:seq concurrent="1" nextAc="seek">
+              <p:cTn id="2" dur="indefinite" nodeType="mainSeq">
+                <p:childTnLst>
+                  <p:par>
+                    <p:cTn id="3" fill="hold">
+                      <p:stCondLst>
+                        <p:cond delay="indefinite"/>
+                      </p:stCondLst>
+                      <p:childTnLst>
+                        <p:par>
+                          <p:cTn id="4" fill="hold">
+                            <p:stCondLst>
+                              <p:cond delay="0"/>
+                            </p:stCondLst>
+                            <p:childTnLst>
+                              <p:par>
+                                <p:cTn id="5" presetID="1" presetClass="entr" presetSubtype="0" fill="hold" nodeType="clickEffect">
+                                  <p:stCondLst>
+                                    <p:cond delay="0"/>
+                                  </p:stCondLst>
+                                  <p:childTnLst>
+                                    <p:set>
+                                      <p:cBhvr>
+                                        <p:cTn id="6" dur="1" fill="hold">
+                                          <p:stCondLst>
+                                            <p:cond delay="0"/>
+                                          </p:stCondLst>
+                                        </p:cTn>
+                                        <p:tgtEl>
+                                          <p:spTgt spid="5"/>
+                                        </p:tgtEl>
+                                        <p:attrNameLst>
+                                          <p:attrName>style.visibility</p:attrName>
+                                        </p:attrNameLst>
+                                      </p:cBhvr>
+                                      <p:to>
+                                        <p:strVal val="visible"/>
+                                      </p:to>
+                                    </p:set>
+                                  </p:childTnLst>
+                                </p:cTn>
+                              </p:par>
+                            </p:childTnLst>
+                          </p:cTn>
+                        </p:par>
+                      </p:childTnLst>
+                    </p:cTn>
+                  </p:par>
+                  <p:par>
+                    <p:cTn id="7" fill="hold">
+                      <p:stCondLst>
+                        <p:cond delay="indefinite"/>
+                      </p:stCondLst>
+                      <p:childTnLst>
+                        <p:par>
+                          <p:cTn id="8" fill="hold">
+                            <p:stCondLst>
+                              <p:cond delay="0"/>
+                            </p:stCondLst>
+                            <p:childTnLst>
+                              <p:par>
+                                <p:cTn id="9" presetID="1" presetClass="entr" presetSubtype="0" fill="hold" grpId="0" nodeType="clickEffect">
+                                  <p:stCondLst>
+                                    <p:cond delay="0"/>
+                                  </p:stCondLst>
+                                  <p:childTnLst>
+                                    <p:set>
+                                      <p:cBhvr>
+                                        <p:cTn id="10" dur="1" fill="hold">
+                                          <p:stCondLst>
+                                            <p:cond delay="0"/>
+                                          </p:stCondLst>
+                                        </p:cTn>
+                                        <p:tgtEl>
+                                          <p:spTgt spid="7"/>
+                                        </p:tgtEl>
+                                        <p:attrNameLst>
+                                          <p:attrName>style.visibility</p:attrName>
+                                        </p:attrNameLst>
+                                      </p:cBhvr>
+                                      <p:to>
+                                        <p:strVal val="visible"/>
+                                      </p:to>
+                                    </p:set>
+                                  </p:childTnLst>
+                                </p:cTn>
+                              </p:par>
+                            </p:childTnLst>
+                          </p:cTn>
+                        </p:par>
+                      </p:childTnLst>
+                    </p:cTn>
+                  </p:par>
+                </p:childTnLst>
+              </p:cTn>
+              <p:prevCondLst>
+                <p:cond evt="onPrev" delay="0">
+                  <p:tgtEl>
+                    <p:sldTgt/>
+                  </p:tgtEl>
+                </p:cond>
+              </p:prevCondLst>
+              <p:nextCondLst>
+                <p:cond evt="onNext" delay="0">
+                  <p:tgtEl>
+                    <p:sldTgt/>
+                  </p:tgtEl>
+                </p:cond>
+              </p:nextCondLst>
+            </p:seq>
+          </p:childTnLst>
+        </p:cTn>
+      </p:par>
+    </p:tnLst>
+    <p:bldLst>
+      <p:bldP spid="7" grpId="0" animBg="1"/>
+    </p:bldLst>
+  </p:timing>
+</p:sld>
+</file>
+
+<file path=ppt/slides/slide16.xml><?xml version="1.0" encoding="utf-8"?>
+<p:sld xmlns:a="http://schemas.openxmlformats.org/drawingml/2006/main" xmlns:r="http://schemas.openxmlformats.org/officeDocument/2006/relationships" xmlns:p="http://schemas.openxmlformats.org/presentationml/2006/main">
+  <p:cSld>
+    <p:spTree>
+      <p:nvGrpSpPr>
+        <p:cNvPr id="1" name=""/>
+        <p:cNvGrpSpPr/>
+        <p:nvPr/>
+      </p:nvGrpSpPr>
+      <p:grpSpPr>
+        <a:xfrm>
+          <a:off x="0" y="0"/>
+          <a:ext cx="0" cy="0"/>
+          <a:chOff x="0" y="0"/>
+          <a:chExt cx="0" cy="0"/>
+        </a:xfrm>
+      </p:grpSpPr>
+      <p:sp>
+        <p:nvSpPr>
+          <p:cNvPr id="2" name="Titel 1"/>
+          <p:cNvSpPr>
+            <a:spLocks noGrp="1"/>
+          </p:cNvSpPr>
+          <p:nvPr>
+            <p:ph type="title"/>
+          </p:nvPr>
+        </p:nvSpPr>
+        <p:spPr>
+          <a:xfrm>
+            <a:off x="1141412" y="193975"/>
+            <a:ext cx="9905998" cy="1478570"/>
+          </a:xfrm>
+        </p:spPr>
+        <p:txBody>
+          <a:bodyPr>
+            <a:normAutofit/>
+          </a:bodyPr>
+          <a:lstStyle/>
+          <a:p>
+            <a:r>
+              <a:rPr lang="en-NZ" sz="4400" dirty="0" smtClean="0"/>
+              <a:t>Ranking – </a:t>
+            </a:r>
+            <a:r>
+              <a:rPr lang="en-NZ" sz="4400" dirty="0" err="1" smtClean="0"/>
+              <a:t>Vektor</a:t>
+            </a:r>
+            <a:r>
+              <a:rPr lang="en-NZ" sz="4400" dirty="0"/>
+              <a:t> </a:t>
+            </a:r>
+            <a:r>
+              <a:rPr lang="en-NZ" sz="4400" dirty="0" smtClean="0"/>
+              <a:t>space model</a:t>
+            </a:r>
+            <a:endParaRPr lang="de-DE" sz="4400" dirty="0"/>
+          </a:p>
+        </p:txBody>
+      </p:sp>
+      <p:pic>
+        <p:nvPicPr>
+          <p:cNvPr id="54" name="Inhaltsplatzhalter 53"/>
+          <p:cNvPicPr>
+            <a:picLocks noGrp="1" noChangeAspect="1"/>
+          </p:cNvPicPr>
+          <p:nvPr>
+            <p:ph idx="1"/>
+          </p:nvPr>
+        </p:nvPicPr>
+        <p:blipFill>
+          <a:blip r:embed="rId2"/>
+          <a:stretch>
+            <a:fillRect/>
+          </a:stretch>
+        </p:blipFill>
+        <p:spPr>
+          <a:xfrm>
+            <a:off x="3751751" y="1672545"/>
+            <a:ext cx="4685319" cy="4608511"/>
+          </a:xfrm>
+          <a:prstGeom prst="rect">
+            <a:avLst/>
+          </a:prstGeom>
+        </p:spPr>
+      </p:pic>
+      <p:sp>
+        <p:nvSpPr>
+          <p:cNvPr id="55" name="Foliennummernplatzhalter 54"/>
+          <p:cNvSpPr>
+            <a:spLocks noGrp="1"/>
+          </p:cNvSpPr>
+          <p:nvPr>
+            <p:ph type="sldNum" sz="quarter" idx="12"/>
+          </p:nvPr>
+        </p:nvSpPr>
+        <p:spPr/>
+        <p:txBody>
+          <a:bodyPr/>
+          <a:lstStyle/>
+          <a:p>
+            <a:fld id="{6D22F896-40B5-4ADD-8801-0D06FADFA095}" type="slidenum">
+              <a:rPr lang="en-US" smtClean="0"/>
+              <a:t>16</a:t>
+            </a:fld>
+            <a:endParaRPr lang="en-US" dirty="0"/>
+          </a:p>
+        </p:txBody>
+      </p:sp>
+    </p:spTree>
+    <p:extLst>
+      <p:ext uri="{BB962C8B-B14F-4D97-AF65-F5344CB8AC3E}">
+        <p14:creationId xmlns:p14="http://schemas.microsoft.com/office/powerpoint/2010/main" val="237412691"/>
+      </p:ext>
+    </p:extLst>
+  </p:cSld>
+  <p:clrMapOvr>
+    <a:masterClrMapping/>
+  </p:clrMapOvr>
+  <p:timing>
+    <p:tnLst>
+      <p:par>
+        <p:cTn id="1" dur="indefinite" restart="never" nodeType="tmRoot"/>
+      </p:par>
+    </p:tnLst>
+  </p:timing>
+</p:sld>
+</file>
+
+<file path=ppt/slides/slide17.xml><?xml version="1.0" encoding="utf-8"?>
+<p:sld xmlns:a="http://schemas.openxmlformats.org/drawingml/2006/main" xmlns:r="http://schemas.openxmlformats.org/officeDocument/2006/relationships" xmlns:p="http://schemas.openxmlformats.org/presentationml/2006/main">
+  <p:cSld>
+    <p:spTree>
+      <p:nvGrpSpPr>
+        <p:cNvPr id="1" name=""/>
+        <p:cNvGrpSpPr/>
+        <p:nvPr/>
+      </p:nvGrpSpPr>
+      <p:grpSpPr>
+        <a:xfrm>
+          <a:off x="0" y="0"/>
+          <a:ext cx="0" cy="0"/>
+          <a:chOff x="0" y="0"/>
+          <a:chExt cx="0" cy="0"/>
+        </a:xfrm>
+      </p:grpSpPr>
+      <p:sp>
+        <p:nvSpPr>
+          <p:cNvPr id="2" name="Titel 1"/>
+          <p:cNvSpPr>
+            <a:spLocks noGrp="1"/>
+          </p:cNvSpPr>
+          <p:nvPr>
+            <p:ph type="title"/>
+          </p:nvPr>
+        </p:nvSpPr>
+        <p:spPr>
+          <a:xfrm>
+            <a:off x="1250270" y="0"/>
+            <a:ext cx="9905998" cy="1478570"/>
+          </a:xfrm>
+        </p:spPr>
+        <p:txBody>
+          <a:bodyPr>
+            <a:normAutofit/>
+          </a:bodyPr>
+          <a:lstStyle/>
+          <a:p>
+            <a:r>
+              <a:rPr lang="en-NZ" sz="4000" dirty="0" smtClean="0"/>
+              <a:t>Ranking - Page Rank</a:t>
+            </a:r>
+            <a:endParaRPr lang="de-DE" sz="4000" dirty="0"/>
+          </a:p>
+        </p:txBody>
+      </p:sp>
+      <p:pic>
+        <p:nvPicPr>
+          <p:cNvPr id="4" name="Inhaltsplatzhalter 3"/>
+          <p:cNvPicPr>
+            <a:picLocks noGrp="1" noChangeAspect="1"/>
+          </p:cNvPicPr>
+          <p:nvPr>
+            <p:ph idx="1"/>
+          </p:nvPr>
+        </p:nvPicPr>
+        <p:blipFill>
+          <a:blip r:embed="rId2"/>
+          <a:stretch>
+            <a:fillRect/>
+          </a:stretch>
+        </p:blipFill>
+        <p:spPr>
+          <a:xfrm>
+            <a:off x="3193962" y="1051974"/>
+            <a:ext cx="8075052" cy="5713949"/>
+          </a:xfrm>
+          <a:prstGeom prst="rect">
+            <a:avLst/>
+          </a:prstGeom>
+          <a:solidFill>
+            <a:schemeClr val="tx1"/>
+          </a:solidFill>
+          <a:ln>
+            <a:solidFill>
+              <a:schemeClr val="bg2"/>
+            </a:solidFill>
+          </a:ln>
+        </p:spPr>
+      </p:pic>
+      <p:sp>
+        <p:nvSpPr>
+          <p:cNvPr id="5" name="Foliennummernplatzhalter 4"/>
+          <p:cNvSpPr>
+            <a:spLocks noGrp="1"/>
+          </p:cNvSpPr>
+          <p:nvPr>
+            <p:ph type="sldNum" sz="quarter" idx="12"/>
+          </p:nvPr>
+        </p:nvSpPr>
+        <p:spPr/>
+        <p:txBody>
+          <a:bodyPr/>
+          <a:lstStyle/>
+          <a:p>
+            <a:fld id="{6D22F896-40B5-4ADD-8801-0D06FADFA095}" type="slidenum">
+              <a:rPr lang="en-US" smtClean="0"/>
+              <a:t>17</a:t>
+            </a:fld>
+            <a:endParaRPr lang="en-US" dirty="0"/>
+          </a:p>
+        </p:txBody>
+      </p:sp>
+      <p:sp>
+        <p:nvSpPr>
+          <p:cNvPr id="6" name="Textfeld 5"/>
+          <p:cNvSpPr txBox="1"/>
+          <p:nvPr/>
+        </p:nvSpPr>
+        <p:spPr>
+          <a:xfrm>
+            <a:off x="9773783" y="5742670"/>
+            <a:ext cx="502538" cy="646331"/>
+          </a:xfrm>
+          <a:prstGeom prst="rect">
+            <a:avLst/>
+          </a:prstGeom>
+          <a:noFill/>
+        </p:spPr>
+        <p:txBody>
+          <a:bodyPr wrap="square" rtlCol="0">
+            <a:spAutoFit/>
+          </a:bodyPr>
+          <a:lstStyle/>
+          <a:p>
+            <a:endParaRPr lang="de-DE" dirty="0"/>
+          </a:p>
+          <a:p>
+            <a:endParaRPr lang="de-DE" dirty="0"/>
+          </a:p>
+        </p:txBody>
+      </p:sp>
+      <p:sp>
+        <p:nvSpPr>
+          <p:cNvPr id="3" name="Textfeld 2"/>
+          <p:cNvSpPr txBox="1"/>
+          <p:nvPr/>
+        </p:nvSpPr>
+        <p:spPr>
+          <a:xfrm>
+            <a:off x="181324" y="2338864"/>
+            <a:ext cx="2909606" cy="1384995"/>
+          </a:xfrm>
+          <a:prstGeom prst="rect">
+            <a:avLst/>
+          </a:prstGeom>
+          <a:noFill/>
+        </p:spPr>
+        <p:txBody>
+          <a:bodyPr wrap="square" rtlCol="0">
+            <a:spAutoFit/>
+          </a:bodyPr>
+          <a:lstStyle/>
+          <a:p>
+            <a:r>
+              <a:rPr lang="de-DE" dirty="0" smtClean="0"/>
+              <a:t>Mit der Wahrscheinlichkeit von </a:t>
+            </a:r>
+            <a:r>
+              <a:rPr lang="de-DE" sz="2400" b="1" dirty="0" smtClean="0">
+                <a:effectLst>
+                  <a:outerShdw blurRad="38100" dist="38100" dir="2700000" algn="tl">
+                    <a:srgbClr val="000000">
+                      <a:alpha val="43137"/>
+                    </a:srgbClr>
+                  </a:outerShdw>
+                </a:effectLst>
+              </a:rPr>
+              <a:t>38.4 % </a:t>
+            </a:r>
+            <a:r>
+              <a:rPr lang="de-DE" dirty="0" smtClean="0"/>
+              <a:t>landet ein Nutzer auf der </a:t>
+            </a:r>
+          </a:p>
+          <a:p>
+            <a:r>
+              <a:rPr lang="de-DE" dirty="0" smtClean="0"/>
+              <a:t>Website </a:t>
+            </a:r>
+            <a:r>
+              <a:rPr lang="de-DE" sz="2400" b="1" dirty="0" smtClean="0">
+                <a:effectLst>
+                  <a:outerShdw blurRad="38100" dist="38100" dir="2700000" algn="tl">
+                    <a:srgbClr val="000000">
+                      <a:alpha val="43137"/>
+                    </a:srgbClr>
+                  </a:outerShdw>
+                </a:effectLst>
+              </a:rPr>
+              <a:t>B </a:t>
+            </a:r>
+            <a:endParaRPr lang="de-DE" sz="2400" b="1" dirty="0">
+              <a:effectLst>
+                <a:outerShdw blurRad="38100" dist="38100" dir="2700000" algn="tl">
+                  <a:srgbClr val="000000">
+                    <a:alpha val="43137"/>
+                  </a:srgbClr>
+                </a:outerShdw>
+              </a:effectLst>
+            </a:endParaRPr>
+          </a:p>
+        </p:txBody>
+      </p:sp>
+    </p:spTree>
+    <p:extLst>
+      <p:ext uri="{BB962C8B-B14F-4D97-AF65-F5344CB8AC3E}">
+        <p14:creationId xmlns:p14="http://schemas.microsoft.com/office/powerpoint/2010/main" val="3129795736"/>
+      </p:ext>
+    </p:extLst>
+  </p:cSld>
+  <p:clrMapOvr>
+    <a:masterClrMapping/>
+  </p:clrMapOvr>
+  <p:timing>
+    <p:tnLst>
+      <p:par>
+        <p:cTn id="1" dur="indefinite" restart="never" nodeType="tmRoot">
+          <p:childTnLst>
+            <p:seq concurrent="1" nextAc="seek">
+              <p:cTn id="2" dur="indefinite" nodeType="mainSeq">
+                <p:childTnLst>
+                  <p:par>
+                    <p:cTn id="3" fill="hold">
+                      <p:stCondLst>
+                        <p:cond delay="indefinite"/>
+                        <p:cond evt="onBegin" delay="0">
+                          <p:tn val="2"/>
+                        </p:cond>
+                      </p:stCondLst>
+                      <p:childTnLst>
+                        <p:par>
+                          <p:cTn id="4" fill="hold">
+                            <p:stCondLst>
+                              <p:cond delay="0"/>
+                            </p:stCondLst>
+                            <p:childTnLst>
+                              <p:par>
+                                <p:cTn id="5" presetID="31" presetClass="entr" presetSubtype="0" fill="hold" grpId="0" nodeType="withEffect">
+                                  <p:stCondLst>
+                                    <p:cond delay="0"/>
+                                  </p:stCondLst>
+                                  <p:childTnLst>
+                                    <p:set>
+                                      <p:cBhvr>
+                                        <p:cTn id="6" dur="1" fill="hold">
+                                          <p:stCondLst>
+                                            <p:cond delay="0"/>
+                                          </p:stCondLst>
+                                        </p:cTn>
+                                        <p:tgtEl>
+                                          <p:spTgt spid="3"/>
+                                        </p:tgtEl>
+                                        <p:attrNameLst>
+                                          <p:attrName>style.visibility</p:attrName>
+                                        </p:attrNameLst>
+                                      </p:cBhvr>
+                                      <p:to>
+                                        <p:strVal val="visible"/>
+                                      </p:to>
+                                    </p:set>
+                                    <p:anim calcmode="lin" valueType="num">
+                                      <p:cBhvr>
+                                        <p:cTn id="7" dur="1000" fill="hold"/>
+                                        <p:tgtEl>
+                                          <p:spTgt spid="3"/>
+                                        </p:tgtEl>
+                                        <p:attrNameLst>
+                                          <p:attrName>ppt_w</p:attrName>
+                                        </p:attrNameLst>
+                                      </p:cBhvr>
+                                      <p:tavLst>
+                                        <p:tav tm="0">
+                                          <p:val>
+                                            <p:fltVal val="0"/>
+                                          </p:val>
+                                        </p:tav>
+                                        <p:tav tm="100000">
+                                          <p:val>
+                                            <p:strVal val="#ppt_w"/>
+                                          </p:val>
+                                        </p:tav>
+                                      </p:tavLst>
+                                    </p:anim>
+                                    <p:anim calcmode="lin" valueType="num">
+                                      <p:cBhvr>
+                                        <p:cTn id="8" dur="1000" fill="hold"/>
+                                        <p:tgtEl>
+                                          <p:spTgt spid="3"/>
+                                        </p:tgtEl>
+                                        <p:attrNameLst>
+                                          <p:attrName>ppt_h</p:attrName>
+                                        </p:attrNameLst>
+                                      </p:cBhvr>
+                                      <p:tavLst>
+                                        <p:tav tm="0">
+                                          <p:val>
+                                            <p:fltVal val="0"/>
+                                          </p:val>
+                                        </p:tav>
+                                        <p:tav tm="100000">
+                                          <p:val>
+                                            <p:strVal val="#ppt_h"/>
+                                          </p:val>
+                                        </p:tav>
+                                      </p:tavLst>
+                                    </p:anim>
+                                    <p:anim calcmode="lin" valueType="num">
+                                      <p:cBhvr>
+                                        <p:cTn id="9" dur="1000" fill="hold"/>
+                                        <p:tgtEl>
+                                          <p:spTgt spid="3"/>
+                                        </p:tgtEl>
+                                        <p:attrNameLst>
+                                          <p:attrName>style.rotation</p:attrName>
+                                        </p:attrNameLst>
+                                      </p:cBhvr>
+                                      <p:tavLst>
+                                        <p:tav tm="0">
+                                          <p:val>
+                                            <p:fltVal val="90"/>
+                                          </p:val>
+                                        </p:tav>
+                                        <p:tav tm="100000">
+                                          <p:val>
+                                            <p:fltVal val="0"/>
+                                          </p:val>
+                                        </p:tav>
+                                      </p:tavLst>
+                                    </p:anim>
+                                    <p:animEffect transition="in" filter="fade">
+                                      <p:cBhvr>
+                                        <p:cTn id="10" dur="1000"/>
+                                        <p:tgtEl>
+                                          <p:spTgt spid="3"/>
+                                        </p:tgtEl>
+                                      </p:cBhvr>
+                                    </p:animEffect>
+                                  </p:childTnLst>
+                                </p:cTn>
+                              </p:par>
+                            </p:childTnLst>
+                          </p:cTn>
+                        </p:par>
+                      </p:childTnLst>
+                    </p:cTn>
+                  </p:par>
+                </p:childTnLst>
+              </p:cTn>
+              <p:prevCondLst>
+                <p:cond evt="onPrev" delay="0">
+                  <p:tgtEl>
+                    <p:sldTgt/>
+                  </p:tgtEl>
+                </p:cond>
+              </p:prevCondLst>
+              <p:nextCondLst>
+                <p:cond evt="onNext" delay="0">
+                  <p:tgtEl>
+                    <p:sldTgt/>
+                  </p:tgtEl>
+                </p:cond>
+              </p:nextCondLst>
+            </p:seq>
+          </p:childTnLst>
+        </p:cTn>
+      </p:par>
+    </p:tnLst>
+    <p:bldLst>
+      <p:bldP spid="3" grpId="0"/>
+    </p:bldLst>
+  </p:timing>
+</p:sld>
+</file>
+
+<file path=ppt/slides/slide18.xml><?xml version="1.0" encoding="utf-8"?>
+<p:sld xmlns:a="http://schemas.openxmlformats.org/drawingml/2006/main" xmlns:r="http://schemas.openxmlformats.org/officeDocument/2006/relationships" xmlns:p="http://schemas.openxmlformats.org/presentationml/2006/main">
+  <p:cSld>
+    <p:spTree>
+      <p:nvGrpSpPr>
+        <p:cNvPr id="1" name=""/>
+        <p:cNvGrpSpPr/>
+        <p:nvPr/>
+      </p:nvGrpSpPr>
+      <p:grpSpPr>
+        <a:xfrm>
+          <a:off x="0" y="0"/>
+          <a:ext cx="0" cy="0"/>
+          <a:chOff x="0" y="0"/>
+          <a:chExt cx="0" cy="0"/>
+        </a:xfrm>
+      </p:grpSpPr>
+      <p:sp>
+        <p:nvSpPr>
+          <p:cNvPr id="2" name="Titel 1"/>
+          <p:cNvSpPr>
+            <a:spLocks noGrp="1"/>
+          </p:cNvSpPr>
+          <p:nvPr>
+            <p:ph type="title"/>
+          </p:nvPr>
+        </p:nvSpPr>
+        <p:spPr/>
+        <p:txBody>
           <a:bodyPr/>
           <a:lstStyle/>
           <a:p>
@@ -13725,7 +15978,7 @@
           <a:p>
             <a:fld id="{6D22F896-40B5-4ADD-8801-0D06FADFA095}" type="slidenum">
               <a:rPr lang="en-US" smtClean="0"/>
-              <a:t>13</a:t>
+              <a:t>18</a:t>
             </a:fld>
             <a:endParaRPr lang="en-US" dirty="0"/>
           </a:p>
@@ -13770,6 +16023,564 @@
       </p:grpSpPr>
       <p:sp>
         <p:nvSpPr>
+          <p:cNvPr id="5" name="Foliennummernplatzhalter 3"/>
+          <p:cNvSpPr>
+            <a:spLocks noGrp="1"/>
+          </p:cNvSpPr>
+          <p:nvPr>
+            <p:ph type="sldNum" sz="quarter" idx="12"/>
+          </p:nvPr>
+        </p:nvSpPr>
+        <p:spPr>
+          <a:xfrm>
+            <a:off x="10276321" y="5883274"/>
+            <a:ext cx="771089" cy="365125"/>
+          </a:xfrm>
+        </p:spPr>
+        <p:txBody>
+          <a:bodyPr/>
+          <a:lstStyle/>
+          <a:p>
+            <a:fld id="{6D22F896-40B5-4ADD-8801-0D06FADFA095}" type="slidenum">
+              <a:rPr lang="en-US" smtClean="0"/>
+              <a:t>3</a:t>
+            </a:fld>
+            <a:endParaRPr lang="en-US" dirty="0"/>
+          </a:p>
+        </p:txBody>
+      </p:sp>
+      <p:sp>
+        <p:nvSpPr>
+          <p:cNvPr id="6" name="Rechteck 5"/>
+          <p:cNvSpPr/>
+          <p:nvPr/>
+        </p:nvSpPr>
+        <p:spPr>
+          <a:xfrm>
+            <a:off x="1893196" y="4724176"/>
+            <a:ext cx="2009104" cy="1030309"/>
+          </a:xfrm>
+          <a:prstGeom prst="rect">
+            <a:avLst/>
+          </a:prstGeom>
+        </p:spPr>
+        <p:style>
+          <a:lnRef idx="2">
+            <a:schemeClr val="accent1">
+              <a:shade val="50000"/>
+            </a:schemeClr>
+          </a:lnRef>
+          <a:fillRef idx="1">
+            <a:schemeClr val="accent1"/>
+          </a:fillRef>
+          <a:effectRef idx="0">
+            <a:schemeClr val="accent1"/>
+          </a:effectRef>
+          <a:fontRef idx="minor">
+            <a:schemeClr val="lt1"/>
+          </a:fontRef>
+        </p:style>
+        <p:txBody>
+          <a:bodyPr rtlCol="0" anchor="ctr"/>
+          <a:lstStyle/>
+          <a:p>
+            <a:pPr algn="ctr"/>
+            <a:r>
+              <a:rPr lang="de-DE" dirty="0" smtClean="0"/>
+              <a:t>Dokumente</a:t>
+            </a:r>
+            <a:endParaRPr lang="de-DE" dirty="0"/>
+          </a:p>
+        </p:txBody>
+      </p:sp>
+      <p:sp>
+        <p:nvSpPr>
+          <p:cNvPr id="7" name="Rechteck 6"/>
+          <p:cNvSpPr/>
+          <p:nvPr/>
+        </p:nvSpPr>
+        <p:spPr>
+          <a:xfrm>
+            <a:off x="1893196" y="2869732"/>
+            <a:ext cx="2009104" cy="1004552"/>
+          </a:xfrm>
+          <a:prstGeom prst="rect">
+            <a:avLst/>
+          </a:prstGeom>
+        </p:spPr>
+        <p:style>
+          <a:lnRef idx="2">
+            <a:schemeClr val="accent1">
+              <a:shade val="50000"/>
+            </a:schemeClr>
+          </a:lnRef>
+          <a:fillRef idx="1">
+            <a:schemeClr val="accent1"/>
+          </a:fillRef>
+          <a:effectRef idx="0">
+            <a:schemeClr val="accent1"/>
+          </a:effectRef>
+          <a:fontRef idx="minor">
+            <a:schemeClr val="lt1"/>
+          </a:fontRef>
+        </p:style>
+        <p:txBody>
+          <a:bodyPr rtlCol="0" anchor="ctr"/>
+          <a:lstStyle/>
+          <a:p>
+            <a:pPr algn="ctr"/>
+            <a:r>
+              <a:rPr lang="de-DE" dirty="0" smtClean="0"/>
+              <a:t>Information </a:t>
+            </a:r>
+            <a:r>
+              <a:rPr lang="de-DE" dirty="0" err="1" smtClean="0"/>
+              <a:t>Retrieval</a:t>
+            </a:r>
+            <a:r>
+              <a:rPr lang="de-DE" dirty="0" smtClean="0"/>
+              <a:t> System (</a:t>
+            </a:r>
+            <a:r>
+              <a:rPr lang="de-DE" dirty="0" err="1" smtClean="0"/>
+              <a:t>Suchmachine</a:t>
+            </a:r>
+            <a:r>
+              <a:rPr lang="de-DE" dirty="0" smtClean="0"/>
+              <a:t>) </a:t>
+            </a:r>
+            <a:endParaRPr lang="de-DE" dirty="0"/>
+          </a:p>
+        </p:txBody>
+      </p:sp>
+      <p:cxnSp>
+        <p:nvCxnSpPr>
+          <p:cNvPr id="8" name="Gerade Verbindung mit Pfeil 7"/>
+          <p:cNvCxnSpPr/>
+          <p:nvPr/>
+        </p:nvCxnSpPr>
+        <p:spPr>
+          <a:xfrm>
+            <a:off x="2305319" y="3874284"/>
+            <a:ext cx="0" cy="849892"/>
+          </a:xfrm>
+          <a:prstGeom prst="straightConnector1">
+            <a:avLst/>
+          </a:prstGeom>
+          <a:ln>
+            <a:tailEnd type="triangle"/>
+          </a:ln>
+        </p:spPr>
+        <p:style>
+          <a:lnRef idx="1">
+            <a:schemeClr val="accent1"/>
+          </a:lnRef>
+          <a:fillRef idx="0">
+            <a:schemeClr val="accent1"/>
+          </a:fillRef>
+          <a:effectRef idx="0">
+            <a:schemeClr val="accent1"/>
+          </a:effectRef>
+          <a:fontRef idx="minor">
+            <a:schemeClr val="tx1"/>
+          </a:fontRef>
+        </p:style>
+      </p:cxnSp>
+      <p:cxnSp>
+        <p:nvCxnSpPr>
+          <p:cNvPr id="9" name="Gerade Verbindung mit Pfeil 8"/>
+          <p:cNvCxnSpPr/>
+          <p:nvPr/>
+        </p:nvCxnSpPr>
+        <p:spPr>
+          <a:xfrm flipV="1">
+            <a:off x="3348508" y="3874284"/>
+            <a:ext cx="0" cy="849892"/>
+          </a:xfrm>
+          <a:prstGeom prst="straightConnector1">
+            <a:avLst/>
+          </a:prstGeom>
+          <a:ln>
+            <a:tailEnd type="triangle"/>
+          </a:ln>
+        </p:spPr>
+        <p:style>
+          <a:lnRef idx="1">
+            <a:schemeClr val="accent1"/>
+          </a:lnRef>
+          <a:fillRef idx="0">
+            <a:schemeClr val="accent1"/>
+          </a:fillRef>
+          <a:effectRef idx="0">
+            <a:schemeClr val="accent1"/>
+          </a:effectRef>
+          <a:fontRef idx="minor">
+            <a:schemeClr val="tx1"/>
+          </a:fontRef>
+        </p:style>
+      </p:cxnSp>
+      <p:sp>
+        <p:nvSpPr>
+          <p:cNvPr id="10" name="Rechteck 9"/>
+          <p:cNvSpPr/>
+          <p:nvPr/>
+        </p:nvSpPr>
+        <p:spPr>
+          <a:xfrm>
+            <a:off x="1893196" y="1040932"/>
+            <a:ext cx="2009104" cy="965915"/>
+          </a:xfrm>
+          <a:prstGeom prst="rect">
+            <a:avLst/>
+          </a:prstGeom>
+        </p:spPr>
+        <p:style>
+          <a:lnRef idx="2">
+            <a:schemeClr val="accent1">
+              <a:shade val="50000"/>
+            </a:schemeClr>
+          </a:lnRef>
+          <a:fillRef idx="1">
+            <a:schemeClr val="accent1"/>
+          </a:fillRef>
+          <a:effectRef idx="0">
+            <a:schemeClr val="accent1"/>
+          </a:effectRef>
+          <a:fontRef idx="minor">
+            <a:schemeClr val="lt1"/>
+          </a:fontRef>
+        </p:style>
+        <p:txBody>
+          <a:bodyPr rtlCol="0" anchor="ctr"/>
+          <a:lstStyle/>
+          <a:p>
+            <a:pPr algn="ctr"/>
+            <a:r>
+              <a:rPr lang="de-DE" dirty="0" smtClean="0"/>
+              <a:t>User</a:t>
+            </a:r>
+            <a:endParaRPr lang="de-DE" dirty="0"/>
+          </a:p>
+        </p:txBody>
+      </p:sp>
+      <p:cxnSp>
+        <p:nvCxnSpPr>
+          <p:cNvPr id="11" name="Gerade Verbindung mit Pfeil 10"/>
+          <p:cNvCxnSpPr/>
+          <p:nvPr/>
+        </p:nvCxnSpPr>
+        <p:spPr>
+          <a:xfrm>
+            <a:off x="2305319" y="2019840"/>
+            <a:ext cx="0" cy="849892"/>
+          </a:xfrm>
+          <a:prstGeom prst="straightConnector1">
+            <a:avLst/>
+          </a:prstGeom>
+          <a:ln>
+            <a:tailEnd type="triangle"/>
+          </a:ln>
+        </p:spPr>
+        <p:style>
+          <a:lnRef idx="1">
+            <a:schemeClr val="accent1"/>
+          </a:lnRef>
+          <a:fillRef idx="0">
+            <a:schemeClr val="accent1"/>
+          </a:fillRef>
+          <a:effectRef idx="0">
+            <a:schemeClr val="accent1"/>
+          </a:effectRef>
+          <a:fontRef idx="minor">
+            <a:schemeClr val="tx1"/>
+          </a:fontRef>
+        </p:style>
+      </p:cxnSp>
+      <p:sp>
+        <p:nvSpPr>
+          <p:cNvPr id="12" name="Textfeld 11"/>
+          <p:cNvSpPr txBox="1"/>
+          <p:nvPr/>
+        </p:nvSpPr>
+        <p:spPr>
+          <a:xfrm>
+            <a:off x="962516" y="2262083"/>
+            <a:ext cx="1342803" cy="369332"/>
+          </a:xfrm>
+          <a:prstGeom prst="rect">
+            <a:avLst/>
+          </a:prstGeom>
+          <a:noFill/>
+        </p:spPr>
+        <p:txBody>
+          <a:bodyPr wrap="none" rtlCol="0">
+            <a:spAutoFit/>
+          </a:bodyPr>
+          <a:lstStyle/>
+          <a:p>
+            <a:r>
+              <a:rPr lang="de-DE" dirty="0" smtClean="0"/>
+              <a:t>Suchanfrage</a:t>
+            </a:r>
+            <a:endParaRPr lang="de-DE" dirty="0"/>
+          </a:p>
+        </p:txBody>
+      </p:sp>
+      <p:cxnSp>
+        <p:nvCxnSpPr>
+          <p:cNvPr id="13" name="Gerade Verbindung mit Pfeil 12"/>
+          <p:cNvCxnSpPr/>
+          <p:nvPr/>
+        </p:nvCxnSpPr>
+        <p:spPr>
+          <a:xfrm flipV="1">
+            <a:off x="3348508" y="2019840"/>
+            <a:ext cx="0" cy="849892"/>
+          </a:xfrm>
+          <a:prstGeom prst="straightConnector1">
+            <a:avLst/>
+          </a:prstGeom>
+          <a:ln>
+            <a:tailEnd type="triangle"/>
+          </a:ln>
+        </p:spPr>
+        <p:style>
+          <a:lnRef idx="1">
+            <a:schemeClr val="accent1"/>
+          </a:lnRef>
+          <a:fillRef idx="0">
+            <a:schemeClr val="accent1"/>
+          </a:fillRef>
+          <a:effectRef idx="0">
+            <a:schemeClr val="accent1"/>
+          </a:effectRef>
+          <a:fontRef idx="minor">
+            <a:schemeClr val="tx1"/>
+          </a:fontRef>
+        </p:style>
+      </p:cxnSp>
+      <p:sp>
+        <p:nvSpPr>
+          <p:cNvPr id="14" name="Textfeld 13"/>
+          <p:cNvSpPr txBox="1"/>
+          <p:nvPr/>
+        </p:nvSpPr>
+        <p:spPr>
+          <a:xfrm>
+            <a:off x="3528812" y="2262083"/>
+            <a:ext cx="896399" cy="369332"/>
+          </a:xfrm>
+          <a:prstGeom prst="rect">
+            <a:avLst/>
+          </a:prstGeom>
+          <a:noFill/>
+        </p:spPr>
+        <p:txBody>
+          <a:bodyPr wrap="none" rtlCol="0">
+            <a:spAutoFit/>
+          </a:bodyPr>
+          <a:lstStyle/>
+          <a:p>
+            <a:r>
+              <a:rPr lang="de-DE" dirty="0" smtClean="0"/>
+              <a:t>Antwort</a:t>
+            </a:r>
+            <a:endParaRPr lang="de-DE" dirty="0"/>
+          </a:p>
+        </p:txBody>
+      </p:sp>
+      <p:sp>
+        <p:nvSpPr>
+          <p:cNvPr id="15" name="Textfeld 14"/>
+          <p:cNvSpPr txBox="1"/>
+          <p:nvPr/>
+        </p:nvSpPr>
+        <p:spPr>
+          <a:xfrm>
+            <a:off x="2313655" y="4112601"/>
+            <a:ext cx="962123" cy="369332"/>
+          </a:xfrm>
+          <a:prstGeom prst="rect">
+            <a:avLst/>
+          </a:prstGeom>
+          <a:noFill/>
+        </p:spPr>
+        <p:txBody>
+          <a:bodyPr wrap="none" rtlCol="0">
+            <a:spAutoFit/>
+          </a:bodyPr>
+          <a:lstStyle/>
+          <a:p>
+            <a:r>
+              <a:rPr lang="de-DE" dirty="0"/>
+              <a:t>A</a:t>
+            </a:r>
+            <a:r>
+              <a:rPr lang="de-DE" dirty="0" smtClean="0"/>
+              <a:t>uslesen</a:t>
+            </a:r>
+            <a:endParaRPr lang="de-DE" dirty="0"/>
+          </a:p>
+        </p:txBody>
+      </p:sp>
+      <p:sp>
+        <p:nvSpPr>
+          <p:cNvPr id="16" name="Textfeld 15"/>
+          <p:cNvSpPr txBox="1"/>
+          <p:nvPr/>
+        </p:nvSpPr>
+        <p:spPr>
+          <a:xfrm>
+            <a:off x="6168980" y="1171977"/>
+            <a:ext cx="3983142" cy="2062103"/>
+          </a:xfrm>
+          <a:prstGeom prst="rect">
+            <a:avLst/>
+          </a:prstGeom>
+          <a:noFill/>
+        </p:spPr>
+        <p:txBody>
+          <a:bodyPr wrap="none" rtlCol="0">
+            <a:spAutoFit/>
+          </a:bodyPr>
+          <a:lstStyle/>
+          <a:p>
+            <a:r>
+              <a:rPr lang="de-DE" sz="3200" dirty="0" smtClean="0"/>
+              <a:t>Struktur der Kursarbeit:</a:t>
+            </a:r>
+          </a:p>
+          <a:p>
+            <a:r>
+              <a:rPr lang="de-DE" sz="3200" dirty="0" smtClean="0"/>
+              <a:t>-Vorträge </a:t>
+            </a:r>
+          </a:p>
+          <a:p>
+            <a:r>
+              <a:rPr lang="de-DE" sz="3200" dirty="0" smtClean="0"/>
+              <a:t>-Programmierbeispiele</a:t>
+            </a:r>
+          </a:p>
+          <a:p>
+            <a:r>
+              <a:rPr lang="de-DE" sz="3200" dirty="0" smtClean="0"/>
+              <a:t>-Freies Arbeiten</a:t>
+            </a:r>
+            <a:endParaRPr lang="de-DE" sz="3200" dirty="0"/>
+          </a:p>
+        </p:txBody>
+      </p:sp>
+    </p:spTree>
+    <p:extLst>
+      <p:ext uri="{BB962C8B-B14F-4D97-AF65-F5344CB8AC3E}">
+        <p14:creationId xmlns:p14="http://schemas.microsoft.com/office/powerpoint/2010/main" val="198978039"/>
+      </p:ext>
+    </p:extLst>
+  </p:cSld>
+  <p:clrMapOvr>
+    <a:masterClrMapping/>
+  </p:clrMapOvr>
+  <p:timing>
+    <p:tnLst>
+      <p:par>
+        <p:cTn id="1" dur="indefinite" restart="never" nodeType="tmRoot">
+          <p:childTnLst>
+            <p:seq concurrent="1" nextAc="seek">
+              <p:cTn id="2" dur="indefinite" nodeType="mainSeq">
+                <p:childTnLst>
+                  <p:par>
+                    <p:cTn id="3" fill="hold">
+                      <p:stCondLst>
+                        <p:cond delay="indefinite"/>
+                      </p:stCondLst>
+                      <p:childTnLst>
+                        <p:par>
+                          <p:cTn id="4" fill="hold">
+                            <p:stCondLst>
+                              <p:cond delay="0"/>
+                            </p:stCondLst>
+                            <p:childTnLst>
+                              <p:par>
+                                <p:cTn id="5" presetID="1" presetClass="entr" presetSubtype="0" fill="hold" grpId="0" nodeType="clickEffect">
+                                  <p:stCondLst>
+                                    <p:cond delay="0"/>
+                                  </p:stCondLst>
+                                  <p:childTnLst>
+                                    <p:set>
+                                      <p:cBhvr>
+                                        <p:cTn id="6" dur="1" fill="hold">
+                                          <p:stCondLst>
+                                            <p:cond delay="0"/>
+                                          </p:stCondLst>
+                                        </p:cTn>
+                                        <p:tgtEl>
+                                          <p:spTgt spid="16"/>
+                                        </p:tgtEl>
+                                        <p:attrNameLst>
+                                          <p:attrName>style.visibility</p:attrName>
+                                        </p:attrNameLst>
+                                      </p:cBhvr>
+                                      <p:to>
+                                        <p:strVal val="visible"/>
+                                      </p:to>
+                                    </p:set>
+                                  </p:childTnLst>
+                                </p:cTn>
+                              </p:par>
+                            </p:childTnLst>
+                          </p:cTn>
+                        </p:par>
+                      </p:childTnLst>
+                    </p:cTn>
+                  </p:par>
+                </p:childTnLst>
+              </p:cTn>
+              <p:prevCondLst>
+                <p:cond evt="onPrev" delay="0">
+                  <p:tgtEl>
+                    <p:sldTgt/>
+                  </p:tgtEl>
+                </p:cond>
+              </p:prevCondLst>
+              <p:nextCondLst>
+                <p:cond evt="onNext" delay="0">
+                  <p:tgtEl>
+                    <p:sldTgt/>
+                  </p:tgtEl>
+                </p:cond>
+              </p:nextCondLst>
+            </p:seq>
+          </p:childTnLst>
+        </p:cTn>
+      </p:par>
+    </p:tnLst>
+    <p:bldLst>
+      <p:bldP spid="16" grpId="0"/>
+    </p:bldLst>
+  </p:timing>
+</p:sld>
+</file>
+
+<file path=ppt/slides/slide3.xml><?xml version="1.0" encoding="utf-8"?>
+<p:sld xmlns:a="http://schemas.openxmlformats.org/drawingml/2006/main" xmlns:r="http://schemas.openxmlformats.org/officeDocument/2006/relationships" xmlns:p="http://schemas.openxmlformats.org/presentationml/2006/main">
+  <p:cSld>
+    <p:spTree>
+      <p:nvGrpSpPr>
+        <p:cNvPr id="1" name=""/>
+        <p:cNvGrpSpPr/>
+        <p:nvPr/>
+      </p:nvGrpSpPr>
+      <p:grpSpPr>
+        <a:xfrm>
+          <a:off x="0" y="0"/>
+          <a:ext cx="0" cy="0"/>
+          <a:chOff x="0" y="0"/>
+          <a:chExt cx="0" cy="0"/>
+        </a:xfrm>
+      </p:grpSpPr>
+      <p:sp>
+        <p:nvSpPr>
           <p:cNvPr id="2" name="Titel 1"/>
           <p:cNvSpPr>
             <a:spLocks noGrp="1"/>
@@ -13778,7 +16589,12 @@
             <p:ph type="title"/>
           </p:nvPr>
         </p:nvSpPr>
-        <p:spPr/>
+        <p:spPr>
+          <a:xfrm>
+            <a:off x="827523" y="388867"/>
+            <a:ext cx="9905998" cy="1478570"/>
+          </a:xfrm>
+        </p:spPr>
         <p:txBody>
           <a:bodyPr>
             <a:normAutofit/>
@@ -13864,7 +16680,7 @@
           <a:p>
             <a:fld id="{6D22F896-40B5-4ADD-8801-0D06FADFA095}" type="slidenum">
               <a:rPr lang="en-US" smtClean="0"/>
-              <a:t>2</a:t>
+              <a:t>3</a:t>
             </a:fld>
             <a:endParaRPr lang="en-US" dirty="0"/>
           </a:p>
@@ -13883,14 +16699,82 @@
   <p:timing>
     <p:tnLst>
       <p:par>
-        <p:cTn id="1" dur="indefinite" restart="never" nodeType="tmRoot"/>
+        <p:cTn id="1" dur="indefinite" restart="never" nodeType="tmRoot">
+          <p:childTnLst>
+            <p:seq concurrent="1" nextAc="seek">
+              <p:cTn id="2" dur="indefinite" nodeType="mainSeq">
+                <p:childTnLst>
+                  <p:par>
+                    <p:cTn id="3" fill="hold">
+                      <p:stCondLst>
+                        <p:cond delay="indefinite"/>
+                      </p:stCondLst>
+                      <p:childTnLst>
+                        <p:par>
+                          <p:cTn id="4" fill="hold">
+                            <p:stCondLst>
+                              <p:cond delay="0"/>
+                            </p:stCondLst>
+                            <p:childTnLst>
+                              <p:par>
+                                <p:cTn id="5" presetID="3" presetClass="emph" presetSubtype="2" fill="hold" nodeType="clickEffect">
+                                  <p:stCondLst>
+                                    <p:cond delay="0"/>
+                                  </p:stCondLst>
+                                  <p:childTnLst>
+                                    <p:animClr clrSpc="rgb" dir="cw">
+                                      <p:cBhvr override="childStyle">
+                                        <p:cTn id="6" dur="2000" fill="hold"/>
+                                        <p:tgtEl>
+                                          <p:spTgt spid="3">
+                                            <p:txEl>
+                                              <p:pRg st="0" end="0"/>
+                                            </p:txEl>
+                                          </p:spTgt>
+                                        </p:tgtEl>
+                                        <p:attrNameLst>
+                                          <p:attrName>style.color</p:attrName>
+                                        </p:attrNameLst>
+                                      </p:cBhvr>
+                                      <p:to>
+                                        <a:srgbClr val="FF0000"/>
+                                      </p:to>
+                                    </p:animClr>
+                                  </p:childTnLst>
+                                </p:cTn>
+                              </p:par>
+                            </p:childTnLst>
+                          </p:cTn>
+                        </p:par>
+                      </p:childTnLst>
+                    </p:cTn>
+                  </p:par>
+                </p:childTnLst>
+              </p:cTn>
+              <p:prevCondLst>
+                <p:cond evt="onPrev" delay="0">
+                  <p:tgtEl>
+                    <p:sldTgt/>
+                  </p:tgtEl>
+                </p:cond>
+              </p:prevCondLst>
+              <p:nextCondLst>
+                <p:cond evt="onNext" delay="0">
+                  <p:tgtEl>
+                    <p:sldTgt/>
+                  </p:tgtEl>
+                </p:cond>
+              </p:nextCondLst>
+            </p:seq>
+          </p:childTnLst>
+        </p:cTn>
       </p:par>
     </p:tnLst>
   </p:timing>
 </p:sld>
 </file>
 
-<file path=ppt/slides/slide3.xml><?xml version="1.0" encoding="utf-8"?>
+<file path=ppt/slides/slide4.xml><?xml version="1.0" encoding="utf-8"?>
 <p:sld xmlns:a="http://schemas.openxmlformats.org/drawingml/2006/main" xmlns:r="http://schemas.openxmlformats.org/officeDocument/2006/relationships" xmlns:p="http://schemas.openxmlformats.org/presentationml/2006/main">
   <p:cSld>
     <p:spTree>
@@ -14006,7 +16890,13 @@
               <a:rPr lang="en-NZ" sz="2800" dirty="0" smtClean="0">
                 <a:sym typeface="Wingdings" panose="05000000000000000000" pitchFamily="2" charset="2"/>
               </a:rPr>
-              <a:t> “</a:t>
+              <a:t> </a:t>
+            </a:r>
+            <a:r>
+              <a:rPr lang="en-NZ" sz="2800" dirty="0" smtClean="0">
+                <a:sym typeface="Wingdings" panose="05000000000000000000" pitchFamily="2" charset="2"/>
+              </a:rPr>
+              <a:t>“</a:t>
             </a:r>
             <a:r>
               <a:rPr lang="en-NZ" sz="2800" dirty="0" err="1" smtClean="0">
@@ -14077,12 +16967,48 @@
           <a:p>
             <a:fld id="{6D22F896-40B5-4ADD-8801-0D06FADFA095}" type="slidenum">
               <a:rPr lang="en-US" smtClean="0"/>
-              <a:t>3</a:t>
+              <a:t>4</a:t>
             </a:fld>
             <a:endParaRPr lang="en-US" dirty="0"/>
           </a:p>
         </p:txBody>
       </p:sp>
+      <p:cxnSp>
+        <p:nvCxnSpPr>
+          <p:cNvPr id="6" name="Gerade Verbindung mit Pfeil 5"/>
+          <p:cNvCxnSpPr/>
+          <p:nvPr/>
+        </p:nvCxnSpPr>
+        <p:spPr>
+          <a:xfrm flipH="1">
+            <a:off x="4916774" y="2846231"/>
+            <a:ext cx="2957" cy="616497"/>
+          </a:xfrm>
+          <a:prstGeom prst="straightConnector1">
+            <a:avLst/>
+          </a:prstGeom>
+          <a:ln w="60325">
+            <a:solidFill>
+              <a:srgbClr val="FFFF00"/>
+            </a:solidFill>
+            <a:tailEnd type="triangle"/>
+          </a:ln>
+        </p:spPr>
+        <p:style>
+          <a:lnRef idx="1">
+            <a:schemeClr val="accent1"/>
+          </a:lnRef>
+          <a:fillRef idx="0">
+            <a:schemeClr val="accent1"/>
+          </a:fillRef>
+          <a:effectRef idx="0">
+            <a:schemeClr val="accent1"/>
+          </a:effectRef>
+          <a:fontRef idx="minor">
+            <a:schemeClr val="tx1"/>
+          </a:fontRef>
+        </p:style>
+      </p:cxnSp>
     </p:spTree>
     <p:extLst>
       <p:ext uri="{BB962C8B-B14F-4D97-AF65-F5344CB8AC3E}">
@@ -14096,14 +17022,131 @@
   <p:timing>
     <p:tnLst>
       <p:par>
-        <p:cTn id="1" dur="indefinite" restart="never" nodeType="tmRoot"/>
+        <p:cTn id="1" dur="indefinite" restart="never" nodeType="tmRoot">
+          <p:childTnLst>
+            <p:seq concurrent="1" nextAc="seek">
+              <p:cTn id="2" dur="indefinite" nodeType="mainSeq">
+                <p:childTnLst>
+                  <p:par>
+                    <p:cTn id="3" fill="hold">
+                      <p:stCondLst>
+                        <p:cond delay="indefinite"/>
+                      </p:stCondLst>
+                      <p:childTnLst>
+                        <p:par>
+                          <p:cTn id="4" fill="hold">
+                            <p:stCondLst>
+                              <p:cond delay="0"/>
+                            </p:stCondLst>
+                            <p:childTnLst>
+                              <p:par>
+                                <p:cTn id="5" presetID="1" presetClass="entr" presetSubtype="0" fill="hold" nodeType="clickEffect">
+                                  <p:stCondLst>
+                                    <p:cond delay="0"/>
+                                  </p:stCondLst>
+                                  <p:childTnLst>
+                                    <p:set>
+                                      <p:cBhvr>
+                                        <p:cTn id="6" dur="1" fill="hold">
+                                          <p:stCondLst>
+                                            <p:cond delay="0"/>
+                                          </p:stCondLst>
+                                        </p:cTn>
+                                        <p:tgtEl>
+                                          <p:spTgt spid="6"/>
+                                        </p:tgtEl>
+                                        <p:attrNameLst>
+                                          <p:attrName>style.visibility</p:attrName>
+                                        </p:attrNameLst>
+                                      </p:cBhvr>
+                                      <p:to>
+                                        <p:strVal val="visible"/>
+                                      </p:to>
+                                    </p:set>
+                                  </p:childTnLst>
+                                </p:cTn>
+                              </p:par>
+                            </p:childTnLst>
+                          </p:cTn>
+                        </p:par>
+                      </p:childTnLst>
+                    </p:cTn>
+                  </p:par>
+                  <p:par>
+                    <p:cTn id="7" fill="hold">
+                      <p:stCondLst>
+                        <p:cond delay="indefinite"/>
+                      </p:stCondLst>
+                      <p:childTnLst>
+                        <p:par>
+                          <p:cTn id="8" fill="hold">
+                            <p:stCondLst>
+                              <p:cond delay="0"/>
+                            </p:stCondLst>
+                            <p:childTnLst>
+                              <p:par>
+                                <p:cTn id="9" presetID="1" presetClass="entr" presetSubtype="0" fill="hold" nodeType="clickEffect">
+                                  <p:stCondLst>
+                                    <p:cond delay="0"/>
+                                  </p:stCondLst>
+                                  <p:childTnLst>
+                                    <p:set>
+                                      <p:cBhvr>
+                                        <p:cTn id="10" dur="1" fill="hold">
+                                          <p:stCondLst>
+                                            <p:cond delay="0"/>
+                                          </p:stCondLst>
+                                        </p:cTn>
+                                        <p:tgtEl>
+                                          <p:spTgt spid="3">
+                                            <p:txEl>
+                                              <p:pRg st="2" end="2"/>
+                                            </p:txEl>
+                                          </p:spTgt>
+                                        </p:tgtEl>
+                                        <p:attrNameLst>
+                                          <p:attrName>style.visibility</p:attrName>
+                                        </p:attrNameLst>
+                                      </p:cBhvr>
+                                      <p:to>
+                                        <p:strVal val="visible"/>
+                                      </p:to>
+                                    </p:set>
+                                  </p:childTnLst>
+                                </p:cTn>
+                              </p:par>
+                            </p:childTnLst>
+                          </p:cTn>
+                        </p:par>
+                      </p:childTnLst>
+                    </p:cTn>
+                  </p:par>
+                </p:childTnLst>
+              </p:cTn>
+              <p:prevCondLst>
+                <p:cond evt="onPrev" delay="0">
+                  <p:tgtEl>
+                    <p:sldTgt/>
+                  </p:tgtEl>
+                </p:cond>
+              </p:prevCondLst>
+              <p:nextCondLst>
+                <p:cond evt="onNext" delay="0">
+                  <p:tgtEl>
+                    <p:sldTgt/>
+                  </p:tgtEl>
+                </p:cond>
+              </p:nextCondLst>
+            </p:seq>
+          </p:childTnLst>
+        </p:cTn>
       </p:par>
     </p:tnLst>
   </p:timing>
 </p:sld>
 </file>
 
-<file path=ppt/slides/slide4.xml><?xml version="1.0" encoding="utf-8"?>
+<file path=ppt/slides/slide5.xml><?xml version="1.0" encoding="utf-8"?>
 <p:sld xmlns:a="http://schemas.openxmlformats.org/drawingml/2006/main" xmlns:r="http://schemas.openxmlformats.org/officeDocument/2006/relationships" xmlns:p="http://schemas.openxmlformats.org/presentationml/2006/main">
   <p:cSld>
     <p:spTree>
@@ -14209,7 +17252,7 @@
           <a:p>
             <a:fld id="{6D22F896-40B5-4ADD-8801-0D06FADFA095}" type="slidenum">
               <a:rPr lang="en-US" smtClean="0"/>
-              <a:t>4</a:t>
+              <a:t>5</a:t>
             </a:fld>
             <a:endParaRPr lang="en-US" dirty="0"/>
           </a:p>
@@ -14219,248 +17262,6 @@
     <p:extLst>
       <p:ext uri="{BB962C8B-B14F-4D97-AF65-F5344CB8AC3E}">
         <p14:creationId xmlns:p14="http://schemas.microsoft.com/office/powerpoint/2010/main" val="1388337683"/>
-      </p:ext>
-    </p:extLst>
-  </p:cSld>
-  <p:clrMapOvr>
-    <a:masterClrMapping/>
-  </p:clrMapOvr>
-  <p:timing>
-    <p:tnLst>
-      <p:par>
-        <p:cTn id="1" dur="indefinite" restart="never" nodeType="tmRoot"/>
-      </p:par>
-    </p:tnLst>
-  </p:timing>
-</p:sld>
-</file>
-
-<file path=ppt/slides/slide5.xml><?xml version="1.0" encoding="utf-8"?>
-<p:sld xmlns:a="http://schemas.openxmlformats.org/drawingml/2006/main" xmlns:r="http://schemas.openxmlformats.org/officeDocument/2006/relationships" xmlns:p="http://schemas.openxmlformats.org/presentationml/2006/main">
-  <p:cSld>
-    <p:spTree>
-      <p:nvGrpSpPr>
-        <p:cNvPr id="1" name=""/>
-        <p:cNvGrpSpPr/>
-        <p:nvPr/>
-      </p:nvGrpSpPr>
-      <p:grpSpPr>
-        <a:xfrm>
-          <a:off x="0" y="0"/>
-          <a:ext cx="0" cy="0"/>
-          <a:chOff x="0" y="0"/>
-          <a:chExt cx="0" cy="0"/>
-        </a:xfrm>
-      </p:grpSpPr>
-      <p:sp>
-        <p:nvSpPr>
-          <p:cNvPr id="2" name="Titel 1"/>
-          <p:cNvSpPr>
-            <a:spLocks noGrp="1"/>
-          </p:cNvSpPr>
-          <p:nvPr>
-            <p:ph type="title"/>
-          </p:nvPr>
-        </p:nvSpPr>
-        <p:spPr/>
-        <p:txBody>
-          <a:bodyPr>
-            <a:normAutofit/>
-          </a:bodyPr>
-          <a:lstStyle/>
-          <a:p>
-            <a:r>
-              <a:rPr lang="en-NZ" sz="4400" dirty="0" err="1" smtClean="0"/>
-              <a:t>Preprocessing</a:t>
-            </a:r>
-            <a:r>
-              <a:rPr lang="en-NZ" sz="4400" dirty="0" smtClean="0"/>
-              <a:t> - stemming</a:t>
-            </a:r>
-            <a:endParaRPr lang="de-DE" sz="4400" dirty="0"/>
-          </a:p>
-        </p:txBody>
-      </p:sp>
-      <p:sp>
-        <p:nvSpPr>
-          <p:cNvPr id="3" name="Inhaltsplatzhalter 2"/>
-          <p:cNvSpPr>
-            <a:spLocks noGrp="1"/>
-          </p:cNvSpPr>
-          <p:nvPr>
-            <p:ph idx="1"/>
-          </p:nvPr>
-        </p:nvSpPr>
-        <p:spPr/>
-        <p:txBody>
-          <a:bodyPr/>
-          <a:lstStyle/>
-          <a:p>
-            <a:pPr marL="0" indent="0">
-              <a:buNone/>
-            </a:pPr>
-            <a:r>
-              <a:rPr lang="en-NZ" sz="3200" dirty="0">
-                <a:sym typeface="Wingdings" panose="05000000000000000000" pitchFamily="2" charset="2"/>
-              </a:rPr>
-              <a:t>“</a:t>
-            </a:r>
-            <a:r>
-              <a:rPr lang="en-NZ" sz="3200" dirty="0" err="1">
-                <a:sym typeface="Wingdings" panose="05000000000000000000" pitchFamily="2" charset="2"/>
-              </a:rPr>
-              <a:t>Im</a:t>
-            </a:r>
-            <a:r>
-              <a:rPr lang="en-NZ" sz="3200" dirty="0">
-                <a:sym typeface="Wingdings" panose="05000000000000000000" pitchFamily="2" charset="2"/>
-              </a:rPr>
-              <a:t>” “</a:t>
-            </a:r>
-            <a:r>
-              <a:rPr lang="en-NZ" sz="3200" dirty="0" err="1">
-                <a:sym typeface="Wingdings" panose="05000000000000000000" pitchFamily="2" charset="2"/>
-              </a:rPr>
-              <a:t>Kurs</a:t>
-            </a:r>
-            <a:r>
-              <a:rPr lang="en-NZ" sz="3200" dirty="0">
-                <a:sym typeface="Wingdings" panose="05000000000000000000" pitchFamily="2" charset="2"/>
-              </a:rPr>
-              <a:t>” “Information” “Retrieval” “</a:t>
-            </a:r>
-            <a:r>
-              <a:rPr lang="en-NZ" sz="3200" dirty="0" err="1">
-                <a:sym typeface="Wingdings" panose="05000000000000000000" pitchFamily="2" charset="2"/>
-              </a:rPr>
-              <a:t>lernt</a:t>
-            </a:r>
-            <a:r>
-              <a:rPr lang="en-NZ" sz="3200" dirty="0">
-                <a:sym typeface="Wingdings" panose="05000000000000000000" pitchFamily="2" charset="2"/>
-              </a:rPr>
-              <a:t>” “man” “</a:t>
-            </a:r>
-            <a:r>
-              <a:rPr lang="en-NZ" sz="3200" dirty="0" err="1">
-                <a:sym typeface="Wingdings" panose="05000000000000000000" pitchFamily="2" charset="2"/>
-              </a:rPr>
-              <a:t>Vieles</a:t>
-            </a:r>
-            <a:r>
-              <a:rPr lang="en-NZ" sz="3200" dirty="0" smtClean="0">
-                <a:sym typeface="Wingdings" panose="05000000000000000000" pitchFamily="2" charset="2"/>
-              </a:rPr>
-              <a:t>”</a:t>
-            </a:r>
-          </a:p>
-          <a:p>
-            <a:pPr marL="0" indent="0">
-              <a:buNone/>
-            </a:pPr>
-            <a:endParaRPr lang="de-DE" sz="3200" dirty="0"/>
-          </a:p>
-          <a:p>
-            <a:pPr marL="0" indent="0">
-              <a:buNone/>
-            </a:pPr>
-            <a:r>
-              <a:rPr lang="en-NZ" sz="3200" dirty="0" smtClean="0">
-                <a:sym typeface="Wingdings" panose="05000000000000000000" pitchFamily="2" charset="2"/>
-              </a:rPr>
-              <a:t> “</a:t>
-            </a:r>
-            <a:r>
-              <a:rPr lang="en-NZ" sz="3200" dirty="0" err="1" smtClean="0">
-                <a:sym typeface="Wingdings" panose="05000000000000000000" pitchFamily="2" charset="2"/>
-              </a:rPr>
-              <a:t>im</a:t>
-            </a:r>
-            <a:r>
-              <a:rPr lang="en-NZ" sz="3200" dirty="0" smtClean="0">
-                <a:sym typeface="Wingdings" panose="05000000000000000000" pitchFamily="2" charset="2"/>
-              </a:rPr>
-              <a:t>” “</a:t>
-            </a:r>
-            <a:r>
-              <a:rPr lang="en-NZ" sz="3200" dirty="0" err="1" smtClean="0">
-                <a:sym typeface="Wingdings" panose="05000000000000000000" pitchFamily="2" charset="2"/>
-              </a:rPr>
-              <a:t>kurs</a:t>
-            </a:r>
-            <a:r>
-              <a:rPr lang="en-NZ" sz="3200" dirty="0" smtClean="0">
-                <a:sym typeface="Wingdings" panose="05000000000000000000" pitchFamily="2" charset="2"/>
-              </a:rPr>
-              <a:t>” “inform” “</a:t>
-            </a:r>
-            <a:r>
-              <a:rPr lang="en-NZ" sz="3200" dirty="0" err="1" smtClean="0">
-                <a:sym typeface="Wingdings" panose="05000000000000000000" pitchFamily="2" charset="2"/>
-              </a:rPr>
-              <a:t>retriev</a:t>
-            </a:r>
-            <a:r>
-              <a:rPr lang="en-NZ" sz="3200" dirty="0" smtClean="0">
-                <a:sym typeface="Wingdings" panose="05000000000000000000" pitchFamily="2" charset="2"/>
-              </a:rPr>
-              <a:t>” “</a:t>
-            </a:r>
-            <a:r>
-              <a:rPr lang="en-NZ" sz="3200" dirty="0" err="1" smtClean="0">
-                <a:sym typeface="Wingdings" panose="05000000000000000000" pitchFamily="2" charset="2"/>
-              </a:rPr>
-              <a:t>lern</a:t>
-            </a:r>
-            <a:r>
-              <a:rPr lang="en-NZ" sz="3200" dirty="0" smtClean="0">
-                <a:sym typeface="Wingdings" panose="05000000000000000000" pitchFamily="2" charset="2"/>
-              </a:rPr>
-              <a:t>” “man” “</a:t>
-            </a:r>
-            <a:r>
-              <a:rPr lang="en-NZ" sz="3200" dirty="0" err="1" smtClean="0">
-                <a:sym typeface="Wingdings" panose="05000000000000000000" pitchFamily="2" charset="2"/>
-              </a:rPr>
-              <a:t>viel</a:t>
-            </a:r>
-            <a:r>
-              <a:rPr lang="en-NZ" sz="3200" dirty="0" smtClean="0">
-                <a:sym typeface="Wingdings" panose="05000000000000000000" pitchFamily="2" charset="2"/>
-              </a:rPr>
-              <a:t>”</a:t>
-            </a:r>
-            <a:endParaRPr lang="de-DE" sz="3200" dirty="0"/>
-          </a:p>
-        </p:txBody>
-      </p:sp>
-      <p:sp>
-        <p:nvSpPr>
-          <p:cNvPr id="4" name="Foliennummernplatzhalter 3"/>
-          <p:cNvSpPr>
-            <a:spLocks noGrp="1"/>
-          </p:cNvSpPr>
-          <p:nvPr>
-            <p:ph type="sldNum" sz="quarter" idx="12"/>
-          </p:nvPr>
-        </p:nvSpPr>
-        <p:spPr/>
-        <p:txBody>
-          <a:bodyPr/>
-          <a:lstStyle/>
-          <a:p>
-            <a:fld id="{6D22F896-40B5-4ADD-8801-0D06FADFA095}" type="slidenum">
-              <a:rPr lang="en-US" smtClean="0"/>
-              <a:t>5</a:t>
-            </a:fld>
-            <a:endParaRPr lang="en-US" dirty="0"/>
-          </a:p>
-        </p:txBody>
-      </p:sp>
-    </p:spTree>
-    <p:extLst>
-      <p:ext uri="{BB962C8B-B14F-4D97-AF65-F5344CB8AC3E}">
-        <p14:creationId xmlns:p14="http://schemas.microsoft.com/office/powerpoint/2010/main" val="926932731"/>
       </p:ext>
     </p:extLst>
   </p:cSld>
@@ -14517,15 +17318,7 @@
             </a:r>
             <a:r>
               <a:rPr lang="en-NZ" sz="4400" dirty="0" smtClean="0"/>
-              <a:t> - </a:t>
-            </a:r>
-            <a:r>
-              <a:rPr lang="en-NZ" sz="4400" dirty="0" err="1" smtClean="0"/>
-              <a:t>Stopword</a:t>
-            </a:r>
-            <a:r>
-              <a:rPr lang="en-NZ" sz="4400" dirty="0" smtClean="0"/>
-              <a:t> removal</a:t>
+              <a:t> - stemming</a:t>
             </a:r>
             <a:endParaRPr lang="de-DE" sz="4400" dirty="0"/>
           </a:p>
@@ -14543,69 +17336,83 @@
         </p:nvSpPr>
         <p:spPr/>
         <p:txBody>
-          <a:bodyPr>
-            <a:normAutofit/>
-          </a:bodyPr>
+          <a:bodyPr/>
           <a:lstStyle/>
           <a:p>
-            <a:r>
-              <a:rPr lang="en-NZ" sz="3200" dirty="0" err="1" smtClean="0"/>
-              <a:t>Beispiele</a:t>
-            </a:r>
-            <a:r>
-              <a:rPr lang="en-NZ" sz="3200" dirty="0" smtClean="0"/>
-              <a:t>: </a:t>
-            </a:r>
-            <a:r>
-              <a:rPr lang="en-NZ" sz="3200" dirty="0" err="1" smtClean="0"/>
-              <a:t>ist</a:t>
-            </a:r>
-            <a:r>
-              <a:rPr lang="en-NZ" sz="3200" dirty="0" smtClean="0"/>
-              <a:t>, und, </a:t>
-            </a:r>
-            <a:r>
-              <a:rPr lang="en-NZ" sz="3200" dirty="0" err="1" smtClean="0"/>
-              <a:t>auch</a:t>
-            </a:r>
-            <a:r>
-              <a:rPr lang="en-NZ" sz="3200" dirty="0" smtClean="0"/>
-              <a:t>, </a:t>
-            </a:r>
-            <a:r>
-              <a:rPr lang="en-NZ" sz="3200" dirty="0" err="1" smtClean="0"/>
-              <a:t>aber</a:t>
-            </a:r>
-            <a:r>
-              <a:rPr lang="en-NZ" sz="3200" dirty="0" smtClean="0"/>
-              <a:t>, </a:t>
-            </a:r>
-            <a:r>
-              <a:rPr lang="en-NZ" sz="3200" dirty="0" err="1" smtClean="0"/>
-              <a:t>als</a:t>
-            </a:r>
-            <a:r>
-              <a:rPr lang="en-NZ" sz="3200" dirty="0" smtClean="0"/>
-              <a:t>, </a:t>
-            </a:r>
-            <a:r>
-              <a:rPr lang="en-NZ" sz="3200" dirty="0" err="1" smtClean="0"/>
-              <a:t>diese</a:t>
-            </a:r>
-            <a:r>
-              <a:rPr lang="en-NZ" sz="3200" dirty="0" smtClean="0"/>
-              <a:t>, hat, </a:t>
-            </a:r>
-            <a:r>
-              <a:rPr lang="en-NZ" sz="3200" dirty="0" err="1" smtClean="0"/>
-              <a:t>im</a:t>
-            </a:r>
-            <a:r>
-              <a:rPr lang="en-NZ" sz="3200" dirty="0" smtClean="0"/>
-              <a:t> , in, man</a:t>
-            </a:r>
-          </a:p>
-          <a:p>
+            <a:pPr marL="0" indent="0">
+              <a:buNone/>
+            </a:pPr>
+            <a:r>
+              <a:rPr lang="en-NZ" sz="3200" dirty="0">
+                <a:sym typeface="Wingdings" panose="05000000000000000000" pitchFamily="2" charset="2"/>
+              </a:rPr>
+              <a:t>“</a:t>
+            </a:r>
+            <a:r>
+              <a:rPr lang="en-NZ" sz="3200" dirty="0" err="1">
+                <a:sym typeface="Wingdings" panose="05000000000000000000" pitchFamily="2" charset="2"/>
+              </a:rPr>
+              <a:t>Im</a:t>
+            </a:r>
+            <a:r>
+              <a:rPr lang="en-NZ" sz="3200" dirty="0">
+                <a:sym typeface="Wingdings" panose="05000000000000000000" pitchFamily="2" charset="2"/>
+              </a:rPr>
+              <a:t>” “</a:t>
+            </a:r>
+            <a:r>
+              <a:rPr lang="en-NZ" sz="3200" dirty="0" err="1">
+                <a:sym typeface="Wingdings" panose="05000000000000000000" pitchFamily="2" charset="2"/>
+              </a:rPr>
+              <a:t>Kurs</a:t>
+            </a:r>
+            <a:r>
+              <a:rPr lang="en-NZ" sz="3200" dirty="0">
+                <a:sym typeface="Wingdings" panose="05000000000000000000" pitchFamily="2" charset="2"/>
+              </a:rPr>
+              <a:t>” “Information” “Retrieval” “</a:t>
+            </a:r>
+            <a:r>
+              <a:rPr lang="en-NZ" sz="3200" dirty="0" err="1">
+                <a:sym typeface="Wingdings" panose="05000000000000000000" pitchFamily="2" charset="2"/>
+              </a:rPr>
+              <a:t>lernt</a:t>
+            </a:r>
+            <a:r>
+              <a:rPr lang="en-NZ" sz="3200" dirty="0">
+                <a:sym typeface="Wingdings" panose="05000000000000000000" pitchFamily="2" charset="2"/>
+              </a:rPr>
+              <a:t>” “man” “</a:t>
+            </a:r>
+            <a:r>
+              <a:rPr lang="en-NZ" sz="3200" dirty="0" err="1">
+                <a:sym typeface="Wingdings" panose="05000000000000000000" pitchFamily="2" charset="2"/>
+              </a:rPr>
+              <a:t>Vieles</a:t>
+            </a:r>
+            <a:r>
+              <a:rPr lang="en-NZ" sz="3200" dirty="0" smtClean="0">
+                <a:sym typeface="Wingdings" panose="05000000000000000000" pitchFamily="2" charset="2"/>
+              </a:rPr>
+              <a:t>”</a:t>
+            </a:r>
+          </a:p>
+          <a:p>
+            <a:pPr marL="0" indent="0">
+              <a:buNone/>
+            </a:pPr>
+            <a:endParaRPr lang="de-DE" sz="3200" dirty="0"/>
+          </a:p>
+          <a:p>
+            <a:pPr marL="0" indent="0">
+              <a:buNone/>
+            </a:pPr>
+            <a:r>
+              <a:rPr lang="en-NZ" sz="3200" dirty="0" smtClean="0">
+                <a:sym typeface="Wingdings" panose="05000000000000000000" pitchFamily="2" charset="2"/>
+              </a:rPr>
+              <a:t> </a:t>
+            </a:r>
             <a:r>
               <a:rPr lang="en-NZ" sz="3200" dirty="0" smtClean="0">
                 <a:sym typeface="Wingdings" panose="05000000000000000000" pitchFamily="2" charset="2"/>
@@ -14619,16 +17426,10 @@
               <a:t>im</a:t>
             </a:r>
             <a:r>
-              <a:rPr lang="en-NZ" sz="3200" dirty="0">
-                <a:sym typeface="Wingdings" panose="05000000000000000000" pitchFamily="2" charset="2"/>
-              </a:rPr>
-              <a:t>” </a:t>
-            </a:r>
-            <a:r>
               <a:rPr lang="en-NZ" sz="3200" dirty="0" smtClean="0">
                 <a:sym typeface="Wingdings" panose="05000000000000000000" pitchFamily="2" charset="2"/>
               </a:rPr>
-              <a:t>“</a:t>
+              <a:t>” “</a:t>
             </a:r>
             <a:r>
               <a:rPr lang="en-NZ" sz="3200" dirty="0" err="1" smtClean="0">
@@ -14637,16 +17438,10 @@
               <a:t>kurs</a:t>
             </a:r>
             <a:r>
-              <a:rPr lang="en-NZ" sz="3200" dirty="0">
-                <a:sym typeface="Wingdings" panose="05000000000000000000" pitchFamily="2" charset="2"/>
-              </a:rPr>
-              <a:t>” </a:t>
-            </a:r>
-            <a:r>
               <a:rPr lang="en-NZ" sz="3200" dirty="0" smtClean="0">
                 <a:sym typeface="Wingdings" panose="05000000000000000000" pitchFamily="2" charset="2"/>
               </a:rPr>
-              <a:t>“inform” “</a:t>
+              <a:t>” “inform” “</a:t>
             </a:r>
             <a:r>
               <a:rPr lang="en-NZ" sz="3200" dirty="0" err="1" smtClean="0">
@@ -14658,13 +17453,7 @@
               <a:rPr lang="en-NZ" sz="3200" dirty="0" smtClean="0">
                 <a:sym typeface="Wingdings" panose="05000000000000000000" pitchFamily="2" charset="2"/>
               </a:rPr>
-              <a:t>” </a:t>
-            </a:r>
-            <a:r>
-              <a:rPr lang="en-NZ" sz="3200" dirty="0">
-                <a:sym typeface="Wingdings" panose="05000000000000000000" pitchFamily="2" charset="2"/>
-              </a:rPr>
-              <a:t>“</a:t>
+              <a:t>” “</a:t>
             </a:r>
             <a:r>
               <a:rPr lang="en-NZ" sz="3200" dirty="0" err="1" smtClean="0">
@@ -14676,103 +17465,13 @@
               <a:rPr lang="en-NZ" sz="3200" dirty="0" smtClean="0">
                 <a:sym typeface="Wingdings" panose="05000000000000000000" pitchFamily="2" charset="2"/>
               </a:rPr>
-              <a:t>” </a:t>
-            </a:r>
-            <a:r>
-              <a:rPr lang="en-NZ" sz="3200" dirty="0">
-                <a:sym typeface="Wingdings" panose="05000000000000000000" pitchFamily="2" charset="2"/>
-              </a:rPr>
-              <a:t>“man” </a:t>
-            </a:r>
-            <a:r>
-              <a:rPr lang="en-NZ" sz="3200" dirty="0" smtClean="0">
-                <a:sym typeface="Wingdings" panose="05000000000000000000" pitchFamily="2" charset="2"/>
-              </a:rPr>
-              <a:t>“</a:t>
-            </a:r>
-            <a:r>
-              <a:rPr lang="en-NZ" sz="3200" dirty="0" err="1">
-                <a:sym typeface="Wingdings" panose="05000000000000000000" pitchFamily="2" charset="2"/>
-              </a:rPr>
-              <a:t>v</a:t>
+              <a:t>” “man” “</a:t>
             </a:r>
             <a:r>
               <a:rPr lang="en-NZ" sz="3200" dirty="0" err="1" smtClean="0">
                 <a:sym typeface="Wingdings" panose="05000000000000000000" pitchFamily="2" charset="2"/>
               </a:rPr>
-              <a:t>iel</a:t>
-            </a:r>
-            <a:r>
-              <a:rPr lang="en-NZ" sz="3200" dirty="0" smtClean="0">
-                <a:sym typeface="Wingdings" panose="05000000000000000000" pitchFamily="2" charset="2"/>
-              </a:rPr>
-              <a:t>”</a:t>
-            </a:r>
-            <a:endParaRPr lang="de-DE" sz="3200" dirty="0"/>
-          </a:p>
-          <a:p>
-            <a:pPr marL="0" indent="0">
-              <a:buNone/>
-            </a:pPr>
-            <a:r>
-              <a:rPr lang="en-NZ" sz="3200" dirty="0" smtClean="0">
-                <a:sym typeface="Wingdings" panose="05000000000000000000" pitchFamily="2" charset="2"/>
-              </a:rPr>
-              <a:t> “</a:t>
-            </a:r>
-            <a:r>
-              <a:rPr lang="en-NZ" sz="3200" dirty="0" err="1">
-                <a:sym typeface="Wingdings" panose="05000000000000000000" pitchFamily="2" charset="2"/>
-              </a:rPr>
-              <a:t>k</a:t>
-            </a:r>
-            <a:r>
-              <a:rPr lang="en-NZ" sz="3200" dirty="0" err="1" smtClean="0">
-                <a:sym typeface="Wingdings" panose="05000000000000000000" pitchFamily="2" charset="2"/>
-              </a:rPr>
-              <a:t>urs</a:t>
-            </a:r>
-            <a:r>
-              <a:rPr lang="en-NZ" sz="3200" dirty="0" smtClean="0">
-                <a:sym typeface="Wingdings" panose="05000000000000000000" pitchFamily="2" charset="2"/>
-              </a:rPr>
-              <a:t>” “inform” “</a:t>
-            </a:r>
-            <a:r>
-              <a:rPr lang="en-NZ" sz="3200" dirty="0" err="1" smtClean="0">
-                <a:sym typeface="Wingdings" panose="05000000000000000000" pitchFamily="2" charset="2"/>
-              </a:rPr>
-              <a:t>retriev</a:t>
-            </a:r>
-            <a:r>
-              <a:rPr lang="en-NZ" sz="3200" dirty="0" smtClean="0">
-                <a:sym typeface="Wingdings" panose="05000000000000000000" pitchFamily="2" charset="2"/>
-              </a:rPr>
-              <a:t>” “</a:t>
-            </a:r>
-            <a:r>
-              <a:rPr lang="en-NZ" sz="3200" dirty="0" err="1" smtClean="0">
-                <a:sym typeface="Wingdings" panose="05000000000000000000" pitchFamily="2" charset="2"/>
-              </a:rPr>
-              <a:t>lern</a:t>
-            </a:r>
-            <a:r>
-              <a:rPr lang="en-NZ" sz="3200" dirty="0" smtClean="0">
-                <a:sym typeface="Wingdings" panose="05000000000000000000" pitchFamily="2" charset="2"/>
-              </a:rPr>
-              <a:t>” “</a:t>
-            </a:r>
-            <a:r>
-              <a:rPr lang="en-NZ" sz="3200" dirty="0" err="1">
-                <a:sym typeface="Wingdings" panose="05000000000000000000" pitchFamily="2" charset="2"/>
-              </a:rPr>
-              <a:t>v</a:t>
-            </a:r>
-            <a:r>
-              <a:rPr lang="en-NZ" sz="3200" dirty="0" err="1" smtClean="0">
-                <a:sym typeface="Wingdings" panose="05000000000000000000" pitchFamily="2" charset="2"/>
-              </a:rPr>
-              <a:t>iel</a:t>
+              <a:t>viel</a:t>
             </a:r>
             <a:r>
               <a:rPr lang="en-NZ" sz="3200" dirty="0" smtClean="0">
@@ -14807,10 +17506,46 @@
           </a:p>
         </p:txBody>
       </p:sp>
+      <p:cxnSp>
+        <p:nvCxnSpPr>
+          <p:cNvPr id="5" name="Gerade Verbindung mit Pfeil 4"/>
+          <p:cNvCxnSpPr/>
+          <p:nvPr/>
+        </p:nvCxnSpPr>
+        <p:spPr>
+          <a:xfrm flipH="1">
+            <a:off x="4916774" y="2846231"/>
+            <a:ext cx="2957" cy="616497"/>
+          </a:xfrm>
+          <a:prstGeom prst="straightConnector1">
+            <a:avLst/>
+          </a:prstGeom>
+          <a:ln w="60325">
+            <a:solidFill>
+              <a:srgbClr val="FFFF00"/>
+            </a:solidFill>
+            <a:tailEnd type="triangle"/>
+          </a:ln>
+        </p:spPr>
+        <p:style>
+          <a:lnRef idx="1">
+            <a:schemeClr val="accent1"/>
+          </a:lnRef>
+          <a:fillRef idx="0">
+            <a:schemeClr val="accent1"/>
+          </a:fillRef>
+          <a:effectRef idx="0">
+            <a:schemeClr val="accent1"/>
+          </a:effectRef>
+          <a:fontRef idx="minor">
+            <a:schemeClr val="tx1"/>
+          </a:fontRef>
+        </p:style>
+      </p:cxnSp>
     </p:spTree>
     <p:extLst>
       <p:ext uri="{BB962C8B-B14F-4D97-AF65-F5344CB8AC3E}">
-        <p14:creationId xmlns:p14="http://schemas.microsoft.com/office/powerpoint/2010/main" val="274601416"/>
+        <p14:creationId xmlns:p14="http://schemas.microsoft.com/office/powerpoint/2010/main" val="926932731"/>
       </p:ext>
     </p:extLst>
   </p:cSld>
@@ -14820,7 +17555,124 @@
   <p:timing>
     <p:tnLst>
       <p:par>
-        <p:cTn id="1" dur="indefinite" restart="never" nodeType="tmRoot"/>
+        <p:cTn id="1" dur="indefinite" restart="never" nodeType="tmRoot">
+          <p:childTnLst>
+            <p:seq concurrent="1" nextAc="seek">
+              <p:cTn id="2" dur="indefinite" nodeType="mainSeq">
+                <p:childTnLst>
+                  <p:par>
+                    <p:cTn id="3" fill="hold">
+                      <p:stCondLst>
+                        <p:cond delay="indefinite"/>
+                      </p:stCondLst>
+                      <p:childTnLst>
+                        <p:par>
+                          <p:cTn id="4" fill="hold">
+                            <p:stCondLst>
+                              <p:cond delay="0"/>
+                            </p:stCondLst>
+                            <p:childTnLst>
+                              <p:par>
+                                <p:cTn id="5" presetID="1" presetClass="entr" presetSubtype="0" fill="hold" nodeType="clickEffect">
+                                  <p:stCondLst>
+                                    <p:cond delay="0"/>
+                                  </p:stCondLst>
+                                  <p:childTnLst>
+                                    <p:set>
+                                      <p:cBhvr>
+                                        <p:cTn id="6" dur="1" fill="hold">
+                                          <p:stCondLst>
+                                            <p:cond delay="0"/>
+                                          </p:stCondLst>
+                                        </p:cTn>
+                                        <p:tgtEl>
+                                          <p:spTgt spid="5"/>
+                                        </p:tgtEl>
+                                        <p:attrNameLst>
+                                          <p:attrName>style.visibility</p:attrName>
+                                        </p:attrNameLst>
+                                      </p:cBhvr>
+                                      <p:to>
+                                        <p:strVal val="visible"/>
+                                      </p:to>
+                                    </p:set>
+                                  </p:childTnLst>
+                                </p:cTn>
+                              </p:par>
+                            </p:childTnLst>
+                          </p:cTn>
+                        </p:par>
+                      </p:childTnLst>
+                    </p:cTn>
+                  </p:par>
+                  <p:par>
+                    <p:cTn id="7" fill="hold">
+                      <p:stCondLst>
+                        <p:cond delay="indefinite"/>
+                      </p:stCondLst>
+                      <p:childTnLst>
+                        <p:par>
+                          <p:cTn id="8" fill="hold">
+                            <p:stCondLst>
+                              <p:cond delay="0"/>
+                            </p:stCondLst>
+                            <p:childTnLst>
+                              <p:par>
+                                <p:cTn id="9" presetID="1" presetClass="entr" presetSubtype="0" fill="hold" nodeType="clickEffect">
+                                  <p:stCondLst>
+                                    <p:cond delay="0"/>
+                                  </p:stCondLst>
+                                  <p:childTnLst>
+                                    <p:set>
+                                      <p:cBhvr>
+                                        <p:cTn id="10" dur="1" fill="hold">
+                                          <p:stCondLst>
+                                            <p:cond delay="0"/>
+                                          </p:stCondLst>
+                                        </p:cTn>
+                                        <p:tgtEl>
+                                          <p:spTgt spid="3">
+                                            <p:txEl>
+                                              <p:pRg st="2" end="2"/>
+                                            </p:txEl>
+                                          </p:spTgt>
+                                        </p:tgtEl>
+                                        <p:attrNameLst>
+                                          <p:attrName>style.visibility</p:attrName>
+                                        </p:attrNameLst>
+                                      </p:cBhvr>
+                                      <p:to>
+                                        <p:strVal val="visible"/>
+                                      </p:to>
+                                    </p:set>
+                                  </p:childTnLst>
+                                </p:cTn>
+                              </p:par>
+                            </p:childTnLst>
+                          </p:cTn>
+                        </p:par>
+                      </p:childTnLst>
+                    </p:cTn>
+                  </p:par>
+                </p:childTnLst>
+              </p:cTn>
+              <p:prevCondLst>
+                <p:cond evt="onPrev" delay="0">
+                  <p:tgtEl>
+                    <p:sldTgt/>
+                  </p:tgtEl>
+                </p:cond>
+              </p:prevCondLst>
+              <p:nextCondLst>
+                <p:cond evt="onNext" delay="0">
+                  <p:tgtEl>
+                    <p:sldTgt/>
+                  </p:tgtEl>
+                </p:cond>
+              </p:nextCondLst>
+            </p:seq>
+          </p:childTnLst>
+        </p:cTn>
       </p:par>
     </p:tnLst>
   </p:timing>
@@ -14871,7 +17723,11 @@
             </a:r>
             <a:r>
               <a:rPr lang="en-NZ" sz="4400" dirty="0" err="1" smtClean="0"/>
-              <a:t>anderes</a:t>
+              <a:t>Stopword</a:t>
+            </a:r>
+            <a:r>
+              <a:rPr lang="en-NZ" sz="4400" dirty="0" smtClean="0"/>
+              <a:t> removal</a:t>
             </a:r>
             <a:endParaRPr lang="de-DE" sz="4400" dirty="0"/>
           </a:p>
@@ -14894,53 +17750,260 @@
           </a:bodyPr>
           <a:lstStyle/>
           <a:p>
+            <a:pPr marL="0" indent="0">
+              <a:buNone/>
+            </a:pPr>
+            <a:r>
+              <a:rPr lang="en-NZ" sz="3200" dirty="0" err="1" smtClean="0"/>
+              <a:t>Beispiele</a:t>
+            </a:r>
             <a:r>
               <a:rPr lang="en-NZ" sz="3200" dirty="0" smtClean="0"/>
-              <a:t>Links </a:t>
+              <a:t>: </a:t>
             </a:r>
             <a:r>
               <a:rPr lang="en-NZ" sz="3200" dirty="0" err="1" smtClean="0"/>
-              <a:t>entfernen</a:t>
+              <a:t>ist</a:t>
             </a:r>
             <a:r>
               <a:rPr lang="en-NZ" sz="3200" dirty="0" smtClean="0"/>
-              <a:t> </a:t>
-            </a:r>
-          </a:p>
-          <a:p>
+              <a:t>, und, </a:t>
+            </a:r>
             <a:r>
               <a:rPr lang="en-NZ" sz="3200" dirty="0" err="1" smtClean="0"/>
-              <a:t>Zahlen</a:t>
+              <a:t>auch</a:t>
             </a:r>
             <a:r>
               <a:rPr lang="en-NZ" sz="3200" dirty="0" smtClean="0"/>
-              <a:t> </a:t>
+              <a:t>, </a:t>
             </a:r>
             <a:r>
               <a:rPr lang="en-NZ" sz="3200" dirty="0" err="1" smtClean="0"/>
-              <a:t>entfernen</a:t>
-            </a:r>
-            <a:endParaRPr lang="en-NZ" sz="3200" dirty="0" smtClean="0"/>
-          </a:p>
-          <a:p>
+              <a:t>aber</a:t>
+            </a:r>
+            <a:r>
+              <a:rPr lang="en-NZ" sz="3200" dirty="0" smtClean="0"/>
+              <a:t>, </a:t>
+            </a:r>
             <a:r>
               <a:rPr lang="en-NZ" sz="3200" dirty="0" err="1" smtClean="0"/>
-              <a:t>Sonderzeichen</a:t>
-            </a:r>
-            <a:r>
-              <a:rPr lang="en-NZ" sz="3200" dirty="0"/>
-              <a:t> </a:t>
+              <a:t>als</a:t>
+            </a:r>
+            <a:r>
+              <a:rPr lang="en-NZ" sz="3200" dirty="0" smtClean="0"/>
+              <a:t>, </a:t>
             </a:r>
             <a:r>
               <a:rPr lang="en-NZ" sz="3200" dirty="0" err="1" smtClean="0"/>
-              <a:t>ersetzen</a:t>
-            </a:r>
-            <a:endParaRPr lang="en-NZ" sz="3200" dirty="0"/>
-          </a:p>
-          <a:p>
-            <a:endParaRPr lang="en-NZ" sz="3200" dirty="0" smtClean="0"/>
-          </a:p>
-          <a:p>
+              <a:t>diese</a:t>
+            </a:r>
+            <a:r>
+              <a:rPr lang="en-NZ" sz="3200" dirty="0" smtClean="0"/>
+              <a:t>, hat, </a:t>
+            </a:r>
+            <a:r>
+              <a:rPr lang="en-NZ" sz="3200" dirty="0" err="1" smtClean="0"/>
+              <a:t>im</a:t>
+            </a:r>
+            <a:r>
+              <a:rPr lang="en-NZ" sz="3200" dirty="0" smtClean="0"/>
+              <a:t> , in, man</a:t>
+            </a:r>
+          </a:p>
+          <a:p>
+            <a:pPr marL="0" indent="0">
+              <a:buNone/>
+            </a:pPr>
+            <a:endParaRPr lang="en-NZ" sz="3200" dirty="0" smtClean="0">
+              <a:sym typeface="Wingdings" panose="05000000000000000000" pitchFamily="2" charset="2"/>
+            </a:endParaRPr>
+          </a:p>
+          <a:p>
+            <a:pPr marL="0" indent="0">
+              <a:buNone/>
+            </a:pPr>
+            <a:r>
+              <a:rPr lang="en-NZ" sz="3200" dirty="0" smtClean="0">
+                <a:sym typeface="Wingdings" panose="05000000000000000000" pitchFamily="2" charset="2"/>
+              </a:rPr>
+              <a:t>“</a:t>
+            </a:r>
+            <a:r>
+              <a:rPr lang="en-NZ" sz="3200" dirty="0" err="1" smtClean="0">
+                <a:sym typeface="Wingdings" panose="05000000000000000000" pitchFamily="2" charset="2"/>
+              </a:rPr>
+              <a:t>im</a:t>
+            </a:r>
+            <a:r>
+              <a:rPr lang="en-NZ" sz="3200" dirty="0">
+                <a:sym typeface="Wingdings" panose="05000000000000000000" pitchFamily="2" charset="2"/>
+              </a:rPr>
+              <a:t>” </a:t>
+            </a:r>
+            <a:r>
+              <a:rPr lang="en-NZ" sz="3200" dirty="0" smtClean="0">
+                <a:sym typeface="Wingdings" panose="05000000000000000000" pitchFamily="2" charset="2"/>
+              </a:rPr>
+              <a:t>“</a:t>
+            </a:r>
+            <a:r>
+              <a:rPr lang="en-NZ" sz="3200" dirty="0" err="1" smtClean="0">
+                <a:sym typeface="Wingdings" panose="05000000000000000000" pitchFamily="2" charset="2"/>
+              </a:rPr>
+              <a:t>kurs</a:t>
+            </a:r>
+            <a:r>
+              <a:rPr lang="en-NZ" sz="3200" dirty="0">
+                <a:sym typeface="Wingdings" panose="05000000000000000000" pitchFamily="2" charset="2"/>
+              </a:rPr>
+              <a:t>” </a:t>
+            </a:r>
+            <a:r>
+              <a:rPr lang="en-NZ" sz="3200" dirty="0" smtClean="0">
+                <a:sym typeface="Wingdings" panose="05000000000000000000" pitchFamily="2" charset="2"/>
+              </a:rPr>
+              <a:t>“inform” “</a:t>
+            </a:r>
+            <a:r>
+              <a:rPr lang="en-NZ" sz="3200" dirty="0" err="1" smtClean="0">
+                <a:sym typeface="Wingdings" panose="05000000000000000000" pitchFamily="2" charset="2"/>
+              </a:rPr>
+              <a:t>retriev</a:t>
+            </a:r>
+            <a:r>
+              <a:rPr lang="en-NZ" sz="3200" dirty="0" smtClean="0">
+                <a:sym typeface="Wingdings" panose="05000000000000000000" pitchFamily="2" charset="2"/>
+              </a:rPr>
+              <a:t>” </a:t>
+            </a:r>
+            <a:r>
+              <a:rPr lang="en-NZ" sz="3200" dirty="0">
+                <a:sym typeface="Wingdings" panose="05000000000000000000" pitchFamily="2" charset="2"/>
+              </a:rPr>
+              <a:t>“</a:t>
+            </a:r>
+            <a:r>
+              <a:rPr lang="en-NZ" sz="3200" dirty="0" err="1" smtClean="0">
+                <a:sym typeface="Wingdings" panose="05000000000000000000" pitchFamily="2" charset="2"/>
+              </a:rPr>
+              <a:t>lern</a:t>
+            </a:r>
+            <a:r>
+              <a:rPr lang="en-NZ" sz="3200" dirty="0" smtClean="0">
+                <a:sym typeface="Wingdings" panose="05000000000000000000" pitchFamily="2" charset="2"/>
+              </a:rPr>
+              <a:t>” </a:t>
+            </a:r>
+            <a:r>
+              <a:rPr lang="en-NZ" sz="3200" dirty="0">
+                <a:sym typeface="Wingdings" panose="05000000000000000000" pitchFamily="2" charset="2"/>
+              </a:rPr>
+              <a:t>“man” </a:t>
+            </a:r>
+            <a:r>
+              <a:rPr lang="en-NZ" sz="3200" dirty="0" smtClean="0">
+                <a:sym typeface="Wingdings" panose="05000000000000000000" pitchFamily="2" charset="2"/>
+              </a:rPr>
+              <a:t>“</a:t>
+            </a:r>
+            <a:r>
+              <a:rPr lang="en-NZ" sz="3200" dirty="0" err="1">
+                <a:sym typeface="Wingdings" panose="05000000000000000000" pitchFamily="2" charset="2"/>
+              </a:rPr>
+              <a:t>v</a:t>
+            </a:r>
+            <a:r>
+              <a:rPr lang="en-NZ" sz="3200" dirty="0" err="1" smtClean="0">
+                <a:sym typeface="Wingdings" panose="05000000000000000000" pitchFamily="2" charset="2"/>
+              </a:rPr>
+              <a:t>iel</a:t>
+            </a:r>
+            <a:r>
+              <a:rPr lang="en-NZ" sz="3200" dirty="0" smtClean="0">
+                <a:sym typeface="Wingdings" panose="05000000000000000000" pitchFamily="2" charset="2"/>
+              </a:rPr>
+              <a:t>”</a:t>
+            </a:r>
+            <a:endParaRPr lang="de-DE" sz="3200" dirty="0"/>
+          </a:p>
+          <a:p>
+            <a:pPr marL="0" indent="0">
+              <a:buNone/>
+            </a:pPr>
+            <a:endParaRPr lang="en-NZ" sz="3200" dirty="0" smtClean="0">
+              <a:sym typeface="Wingdings" panose="05000000000000000000" pitchFamily="2" charset="2"/>
+            </a:endParaRPr>
+          </a:p>
+          <a:p>
+            <a:pPr marL="0" indent="0">
+              <a:buNone/>
+            </a:pPr>
+            <a:r>
+              <a:rPr lang="en-NZ" sz="3200" dirty="0" smtClean="0">
+                <a:sym typeface="Wingdings" panose="05000000000000000000" pitchFamily="2" charset="2"/>
+              </a:rPr>
+              <a:t>“</a:t>
+            </a:r>
+            <a:r>
+              <a:rPr lang="en-NZ" sz="3200" dirty="0" err="1">
+                <a:sym typeface="Wingdings" panose="05000000000000000000" pitchFamily="2" charset="2"/>
+              </a:rPr>
+              <a:t>k</a:t>
+            </a:r>
+            <a:r>
+              <a:rPr lang="en-NZ" sz="3200" dirty="0" err="1" smtClean="0">
+                <a:sym typeface="Wingdings" panose="05000000000000000000" pitchFamily="2" charset="2"/>
+              </a:rPr>
+              <a:t>urs</a:t>
+            </a:r>
+            <a:r>
+              <a:rPr lang="en-NZ" sz="3200" dirty="0" smtClean="0">
+                <a:sym typeface="Wingdings" panose="05000000000000000000" pitchFamily="2" charset="2"/>
+              </a:rPr>
+              <a:t>” “inform” “</a:t>
+            </a:r>
+            <a:r>
+              <a:rPr lang="en-NZ" sz="3200" dirty="0" err="1" smtClean="0">
+                <a:sym typeface="Wingdings" panose="05000000000000000000" pitchFamily="2" charset="2"/>
+              </a:rPr>
+              <a:t>retriev</a:t>
+            </a:r>
+            <a:r>
+              <a:rPr lang="en-NZ" sz="3200" dirty="0" smtClean="0">
+                <a:sym typeface="Wingdings" panose="05000000000000000000" pitchFamily="2" charset="2"/>
+              </a:rPr>
+              <a:t>” “</a:t>
+            </a:r>
+            <a:r>
+              <a:rPr lang="en-NZ" sz="3200" dirty="0" err="1" smtClean="0">
+                <a:sym typeface="Wingdings" panose="05000000000000000000" pitchFamily="2" charset="2"/>
+              </a:rPr>
+              <a:t>lern</a:t>
+            </a:r>
+            <a:r>
+              <a:rPr lang="en-NZ" sz="3200" dirty="0" smtClean="0">
+                <a:sym typeface="Wingdings" panose="05000000000000000000" pitchFamily="2" charset="2"/>
+              </a:rPr>
+              <a:t>” “</a:t>
+            </a:r>
+            <a:r>
+              <a:rPr lang="en-NZ" sz="3200" dirty="0" err="1">
+                <a:sym typeface="Wingdings" panose="05000000000000000000" pitchFamily="2" charset="2"/>
+              </a:rPr>
+              <a:t>v</a:t>
+            </a:r>
+            <a:r>
+              <a:rPr lang="en-NZ" sz="3200" dirty="0" err="1" smtClean="0">
+                <a:sym typeface="Wingdings" panose="05000000000000000000" pitchFamily="2" charset="2"/>
+              </a:rPr>
+              <a:t>iel</a:t>
+            </a:r>
+            <a:r>
+              <a:rPr lang="en-NZ" sz="3200" dirty="0" smtClean="0">
+                <a:sym typeface="Wingdings" panose="05000000000000000000" pitchFamily="2" charset="2"/>
+              </a:rPr>
+              <a:t>”</a:t>
+            </a:r>
             <a:endParaRPr lang="de-DE" sz="3200" dirty="0"/>
           </a:p>
         </p:txBody>
@@ -14968,10 +18031,46 @@
           </a:p>
         </p:txBody>
       </p:sp>
+      <p:cxnSp>
+        <p:nvCxnSpPr>
+          <p:cNvPr id="5" name="Gerade Verbindung mit Pfeil 4"/>
+          <p:cNvCxnSpPr/>
+          <p:nvPr/>
+        </p:nvCxnSpPr>
+        <p:spPr>
+          <a:xfrm flipH="1">
+            <a:off x="4167266" y="4390218"/>
+            <a:ext cx="2957" cy="616497"/>
+          </a:xfrm>
+          <a:prstGeom prst="straightConnector1">
+            <a:avLst/>
+          </a:prstGeom>
+          <a:ln w="60325">
+            <a:solidFill>
+              <a:srgbClr val="FFFF00"/>
+            </a:solidFill>
+            <a:tailEnd type="triangle"/>
+          </a:ln>
+        </p:spPr>
+        <p:style>
+          <a:lnRef idx="1">
+            <a:schemeClr val="accent1"/>
+          </a:lnRef>
+          <a:fillRef idx="0">
+            <a:schemeClr val="accent1"/>
+          </a:fillRef>
+          <a:effectRef idx="0">
+            <a:schemeClr val="accent1"/>
+          </a:effectRef>
+          <a:fontRef idx="minor">
+            <a:schemeClr val="tx1"/>
+          </a:fontRef>
+        </p:style>
+      </p:cxnSp>
     </p:spTree>
     <p:extLst>
       <p:ext uri="{BB962C8B-B14F-4D97-AF65-F5344CB8AC3E}">
-        <p14:creationId xmlns:p14="http://schemas.microsoft.com/office/powerpoint/2010/main" val="1246317360"/>
+        <p14:creationId xmlns:p14="http://schemas.microsoft.com/office/powerpoint/2010/main" val="274601416"/>
       </p:ext>
     </p:extLst>
   </p:cSld>
@@ -14981,7 +18080,173 @@
   <p:timing>
     <p:tnLst>
       <p:par>
-        <p:cTn id="1" dur="indefinite" restart="never" nodeType="tmRoot"/>
+        <p:cTn id="1" dur="indefinite" restart="never" nodeType="tmRoot">
+          <p:childTnLst>
+            <p:seq concurrent="1" nextAc="seek">
+              <p:cTn id="2" dur="indefinite" nodeType="mainSeq">
+                <p:childTnLst>
+                  <p:par>
+                    <p:cTn id="3" fill="hold">
+                      <p:stCondLst>
+                        <p:cond delay="indefinite"/>
+                      </p:stCondLst>
+                      <p:childTnLst>
+                        <p:par>
+                          <p:cTn id="4" fill="hold">
+                            <p:stCondLst>
+                              <p:cond delay="0"/>
+                            </p:stCondLst>
+                            <p:childTnLst>
+                              <p:par>
+                                <p:cTn id="5" presetID="1" presetClass="entr" presetSubtype="0" fill="hold" nodeType="clickEffect">
+                                  <p:stCondLst>
+                                    <p:cond delay="0"/>
+                                  </p:stCondLst>
+                                  <p:childTnLst>
+                                    <p:set>
+                                      <p:cBhvr>
+                                        <p:cTn id="6" dur="1" fill="hold">
+                                          <p:stCondLst>
+                                            <p:cond delay="0"/>
+                                          </p:stCondLst>
+                                        </p:cTn>
+                                        <p:tgtEl>
+                                          <p:spTgt spid="3">
+                                            <p:txEl>
+                                              <p:pRg st="2" end="2"/>
+                                            </p:txEl>
+                                          </p:spTgt>
+                                        </p:tgtEl>
+                                        <p:attrNameLst>
+                                          <p:attrName>style.visibility</p:attrName>
+                                        </p:attrNameLst>
+                                      </p:cBhvr>
+                                      <p:to>
+                                        <p:strVal val="visible"/>
+                                      </p:to>
+                                    </p:set>
+                                  </p:childTnLst>
+                                </p:cTn>
+                              </p:par>
+                            </p:childTnLst>
+                          </p:cTn>
+                        </p:par>
+                      </p:childTnLst>
+                    </p:cTn>
+                  </p:par>
+                  <p:par>
+                    <p:cTn id="7" fill="hold">
+                      <p:stCondLst>
+                        <p:cond delay="indefinite"/>
+                      </p:stCondLst>
+                      <p:childTnLst>
+                        <p:par>
+                          <p:cTn id="8" fill="hold">
+                            <p:stCondLst>
+                              <p:cond delay="0"/>
+                            </p:stCondLst>
+                            <p:childTnLst>
+                              <p:par>
+                                <p:cTn id="9" presetID="1" presetClass="entr" presetSubtype="0" fill="hold" nodeType="clickEffect">
+                                  <p:stCondLst>
+                                    <p:cond delay="0"/>
+                                  </p:stCondLst>
+                                  <p:childTnLst>
+                                    <p:set>
+                                      <p:cBhvr>
+                                        <p:cTn id="10" dur="1" fill="hold">
+                                          <p:stCondLst>
+                                            <p:cond delay="0"/>
+                                          </p:stCondLst>
+                                        </p:cTn>
+                                        <p:tgtEl>
+                                          <p:spTgt spid="5"/>
+                                        </p:tgtEl>
+                                        <p:attrNameLst>
+                                          <p:attrName>style.visibility</p:attrName>
+                                        </p:attrNameLst>
+                                      </p:cBhvr>
+                                      <p:to>
+                                        <p:strVal val="visible"/>
+                                      </p:to>
+                                    </p:set>
+                                  </p:childTnLst>
+                                </p:cTn>
+                              </p:par>
+                            </p:childTnLst>
+                          </p:cTn>
+                        </p:par>
+                      </p:childTnLst>
+                    </p:cTn>
+                  </p:par>
+                  <p:par>
+                    <p:cTn id="11" fill="hold">
+                      <p:stCondLst>
+                        <p:cond delay="indefinite"/>
+                      </p:stCondLst>
+                      <p:childTnLst>
+                        <p:par>
+                          <p:cTn id="12" fill="hold">
+                            <p:stCondLst>
+                              <p:cond delay="0"/>
+                            </p:stCondLst>
+                            <p:childTnLst>
+                              <p:par>
+                                <p:cTn id="13" presetID="1" presetClass="entr" presetSubtype="0" fill="hold" nodeType="clickEffect">
+                                  <p:stCondLst>
+                                    <p:cond delay="0"/>
+                                  </p:stCondLst>
+                                  <p:childTnLst>
+                                    <p:set>
+                                      <p:cBhvr>
+                                        <p:cTn id="14" dur="1" fill="hold">
+                                          <p:stCondLst>
+                                            <p:cond delay="0"/>
+                                          </p:stCondLst>
+                                        </p:cTn>
+                                        <p:tgtEl>
+                                          <p:spTgt spid="3">
+                                            <p:txEl>
+                                              <p:pRg st="4" end="4"/>
+                                            </p:txEl>
+                                          </p:spTgt>
+                                        </p:tgtEl>
+                                        <p:attrNameLst>
+                                          <p:attrName>style.visibility</p:attrName>
+                                        </p:attrNameLst>
+                                      </p:cBhvr>
+                                      <p:to>
+                                        <p:strVal val="visible"/>
+                                      </p:to>
+                                    </p:set>
+                                  </p:childTnLst>
+                                </p:cTn>
+                              </p:par>
+                            </p:childTnLst>
+                          </p:cTn>
+                        </p:par>
+                      </p:childTnLst>
+                    </p:cTn>
+                  </p:par>
+                </p:childTnLst>
+              </p:cTn>
+              <p:prevCondLst>
+                <p:cond evt="onPrev" delay="0">
+                  <p:tgtEl>
+                    <p:sldTgt/>
+                  </p:tgtEl>
+                </p:cond>
+              </p:prevCondLst>
+              <p:nextCondLst>
+                <p:cond evt="onNext" delay="0">
+                  <p:tgtEl>
+                    <p:sldTgt/>
+                  </p:tgtEl>
+                </p:cond>
+              </p:nextCondLst>
+            </p:seq>
+          </p:childTnLst>
+        </p:cTn>
       </p:par>
     </p:tnLst>
   </p:timing>
@@ -15023,8 +18288,16 @@
           <a:lstStyle/>
           <a:p>
             <a:r>
+              <a:rPr lang="en-NZ" sz="4400" dirty="0" err="1" smtClean="0"/>
+              <a:t>Preprocessing</a:t>
+            </a:r>
+            <a:r>
               <a:rPr lang="en-NZ" sz="4400" dirty="0" smtClean="0"/>
-              <a:t>Indexing</a:t>
+              <a:t> - </a:t>
+            </a:r>
+            <a:r>
+              <a:rPr lang="en-NZ" sz="4400" dirty="0" err="1" smtClean="0"/>
+              <a:t>anderes</a:t>
             </a:r>
             <a:endParaRPr lang="de-DE" sz="4400" dirty="0"/>
           </a:p>
@@ -15042,38 +18315,59 @@
         </p:nvSpPr>
         <p:spPr/>
         <p:txBody>
-          <a:bodyPr/>
+          <a:bodyPr>
+            <a:normAutofit/>
+          </a:bodyPr>
           <a:lstStyle/>
           <a:p>
             <a:r>
+              <a:rPr lang="en-NZ" sz="3200" dirty="0" smtClean="0"/>
+              <a:t>Links </a:t>
+            </a:r>
+            <a:r>
               <a:rPr lang="en-NZ" sz="3200" dirty="0" err="1" smtClean="0"/>
-              <a:t>Verbesserte</a:t>
+              <a:t>entfernen</a:t>
             </a:r>
             <a:r>
               <a:rPr lang="en-NZ" sz="3200" dirty="0" smtClean="0"/>
               <a:t> </a:t>
             </a:r>
+          </a:p>
+          <a:p>
             <a:r>
               <a:rPr lang="en-NZ" sz="3200" dirty="0" err="1" smtClean="0"/>
-              <a:t>Effizienz</a:t>
+              <a:t>Zahlen</a:t>
+            </a:r>
+            <a:r>
+              <a:rPr lang="en-NZ" sz="3200" dirty="0" smtClean="0"/>
+              <a:t> </a:t>
+            </a:r>
+            <a:r>
+              <a:rPr lang="en-NZ" sz="3200" dirty="0" err="1" smtClean="0"/>
+              <a:t>entfernen</a:t>
             </a:r>
             <a:endParaRPr lang="en-NZ" sz="3200" dirty="0" smtClean="0"/>
           </a:p>
           <a:p>
             <a:r>
               <a:rPr lang="en-NZ" sz="3200" dirty="0" err="1" smtClean="0"/>
-              <a:t>Tabellen</a:t>
-            </a:r>
+              <a:t>Sonderzeichen</a:t>
+            </a:r>
+            <a:r>
+              <a:rPr lang="en-NZ" sz="3200" dirty="0"/>
+              <a:t> </a:t>
+            </a:r>
+            <a:r>
+              <a:rPr lang="en-NZ" sz="3200" dirty="0" err="1" smtClean="0"/>
+              <a:t>ersetzen</a:t>
+            </a:r>
+            <a:endParaRPr lang="en-NZ" sz="3200" dirty="0"/>
+          </a:p>
+          <a:p>
             <a:endParaRPr lang="en-NZ" sz="3200" dirty="0" smtClean="0"/>
           </a:p>
           <a:p>
-            <a:r>
-              <a:rPr lang="en-NZ" sz="3200" dirty="0" smtClean="0"/>
-              <a:t>Saving word positions </a:t>
-            </a:r>
-          </a:p>
-          <a:p>
-            <a:endParaRPr lang="de-DE" dirty="0"/>
+            <a:endParaRPr lang="de-DE" sz="3200" dirty="0"/>
           </a:p>
         </p:txBody>
       </p:sp>
@@ -15103,7 +18397,7 @@
     </p:spTree>
     <p:extLst>
       <p:ext uri="{BB962C8B-B14F-4D97-AF65-F5344CB8AC3E}">
-        <p14:creationId xmlns:p14="http://schemas.microsoft.com/office/powerpoint/2010/main" val="1597111151"/>
+        <p14:creationId xmlns:p14="http://schemas.microsoft.com/office/powerpoint/2010/main" val="1246317360"/>
       </p:ext>
     </p:extLst>
   </p:cSld>
@@ -15147,7 +18441,12 @@
             <p:ph type="title"/>
           </p:nvPr>
         </p:nvSpPr>
-        <p:spPr/>
+        <p:spPr>
+          <a:xfrm>
+            <a:off x="827523" y="388867"/>
+            <a:ext cx="9905998" cy="1478570"/>
+          </a:xfrm>
+        </p:spPr>
         <p:txBody>
           <a:bodyPr>
             <a:normAutofit/>
@@ -15155,42 +18454,70 @@
           <a:lstStyle/>
           <a:p>
             <a:r>
-              <a:rPr lang="en-NZ" sz="4400" dirty="0" smtClean="0"/>
-              <a:t>INDEX</a:t>
+              <a:rPr lang="en-NZ" sz="4400" dirty="0" err="1" smtClean="0"/>
+              <a:t>Schritte</a:t>
             </a:r>
             <a:endParaRPr lang="de-DE" sz="4400" dirty="0"/>
           </a:p>
         </p:txBody>
       </p:sp>
-      <p:pic>
-        <p:nvPicPr>
-          <p:cNvPr id="6" name="Inhaltsplatzhalter 5"/>
-          <p:cNvPicPr>
-            <a:picLocks noGrp="1" noChangeAspect="1"/>
-          </p:cNvPicPr>
+      <p:sp>
+        <p:nvSpPr>
+          <p:cNvPr id="3" name="Inhaltsplatzhalter 2"/>
+          <p:cNvSpPr>
+            <a:spLocks noGrp="1"/>
+          </p:cNvSpPr>
           <p:nvPr>
             <p:ph idx="1"/>
           </p:nvPr>
-        </p:nvPicPr>
-        <p:blipFill>
-          <a:blip r:embed="rId2"/>
-          <a:stretch>
-            <a:fillRect/>
-          </a:stretch>
-        </p:blipFill>
-        <p:spPr>
-          <a:xfrm>
-            <a:off x="3164928" y="2097088"/>
-            <a:ext cx="5858968" cy="4398818"/>
-          </a:xfrm>
-          <a:prstGeom prst="rect">
-            <a:avLst/>
-          </a:prstGeom>
-        </p:spPr>
-      </p:pic>
+        </p:nvSpPr>
+        <p:spPr/>
+        <p:txBody>
+          <a:bodyPr/>
+          <a:lstStyle/>
+          <a:p>
+            <a:pPr marL="0" indent="0">
+              <a:buNone/>
+            </a:pPr>
+            <a:r>
+              <a:rPr lang="en-NZ" sz="3200" dirty="0" smtClean="0"/>
+              <a:t>1. </a:t>
+            </a:r>
+            <a:r>
+              <a:rPr lang="en-NZ" sz="3200" dirty="0" err="1" smtClean="0"/>
+              <a:t>Preprocessing</a:t>
+            </a:r>
+            <a:endParaRPr lang="en-NZ" sz="3200" dirty="0" smtClean="0"/>
+          </a:p>
+          <a:p>
+            <a:pPr marL="0" indent="0">
+              <a:buNone/>
+            </a:pPr>
+            <a:r>
+              <a:rPr lang="en-NZ" sz="3200" dirty="0" smtClean="0"/>
+              <a:t>2. Indexing</a:t>
+            </a:r>
+          </a:p>
+          <a:p>
+            <a:pPr marL="0" indent="0">
+              <a:buNone/>
+            </a:pPr>
+            <a:r>
+              <a:rPr lang="en-NZ" sz="3200" dirty="0" smtClean="0"/>
+              <a:t>3. Ranking</a:t>
+            </a:r>
+          </a:p>
+          <a:p>
+            <a:pPr marL="0" indent="0">
+              <a:buNone/>
+            </a:pPr>
+            <a:endParaRPr lang="de-DE" dirty="0"/>
+          </a:p>
+        </p:txBody>
+      </p:sp>
       <p:sp>
         <p:nvSpPr>
-          <p:cNvPr id="7" name="Foliennummernplatzhalter 6"/>
+          <p:cNvPr id="4" name="Foliennummernplatzhalter 3"/>
           <p:cNvSpPr>
             <a:spLocks noGrp="1"/>
           </p:cNvSpPr>
@@ -15214,7 +18541,7 @@
     </p:spTree>
     <p:extLst>
       <p:ext uri="{BB962C8B-B14F-4D97-AF65-F5344CB8AC3E}">
-        <p14:creationId xmlns:p14="http://schemas.microsoft.com/office/powerpoint/2010/main" val="3240065503"/>
+        <p14:creationId xmlns:p14="http://schemas.microsoft.com/office/powerpoint/2010/main" val="2032854687"/>
       </p:ext>
     </p:extLst>
   </p:cSld>
@@ -15224,7 +18551,75 @@
   <p:timing>
     <p:tnLst>
       <p:par>
-        <p:cTn id="1" dur="indefinite" restart="never" nodeType="tmRoot"/>
+        <p:cTn id="1" dur="indefinite" restart="never" nodeType="tmRoot">
+          <p:childTnLst>
+            <p:seq concurrent="1" nextAc="seek">
+              <p:cTn id="2" dur="indefinite" nodeType="mainSeq">
+                <p:childTnLst>
+                  <p:par>
+                    <p:cTn id="3" fill="hold">
+                      <p:stCondLst>
+                        <p:cond delay="indefinite"/>
+                      </p:stCondLst>
+                      <p:childTnLst>
+                        <p:par>
+                          <p:cTn id="4" fill="hold">
+                            <p:stCondLst>
+                              <p:cond delay="0"/>
+                            </p:stCondLst>
+                            <p:childTnLst>
+                              <p:par>
+                                <p:cTn id="5" presetID="3" presetClass="emph" presetSubtype="2" fill="hold" nodeType="clickEffect">
+                                  <p:stCondLst>
+                                    <p:cond delay="0"/>
+                                  </p:stCondLst>
+                                  <p:childTnLst>
+                                    <p:animClr clrSpc="rgb" dir="cw">
+                                      <p:cBhvr override="childStyle">
+                                        <p:cTn id="6" dur="2000" fill="hold"/>
+                                        <p:tgtEl>
+                                          <p:spTgt spid="3">
+                                            <p:txEl>
+                                              <p:pRg st="1" end="1"/>
+                                            </p:txEl>
+                                          </p:spTgt>
+                                        </p:tgtEl>
+                                        <p:attrNameLst>
+                                          <p:attrName>style.color</p:attrName>
+                                        </p:attrNameLst>
+                                      </p:cBhvr>
+                                      <p:to>
+                                        <a:srgbClr val="FF0000"/>
+                                      </p:to>
+                                    </p:animClr>
+                                  </p:childTnLst>
+                                </p:cTn>
+                              </p:par>
+                            </p:childTnLst>
+                          </p:cTn>
+                        </p:par>
+                      </p:childTnLst>
+                    </p:cTn>
+                  </p:par>
+                </p:childTnLst>
+              </p:cTn>
+              <p:prevCondLst>
+                <p:cond evt="onPrev" delay="0">
+                  <p:tgtEl>
+                    <p:sldTgt/>
+                  </p:tgtEl>
+                </p:cond>
+              </p:prevCondLst>
+              <p:nextCondLst>
+                <p:cond evt="onNext" delay="0">
+                  <p:tgtEl>
+                    <p:sldTgt/>
+                  </p:tgtEl>
+                </p:cond>
+              </p:nextCondLst>
+            </p:seq>
+          </p:childTnLst>
+        </p:cTn>
       </p:par>
     </p:tnLst>
   </p:timing>
